--- a/MATH/colloquium.pptx
+++ b/MATH/colloquium.pptx
@@ -359,7 +359,7 @@
           <a:p>
             <a:fld id="{97F2C947-0B0D-400B-B67A-9D87DBCB2F86}" type="datetimeFigureOut">
               <a:rPr lang="ru-RU" smtClean="0"/>
-              <a:t>25.10.2024</a:t>
+              <a:t>27.10.2024</a:t>
             </a:fld>
             <a:endParaRPr lang="ru-RU"/>
           </a:p>
@@ -688,7 +688,7 @@
           <a:p>
             <a:fld id="{97F2C947-0B0D-400B-B67A-9D87DBCB2F86}" type="datetimeFigureOut">
               <a:rPr lang="ru-RU" smtClean="0"/>
-              <a:t>25.10.2024</a:t>
+              <a:t>27.10.2024</a:t>
             </a:fld>
             <a:endParaRPr lang="ru-RU"/>
           </a:p>
@@ -17387,7 +17387,12 @@
                 <p:ph type="body" sz="quarter" idx="13"/>
               </p:nvPr>
             </p:nvSpPr>
-            <p:spPr/>
+            <p:spPr>
+              <a:xfrm>
+                <a:off x="838200" y="1031097"/>
+                <a:ext cx="10515600" cy="5196010"/>
+              </a:xfrm>
+            </p:spPr>
             <p:txBody>
               <a:bodyPr>
                 <a:normAutofit/>
@@ -18675,10 +18680,14 @@
               </p:nvPr>
             </p:nvSpPr>
             <p:spPr>
+              <a:xfrm>
+                <a:off x="838200" y="1031097"/>
+                <a:ext cx="10515600" cy="5196010"/>
+              </a:xfrm>
               <a:blipFill>
                 <a:blip r:embed="rId2"/>
                 <a:stretch>
-                  <a:fillRect l="-522" t="-1056" r="-116"/>
+                  <a:fillRect l="-522" t="-1055" r="-116"/>
                 </a:stretch>
               </a:blipFill>
             </p:spPr>
@@ -18775,90 +18784,2397 @@
           </a:p>
         </p:txBody>
       </p:sp>
-      <p:sp>
-        <p:nvSpPr>
-          <p:cNvPr id="3" name="Текст 2">
-            <a:extLst>
-              <a:ext uri="{FF2B5EF4-FFF2-40B4-BE49-F238E27FC236}">
-                <a16:creationId xmlns:a16="http://schemas.microsoft.com/office/drawing/2014/main" id="{A8821415-ED57-45A9-8D37-060E139F5A0B}"/>
-              </a:ext>
-            </a:extLst>
-          </p:cNvPr>
-          <p:cNvSpPr>
-            <a:spLocks noGrp="1"/>
-          </p:cNvSpPr>
-          <p:nvPr>
-            <p:ph type="body" sz="quarter" idx="13"/>
-          </p:nvPr>
-        </p:nvSpPr>
-        <p:spPr/>
-        <p:txBody>
-          <a:bodyPr/>
-          <a:lstStyle/>
-          <a:p>
-            <a:r>
-              <a:rPr lang="ru-RU" b="1" dirty="0"/>
-              <a:t>Теорема </a:t>
-            </a:r>
-            <a:r>
-              <a:rPr lang="ru-RU" dirty="0"/>
-              <a:t>о делении с остатком.</a:t>
-            </a:r>
-          </a:p>
-          <a:p>
-            <a:r>
-              <a:rPr lang="ru-RU" dirty="0"/>
-              <a:t>Пусть </a:t>
-            </a:r>
-            <a:r>
-              <a:rPr lang="en-US" dirty="0"/>
-              <a:t>f(x), g(x) ∈ R[x], g(x) ≠ 0. </a:t>
-            </a:r>
-            <a:r>
-              <a:rPr lang="ru-RU" dirty="0"/>
-              <a:t>Тогда существует и при том единственные </a:t>
-            </a:r>
-            <a:r>
-              <a:rPr lang="en-US" dirty="0"/>
-              <a:t>q(x),r(x) ∈ R[x]: f(x) = q(x)g(x) + r(x), deg r(x) &lt; deg q(x)</a:t>
-            </a:r>
-            <a:endParaRPr lang="ru-RU" dirty="0"/>
-          </a:p>
-          <a:p>
-            <a:endParaRPr lang="ru-RU" dirty="0"/>
-          </a:p>
-        </p:txBody>
-      </p:sp>
-      <p:pic>
-        <p:nvPicPr>
-          <p:cNvPr id="5" name="Рисунок 4">
-            <a:extLst>
-              <a:ext uri="{FF2B5EF4-FFF2-40B4-BE49-F238E27FC236}">
-                <a16:creationId xmlns:a16="http://schemas.microsoft.com/office/drawing/2014/main" id="{CCE70DB9-E392-43BE-877E-26F15E46DC07}"/>
-              </a:ext>
-            </a:extLst>
-          </p:cNvPr>
-          <p:cNvPicPr>
-            <a:picLocks noChangeAspect="1"/>
-          </p:cNvPicPr>
-          <p:nvPr/>
-        </p:nvPicPr>
-        <p:blipFill>
-          <a:blip r:embed="rId2"/>
-          <a:stretch>
-            <a:fillRect/>
-          </a:stretch>
-        </p:blipFill>
-        <p:spPr>
-          <a:xfrm>
-            <a:off x="838200" y="1954409"/>
-            <a:ext cx="8913181" cy="4503913"/>
-          </a:xfrm>
-          <a:prstGeom prst="rect">
-            <a:avLst/>
-          </a:prstGeom>
-        </p:spPr>
-      </p:pic>
+      <mc:AlternateContent xmlns:mc="http://schemas.openxmlformats.org/markup-compatibility/2006" xmlns:a14="http://schemas.microsoft.com/office/drawing/2010/main">
+        <mc:Choice Requires="a14">
+          <p:sp>
+            <p:nvSpPr>
+              <p:cNvPr id="3" name="Текст 2">
+                <a:extLst>
+                  <a:ext uri="{FF2B5EF4-FFF2-40B4-BE49-F238E27FC236}">
+                    <a16:creationId xmlns:a16="http://schemas.microsoft.com/office/drawing/2014/main" id="{A8821415-ED57-45A9-8D37-060E139F5A0B}"/>
+                  </a:ext>
+                </a:extLst>
+              </p:cNvPr>
+              <p:cNvSpPr>
+                <a:spLocks noGrp="1"/>
+              </p:cNvSpPr>
+              <p:nvPr>
+                <p:ph type="body" sz="quarter" idx="13"/>
+              </p:nvPr>
+            </p:nvSpPr>
+            <p:spPr>
+              <a:xfrm>
+                <a:off x="838200" y="993774"/>
+                <a:ext cx="10515600" cy="5630761"/>
+              </a:xfrm>
+            </p:spPr>
+            <p:txBody>
+              <a:bodyPr>
+                <a:normAutofit/>
+              </a:bodyPr>
+              <a:lstStyle/>
+              <a:p>
+                <a:r>
+                  <a:rPr lang="ru-RU" b="1" dirty="0"/>
+                  <a:t>Теорема </a:t>
+                </a:r>
+                <a:r>
+                  <a:rPr lang="ru-RU" dirty="0"/>
+                  <a:t>о делении с остатком.</a:t>
+                </a:r>
+              </a:p>
+              <a:p>
+                <a:r>
+                  <a:rPr lang="ru-RU" dirty="0"/>
+                  <a:t>Пусть </a:t>
+                </a:r>
+                <a14:m>
+                  <m:oMath xmlns:m="http://schemas.openxmlformats.org/officeDocument/2006/math">
+                    <m:r>
+                      <a:rPr lang="en-US" i="1" dirty="0" smtClean="0">
+                        <a:latin typeface="Cambria Math" panose="02040503050406030204" pitchFamily="18" charset="0"/>
+                      </a:rPr>
+                      <m:t>𝑓</m:t>
+                    </m:r>
+                    <m:r>
+                      <a:rPr lang="en-US" i="1" dirty="0" smtClean="0">
+                        <a:latin typeface="Cambria Math" panose="02040503050406030204" pitchFamily="18" charset="0"/>
+                      </a:rPr>
+                      <m:t>(</m:t>
+                    </m:r>
+                    <m:r>
+                      <a:rPr lang="en-US" i="1" dirty="0" smtClean="0">
+                        <a:latin typeface="Cambria Math" panose="02040503050406030204" pitchFamily="18" charset="0"/>
+                      </a:rPr>
+                      <m:t>𝑥</m:t>
+                    </m:r>
+                    <m:r>
+                      <a:rPr lang="en-US" i="1" dirty="0" smtClean="0">
+                        <a:latin typeface="Cambria Math" panose="02040503050406030204" pitchFamily="18" charset="0"/>
+                      </a:rPr>
+                      <m:t>), </m:t>
+                    </m:r>
+                    <m:r>
+                      <a:rPr lang="en-US" i="1" dirty="0" smtClean="0">
+                        <a:latin typeface="Cambria Math" panose="02040503050406030204" pitchFamily="18" charset="0"/>
+                      </a:rPr>
+                      <m:t>𝑔</m:t>
+                    </m:r>
+                    <m:r>
+                      <a:rPr lang="en-US" i="1" dirty="0" smtClean="0">
+                        <a:latin typeface="Cambria Math" panose="02040503050406030204" pitchFamily="18" charset="0"/>
+                      </a:rPr>
+                      <m:t>(</m:t>
+                    </m:r>
+                    <m:r>
+                      <a:rPr lang="en-US" i="1" dirty="0" smtClean="0">
+                        <a:latin typeface="Cambria Math" panose="02040503050406030204" pitchFamily="18" charset="0"/>
+                      </a:rPr>
+                      <m:t>𝑥</m:t>
+                    </m:r>
+                    <m:r>
+                      <a:rPr lang="en-US" i="1" dirty="0" smtClean="0">
+                        <a:latin typeface="Cambria Math" panose="02040503050406030204" pitchFamily="18" charset="0"/>
+                      </a:rPr>
+                      <m:t>) ∈ </m:t>
+                    </m:r>
+                    <m:r>
+                      <a:rPr lang="en-US" i="1" dirty="0" smtClean="0">
+                        <a:latin typeface="Cambria Math" panose="02040503050406030204" pitchFamily="18" charset="0"/>
+                      </a:rPr>
+                      <m:t>𝑅</m:t>
+                    </m:r>
+                    <m:r>
+                      <a:rPr lang="en-US" i="1" dirty="0" smtClean="0">
+                        <a:latin typeface="Cambria Math" panose="02040503050406030204" pitchFamily="18" charset="0"/>
+                      </a:rPr>
+                      <m:t>[</m:t>
+                    </m:r>
+                    <m:r>
+                      <a:rPr lang="en-US" i="1" dirty="0" smtClean="0">
+                        <a:latin typeface="Cambria Math" panose="02040503050406030204" pitchFamily="18" charset="0"/>
+                      </a:rPr>
+                      <m:t>𝑥</m:t>
+                    </m:r>
+                    <m:r>
+                      <a:rPr lang="en-US" i="1" dirty="0" smtClean="0">
+                        <a:latin typeface="Cambria Math" panose="02040503050406030204" pitchFamily="18" charset="0"/>
+                      </a:rPr>
+                      <m:t>], </m:t>
+                    </m:r>
+                    <m:r>
+                      <a:rPr lang="en-US" i="1" dirty="0" smtClean="0">
+                        <a:latin typeface="Cambria Math" panose="02040503050406030204" pitchFamily="18" charset="0"/>
+                      </a:rPr>
+                      <m:t>𝑔</m:t>
+                    </m:r>
+                    <m:r>
+                      <a:rPr lang="en-US" i="1" dirty="0" smtClean="0">
+                        <a:latin typeface="Cambria Math" panose="02040503050406030204" pitchFamily="18" charset="0"/>
+                      </a:rPr>
+                      <m:t>(</m:t>
+                    </m:r>
+                    <m:r>
+                      <a:rPr lang="en-US" i="1" dirty="0" smtClean="0">
+                        <a:latin typeface="Cambria Math" panose="02040503050406030204" pitchFamily="18" charset="0"/>
+                      </a:rPr>
+                      <m:t>𝑥</m:t>
+                    </m:r>
+                    <m:r>
+                      <a:rPr lang="en-US" i="1" dirty="0" smtClean="0">
+                        <a:latin typeface="Cambria Math" panose="02040503050406030204" pitchFamily="18" charset="0"/>
+                      </a:rPr>
+                      <m:t>) ≠ 0</m:t>
+                    </m:r>
+                  </m:oMath>
+                </a14:m>
+                <a:r>
+                  <a:rPr lang="en-US" dirty="0"/>
+                  <a:t>. </a:t>
+                </a:r>
+                <a:r>
+                  <a:rPr lang="ru-RU" dirty="0"/>
+                  <a:t>Тогда существует и при том единственные</a:t>
+                </a:r>
+                <a:endParaRPr lang="en-US" dirty="0"/>
+              </a:p>
+              <a:p>
+                <a:pPr/>
+                <a14:m>
+                  <m:oMathPara xmlns:m="http://schemas.openxmlformats.org/officeDocument/2006/math">
+                    <m:oMathParaPr>
+                      <m:jc m:val="center"/>
+                    </m:oMathParaPr>
+                    <m:oMath xmlns:m="http://schemas.openxmlformats.org/officeDocument/2006/math">
+                      <m:r>
+                        <a:rPr lang="en-US" i="1" dirty="0" smtClean="0">
+                          <a:latin typeface="Cambria Math" panose="02040503050406030204" pitchFamily="18" charset="0"/>
+                          <a:ea typeface="Cambria Math" panose="02040503050406030204" pitchFamily="18" charset="0"/>
+                        </a:rPr>
+                        <m:t>∃</m:t>
+                      </m:r>
+                      <m:r>
+                        <a:rPr lang="en-US" b="0" i="1" dirty="0" smtClean="0">
+                          <a:latin typeface="Cambria Math" panose="02040503050406030204" pitchFamily="18" charset="0"/>
+                          <a:ea typeface="Cambria Math" panose="02040503050406030204" pitchFamily="18" charset="0"/>
+                        </a:rPr>
+                        <m:t>! </m:t>
+                      </m:r>
+                      <m:r>
+                        <a:rPr lang="en-US" i="1" dirty="0" smtClean="0">
+                          <a:latin typeface="Cambria Math" panose="02040503050406030204" pitchFamily="18" charset="0"/>
+                        </a:rPr>
+                        <m:t>𝑞</m:t>
+                      </m:r>
+                      <m:d>
+                        <m:dPr>
+                          <m:ctrlPr>
+                            <a:rPr lang="en-US" i="1" dirty="0" smtClean="0">
+                              <a:latin typeface="Cambria Math" panose="02040503050406030204" pitchFamily="18" charset="0"/>
+                            </a:rPr>
+                          </m:ctrlPr>
+                        </m:dPr>
+                        <m:e>
+                          <m:r>
+                            <a:rPr lang="en-US" i="1" dirty="0" smtClean="0">
+                              <a:latin typeface="Cambria Math" panose="02040503050406030204" pitchFamily="18" charset="0"/>
+                            </a:rPr>
+                            <m:t>𝑥</m:t>
+                          </m:r>
+                        </m:e>
+                      </m:d>
+                      <m:r>
+                        <a:rPr lang="en-US" i="1" dirty="0" smtClean="0">
+                          <a:latin typeface="Cambria Math" panose="02040503050406030204" pitchFamily="18" charset="0"/>
+                        </a:rPr>
+                        <m:t>,</m:t>
+                      </m:r>
+                      <m:r>
+                        <a:rPr lang="en-US" i="1" dirty="0" smtClean="0">
+                          <a:latin typeface="Cambria Math" panose="02040503050406030204" pitchFamily="18" charset="0"/>
+                        </a:rPr>
+                        <m:t>𝑟</m:t>
+                      </m:r>
+                      <m:d>
+                        <m:dPr>
+                          <m:ctrlPr>
+                            <a:rPr lang="en-US" i="1" dirty="0" smtClean="0">
+                              <a:latin typeface="Cambria Math" panose="02040503050406030204" pitchFamily="18" charset="0"/>
+                            </a:rPr>
+                          </m:ctrlPr>
+                        </m:dPr>
+                        <m:e>
+                          <m:r>
+                            <a:rPr lang="en-US" i="1" dirty="0" smtClean="0">
+                              <a:latin typeface="Cambria Math" panose="02040503050406030204" pitchFamily="18" charset="0"/>
+                            </a:rPr>
+                            <m:t>𝑥</m:t>
+                          </m:r>
+                        </m:e>
+                      </m:d>
+                      <m:r>
+                        <a:rPr lang="en-US" i="1" dirty="0" smtClean="0">
+                          <a:latin typeface="Cambria Math" panose="02040503050406030204" pitchFamily="18" charset="0"/>
+                        </a:rPr>
+                        <m:t>∈ </m:t>
+                      </m:r>
+                      <m:r>
+                        <a:rPr lang="en-US" i="1" dirty="0" smtClean="0">
+                          <a:latin typeface="Cambria Math" panose="02040503050406030204" pitchFamily="18" charset="0"/>
+                        </a:rPr>
+                        <m:t>𝑅</m:t>
+                      </m:r>
+                      <m:d>
+                        <m:dPr>
+                          <m:begChr m:val="["/>
+                          <m:endChr m:val="]"/>
+                          <m:ctrlPr>
+                            <a:rPr lang="en-US" i="1" dirty="0" smtClean="0">
+                              <a:latin typeface="Cambria Math" panose="02040503050406030204" pitchFamily="18" charset="0"/>
+                            </a:rPr>
+                          </m:ctrlPr>
+                        </m:dPr>
+                        <m:e>
+                          <m:r>
+                            <a:rPr lang="en-US" i="1" dirty="0" smtClean="0">
+                              <a:latin typeface="Cambria Math" panose="02040503050406030204" pitchFamily="18" charset="0"/>
+                            </a:rPr>
+                            <m:t>𝑥</m:t>
+                          </m:r>
+                        </m:e>
+                      </m:d>
+                      <m:r>
+                        <a:rPr lang="en-US" i="1" dirty="0" smtClean="0">
+                          <a:latin typeface="Cambria Math" panose="02040503050406030204" pitchFamily="18" charset="0"/>
+                        </a:rPr>
+                        <m:t>: </m:t>
+                      </m:r>
+                      <m:r>
+                        <a:rPr lang="en-US" b="1" i="1" dirty="0" smtClean="0">
+                          <a:latin typeface="Cambria Math" panose="02040503050406030204" pitchFamily="18" charset="0"/>
+                        </a:rPr>
+                        <m:t>𝒇</m:t>
+                      </m:r>
+                      <m:r>
+                        <a:rPr lang="en-US" b="1" i="1" dirty="0" smtClean="0">
+                          <a:latin typeface="Cambria Math" panose="02040503050406030204" pitchFamily="18" charset="0"/>
+                        </a:rPr>
+                        <m:t>(</m:t>
+                      </m:r>
+                      <m:r>
+                        <a:rPr lang="en-US" b="1" i="1" dirty="0" smtClean="0">
+                          <a:latin typeface="Cambria Math" panose="02040503050406030204" pitchFamily="18" charset="0"/>
+                        </a:rPr>
+                        <m:t>𝒙</m:t>
+                      </m:r>
+                      <m:r>
+                        <a:rPr lang="en-US" b="1" i="1" dirty="0" smtClean="0">
+                          <a:latin typeface="Cambria Math" panose="02040503050406030204" pitchFamily="18" charset="0"/>
+                        </a:rPr>
+                        <m:t>) = </m:t>
+                      </m:r>
+                      <m:r>
+                        <a:rPr lang="en-US" b="1" i="1" dirty="0" smtClean="0">
+                          <a:latin typeface="Cambria Math" panose="02040503050406030204" pitchFamily="18" charset="0"/>
+                        </a:rPr>
+                        <m:t>𝒒</m:t>
+                      </m:r>
+                      <m:r>
+                        <a:rPr lang="en-US" b="1" i="1" dirty="0" smtClean="0">
+                          <a:latin typeface="Cambria Math" panose="02040503050406030204" pitchFamily="18" charset="0"/>
+                        </a:rPr>
+                        <m:t>(</m:t>
+                      </m:r>
+                      <m:r>
+                        <a:rPr lang="en-US" b="1" i="1" dirty="0" smtClean="0">
+                          <a:latin typeface="Cambria Math" panose="02040503050406030204" pitchFamily="18" charset="0"/>
+                        </a:rPr>
+                        <m:t>𝒙</m:t>
+                      </m:r>
+                      <m:r>
+                        <a:rPr lang="en-US" b="1" i="1" dirty="0" smtClean="0">
+                          <a:latin typeface="Cambria Math" panose="02040503050406030204" pitchFamily="18" charset="0"/>
+                        </a:rPr>
+                        <m:t>)∙</m:t>
+                      </m:r>
+                      <m:r>
+                        <a:rPr lang="en-US" b="1" i="1" dirty="0" smtClean="0">
+                          <a:latin typeface="Cambria Math" panose="02040503050406030204" pitchFamily="18" charset="0"/>
+                        </a:rPr>
+                        <m:t>𝒈</m:t>
+                      </m:r>
+                      <m:r>
+                        <a:rPr lang="en-US" b="1" i="1" dirty="0" smtClean="0">
+                          <a:latin typeface="Cambria Math" panose="02040503050406030204" pitchFamily="18" charset="0"/>
+                        </a:rPr>
+                        <m:t>(</m:t>
+                      </m:r>
+                      <m:r>
+                        <a:rPr lang="en-US" b="1" i="1" dirty="0" smtClean="0">
+                          <a:latin typeface="Cambria Math" panose="02040503050406030204" pitchFamily="18" charset="0"/>
+                        </a:rPr>
+                        <m:t>𝒙</m:t>
+                      </m:r>
+                      <m:r>
+                        <a:rPr lang="en-US" b="1" i="1" dirty="0" smtClean="0">
+                          <a:latin typeface="Cambria Math" panose="02040503050406030204" pitchFamily="18" charset="0"/>
+                        </a:rPr>
+                        <m:t>) + </m:t>
+                      </m:r>
+                      <m:r>
+                        <a:rPr lang="en-US" b="1" i="1" dirty="0" smtClean="0">
+                          <a:latin typeface="Cambria Math" panose="02040503050406030204" pitchFamily="18" charset="0"/>
+                        </a:rPr>
+                        <m:t>𝒓</m:t>
+                      </m:r>
+                      <m:r>
+                        <a:rPr lang="en-US" b="1" i="1" dirty="0" smtClean="0">
+                          <a:latin typeface="Cambria Math" panose="02040503050406030204" pitchFamily="18" charset="0"/>
+                        </a:rPr>
+                        <m:t>(</m:t>
+                      </m:r>
+                      <m:r>
+                        <a:rPr lang="en-US" b="1" i="1" dirty="0" smtClean="0">
+                          <a:latin typeface="Cambria Math" panose="02040503050406030204" pitchFamily="18" charset="0"/>
+                        </a:rPr>
+                        <m:t>𝒙</m:t>
+                      </m:r>
+                      <m:r>
+                        <a:rPr lang="en-US" b="1" i="1" dirty="0" smtClean="0">
+                          <a:latin typeface="Cambria Math" panose="02040503050406030204" pitchFamily="18" charset="0"/>
+                        </a:rPr>
+                        <m:t>)</m:t>
+                      </m:r>
+                      <m:r>
+                        <a:rPr lang="en-US" i="1" dirty="0" smtClean="0">
+                          <a:latin typeface="Cambria Math" panose="02040503050406030204" pitchFamily="18" charset="0"/>
+                        </a:rPr>
+                        <m:t>, </m:t>
+                      </m:r>
+                      <m:r>
+                        <a:rPr lang="en-US" b="0" i="1" dirty="0" smtClean="0">
+                          <a:latin typeface="Cambria Math" panose="02040503050406030204" pitchFamily="18" charset="0"/>
+                        </a:rPr>
+                        <m:t> </m:t>
+                      </m:r>
+                      <m:r>
+                        <m:rPr>
+                          <m:sty m:val="p"/>
+                        </m:rPr>
+                        <a:rPr lang="en-US" i="1" dirty="0" smtClean="0">
+                          <a:latin typeface="Cambria Math" panose="02040503050406030204" pitchFamily="18" charset="0"/>
+                        </a:rPr>
+                        <m:t>deg</m:t>
+                      </m:r>
+                      <m:r>
+                        <a:rPr lang="en-US" i="1" dirty="0" smtClean="0">
+                          <a:latin typeface="Cambria Math" panose="02040503050406030204" pitchFamily="18" charset="0"/>
+                        </a:rPr>
+                        <m:t>⁡</m:t>
+                      </m:r>
+                      <m:r>
+                        <a:rPr lang="en-US" i="1" dirty="0" smtClean="0">
+                          <a:latin typeface="Cambria Math" panose="02040503050406030204" pitchFamily="18" charset="0"/>
+                        </a:rPr>
+                        <m:t>𝑟</m:t>
+                      </m:r>
+                      <m:r>
+                        <a:rPr lang="en-US" i="1" dirty="0" smtClean="0">
+                          <a:latin typeface="Cambria Math" panose="02040503050406030204" pitchFamily="18" charset="0"/>
+                        </a:rPr>
+                        <m:t>(</m:t>
+                      </m:r>
+                      <m:r>
+                        <a:rPr lang="en-US" i="1" dirty="0" smtClean="0">
+                          <a:latin typeface="Cambria Math" panose="02040503050406030204" pitchFamily="18" charset="0"/>
+                        </a:rPr>
+                        <m:t>𝑥</m:t>
+                      </m:r>
+                      <m:r>
+                        <a:rPr lang="en-US" i="1" dirty="0" smtClean="0">
+                          <a:latin typeface="Cambria Math" panose="02040503050406030204" pitchFamily="18" charset="0"/>
+                        </a:rPr>
+                        <m:t>) &lt; </m:t>
+                      </m:r>
+                      <m:r>
+                        <m:rPr>
+                          <m:sty m:val="p"/>
+                        </m:rPr>
+                        <a:rPr lang="en-US" i="1" dirty="0" smtClean="0">
+                          <a:latin typeface="Cambria Math" panose="02040503050406030204" pitchFamily="18" charset="0"/>
+                        </a:rPr>
+                        <m:t>deg</m:t>
+                      </m:r>
+                      <m:r>
+                        <a:rPr lang="en-US" i="1" dirty="0" smtClean="0">
+                          <a:latin typeface="Cambria Math" panose="02040503050406030204" pitchFamily="18" charset="0"/>
+                        </a:rPr>
+                        <m:t>⁡</m:t>
+                      </m:r>
+                      <m:r>
+                        <a:rPr lang="en-US" i="1" dirty="0" smtClean="0">
+                          <a:latin typeface="Cambria Math" panose="02040503050406030204" pitchFamily="18" charset="0"/>
+                        </a:rPr>
+                        <m:t>𝑞</m:t>
+                      </m:r>
+                      <m:r>
+                        <a:rPr lang="en-US" i="1" dirty="0" smtClean="0">
+                          <a:latin typeface="Cambria Math" panose="02040503050406030204" pitchFamily="18" charset="0"/>
+                        </a:rPr>
+                        <m:t>(</m:t>
+                      </m:r>
+                      <m:r>
+                        <a:rPr lang="en-US" i="1" dirty="0" smtClean="0">
+                          <a:latin typeface="Cambria Math" panose="02040503050406030204" pitchFamily="18" charset="0"/>
+                        </a:rPr>
+                        <m:t>𝑥</m:t>
+                      </m:r>
+                      <m:r>
+                        <a:rPr lang="en-US" i="1" dirty="0" smtClean="0">
+                          <a:latin typeface="Cambria Math" panose="02040503050406030204" pitchFamily="18" charset="0"/>
+                        </a:rPr>
+                        <m:t>)</m:t>
+                      </m:r>
+                    </m:oMath>
+                  </m:oMathPara>
+                </a14:m>
+                <a:endParaRPr lang="en-US" dirty="0"/>
+              </a:p>
+              <a:p>
+                <a:endParaRPr lang="ru-RU" dirty="0"/>
+              </a:p>
+              <a:p>
+                <a:r>
+                  <a:rPr lang="ru-RU" b="1" dirty="0"/>
+                  <a:t>Доказательство.</a:t>
+                </a:r>
+              </a:p>
+              <a:p>
+                <a:r>
+                  <a:rPr lang="ru-RU" b="0" dirty="0"/>
+                  <a:t>Пусть </a:t>
+                </a:r>
+                <a14:m>
+                  <m:oMath xmlns:m="http://schemas.openxmlformats.org/officeDocument/2006/math">
+                    <m:r>
+                      <a:rPr lang="en-US" b="0" i="1" dirty="0" smtClean="0">
+                        <a:latin typeface="Cambria Math" panose="02040503050406030204" pitchFamily="18" charset="0"/>
+                      </a:rPr>
+                      <m:t>𝑓</m:t>
+                    </m:r>
+                    <m:r>
+                      <a:rPr lang="ru-RU" i="1" dirty="0" smtClean="0">
+                        <a:latin typeface="Cambria Math" panose="02040503050406030204" pitchFamily="18" charset="0"/>
+                      </a:rPr>
+                      <m:t>=</m:t>
+                    </m:r>
+                    <m:sSub>
+                      <m:sSubPr>
+                        <m:ctrlPr>
+                          <a:rPr lang="ru-RU" i="1" dirty="0" smtClean="0">
+                            <a:latin typeface="Cambria Math" panose="02040503050406030204" pitchFamily="18" charset="0"/>
+                          </a:rPr>
+                        </m:ctrlPr>
+                      </m:sSubPr>
+                      <m:e>
+                        <m:r>
+                          <a:rPr lang="en-US" b="0" i="1" dirty="0" smtClean="0">
+                            <a:latin typeface="Cambria Math" panose="02040503050406030204" pitchFamily="18" charset="0"/>
+                          </a:rPr>
+                          <m:t>𝑎</m:t>
+                        </m:r>
+                      </m:e>
+                      <m:sub>
+                        <m:r>
+                          <a:rPr lang="en-US" b="0" i="1" dirty="0" smtClean="0">
+                            <a:latin typeface="Cambria Math" panose="02040503050406030204" pitchFamily="18" charset="0"/>
+                          </a:rPr>
+                          <m:t>0</m:t>
+                        </m:r>
+                      </m:sub>
+                    </m:sSub>
+                    <m:sSup>
+                      <m:sSupPr>
+                        <m:ctrlPr>
+                          <a:rPr lang="en-US" i="1" dirty="0">
+                            <a:latin typeface="Cambria Math" panose="02040503050406030204" pitchFamily="18" charset="0"/>
+                          </a:rPr>
+                        </m:ctrlPr>
+                      </m:sSupPr>
+                      <m:e>
+                        <m:r>
+                          <a:rPr lang="en-US" i="1" dirty="0">
+                            <a:latin typeface="Cambria Math" panose="02040503050406030204" pitchFamily="18" charset="0"/>
+                          </a:rPr>
+                          <m:t>𝑥</m:t>
+                        </m:r>
+                      </m:e>
+                      <m:sup>
+                        <m:r>
+                          <a:rPr lang="en-US" i="1" dirty="0">
+                            <a:latin typeface="Cambria Math" panose="02040503050406030204" pitchFamily="18" charset="0"/>
+                          </a:rPr>
+                          <m:t>𝑛</m:t>
+                        </m:r>
+                      </m:sup>
+                    </m:sSup>
+                    <m:r>
+                      <a:rPr lang="en-US" b="0" i="1" dirty="0" smtClean="0">
+                        <a:latin typeface="Cambria Math" panose="02040503050406030204" pitchFamily="18" charset="0"/>
+                      </a:rPr>
+                      <m:t>+</m:t>
+                    </m:r>
+                    <m:sSub>
+                      <m:sSubPr>
+                        <m:ctrlPr>
+                          <a:rPr lang="en-US" b="0" i="1" dirty="0" smtClean="0">
+                            <a:latin typeface="Cambria Math" panose="02040503050406030204" pitchFamily="18" charset="0"/>
+                          </a:rPr>
+                        </m:ctrlPr>
+                      </m:sSubPr>
+                      <m:e>
+                        <m:r>
+                          <a:rPr lang="en-US" b="0" i="1" dirty="0" smtClean="0">
+                            <a:latin typeface="Cambria Math" panose="02040503050406030204" pitchFamily="18" charset="0"/>
+                          </a:rPr>
+                          <m:t>𝑎</m:t>
+                        </m:r>
+                      </m:e>
+                      <m:sub>
+                        <m:r>
+                          <a:rPr lang="en-US" b="0" i="1" dirty="0" smtClean="0">
+                            <a:latin typeface="Cambria Math" panose="02040503050406030204" pitchFamily="18" charset="0"/>
+                          </a:rPr>
+                          <m:t>1</m:t>
+                        </m:r>
+                      </m:sub>
+                    </m:sSub>
+                    <m:sSup>
+                      <m:sSupPr>
+                        <m:ctrlPr>
+                          <a:rPr lang="en-US" i="1" dirty="0">
+                            <a:latin typeface="Cambria Math" panose="02040503050406030204" pitchFamily="18" charset="0"/>
+                          </a:rPr>
+                        </m:ctrlPr>
+                      </m:sSupPr>
+                      <m:e>
+                        <m:r>
+                          <a:rPr lang="en-US" i="1" dirty="0">
+                            <a:latin typeface="Cambria Math" panose="02040503050406030204" pitchFamily="18" charset="0"/>
+                          </a:rPr>
+                          <m:t>𝑥</m:t>
+                        </m:r>
+                      </m:e>
+                      <m:sup>
+                        <m:r>
+                          <a:rPr lang="en-US" i="1" dirty="0">
+                            <a:latin typeface="Cambria Math" panose="02040503050406030204" pitchFamily="18" charset="0"/>
+                          </a:rPr>
+                          <m:t>𝑛</m:t>
+                        </m:r>
+                        <m:r>
+                          <a:rPr lang="en-US" b="0" i="1" dirty="0" smtClean="0">
+                            <a:latin typeface="Cambria Math" panose="02040503050406030204" pitchFamily="18" charset="0"/>
+                          </a:rPr>
+                          <m:t>−1</m:t>
+                        </m:r>
+                      </m:sup>
+                    </m:sSup>
+                    <m:r>
+                      <a:rPr lang="en-US" b="0" i="1" dirty="0" smtClean="0">
+                        <a:latin typeface="Cambria Math" panose="02040503050406030204" pitchFamily="18" charset="0"/>
+                      </a:rPr>
+                      <m:t>+ … +</m:t>
+                    </m:r>
+                    <m:sSub>
+                      <m:sSubPr>
+                        <m:ctrlPr>
+                          <a:rPr lang="en-US" b="0" i="1" dirty="0" smtClean="0">
+                            <a:latin typeface="Cambria Math" panose="02040503050406030204" pitchFamily="18" charset="0"/>
+                          </a:rPr>
+                        </m:ctrlPr>
+                      </m:sSubPr>
+                      <m:e>
+                        <m:r>
+                          <a:rPr lang="en-US" b="0" i="1" dirty="0" smtClean="0">
+                            <a:latin typeface="Cambria Math" panose="02040503050406030204" pitchFamily="18" charset="0"/>
+                          </a:rPr>
+                          <m:t>𝑎</m:t>
+                        </m:r>
+                      </m:e>
+                      <m:sub>
+                        <m:r>
+                          <a:rPr lang="en-US" b="0" i="1" dirty="0" smtClean="0">
+                            <a:latin typeface="Cambria Math" panose="02040503050406030204" pitchFamily="18" charset="0"/>
+                          </a:rPr>
+                          <m:t>𝑛</m:t>
+                        </m:r>
+                        <m:r>
+                          <a:rPr lang="en-US" b="0" i="1" dirty="0" smtClean="0">
+                            <a:latin typeface="Cambria Math" panose="02040503050406030204" pitchFamily="18" charset="0"/>
+                          </a:rPr>
+                          <m:t>−1</m:t>
+                        </m:r>
+                      </m:sub>
+                    </m:sSub>
+                    <m:r>
+                      <a:rPr lang="en-US" b="0" i="1" dirty="0" smtClean="0">
+                        <a:latin typeface="Cambria Math" panose="02040503050406030204" pitchFamily="18" charset="0"/>
+                      </a:rPr>
+                      <m:t>𝑥</m:t>
+                    </m:r>
+                    <m:r>
+                      <a:rPr lang="en-US" b="0" i="1" dirty="0" smtClean="0">
+                        <a:latin typeface="Cambria Math" panose="02040503050406030204" pitchFamily="18" charset="0"/>
+                      </a:rPr>
+                      <m:t>+</m:t>
+                    </m:r>
+                    <m:sSub>
+                      <m:sSubPr>
+                        <m:ctrlPr>
+                          <a:rPr lang="en-US" i="1" dirty="0">
+                            <a:latin typeface="Cambria Math" panose="02040503050406030204" pitchFamily="18" charset="0"/>
+                          </a:rPr>
+                        </m:ctrlPr>
+                      </m:sSubPr>
+                      <m:e>
+                        <m:r>
+                          <a:rPr lang="en-US" i="1" dirty="0">
+                            <a:latin typeface="Cambria Math" panose="02040503050406030204" pitchFamily="18" charset="0"/>
+                          </a:rPr>
+                          <m:t>𝑎</m:t>
+                        </m:r>
+                      </m:e>
+                      <m:sub>
+                        <m:r>
+                          <a:rPr lang="en-US" b="0" i="1" dirty="0" smtClean="0">
+                            <a:latin typeface="Cambria Math" panose="02040503050406030204" pitchFamily="18" charset="0"/>
+                          </a:rPr>
+                          <m:t>𝑛</m:t>
+                        </m:r>
+                      </m:sub>
+                    </m:sSub>
+                    <m:r>
+                      <a:rPr lang="en-US" b="0" i="1" dirty="0" smtClean="0">
+                        <a:latin typeface="Cambria Math" panose="02040503050406030204" pitchFamily="18" charset="0"/>
+                      </a:rPr>
+                      <m:t>,   </m:t>
+                    </m:r>
+                    <m:r>
+                      <a:rPr lang="en-US" b="0" i="1" dirty="0" smtClean="0">
+                        <a:latin typeface="Cambria Math" panose="02040503050406030204" pitchFamily="18" charset="0"/>
+                      </a:rPr>
+                      <m:t>𝑔</m:t>
+                    </m:r>
+                    <m:r>
+                      <a:rPr lang="ru-RU" i="1" dirty="0">
+                        <a:latin typeface="Cambria Math" panose="02040503050406030204" pitchFamily="18" charset="0"/>
+                      </a:rPr>
+                      <m:t>=</m:t>
+                    </m:r>
+                    <m:sSub>
+                      <m:sSubPr>
+                        <m:ctrlPr>
+                          <a:rPr lang="ru-RU" i="1" dirty="0">
+                            <a:latin typeface="Cambria Math" panose="02040503050406030204" pitchFamily="18" charset="0"/>
+                          </a:rPr>
+                        </m:ctrlPr>
+                      </m:sSubPr>
+                      <m:e>
+                        <m:r>
+                          <a:rPr lang="en-US" b="0" i="1" dirty="0" smtClean="0">
+                            <a:latin typeface="Cambria Math" panose="02040503050406030204" pitchFamily="18" charset="0"/>
+                          </a:rPr>
+                          <m:t>𝑏</m:t>
+                        </m:r>
+                      </m:e>
+                      <m:sub>
+                        <m:r>
+                          <a:rPr lang="en-US" i="1" dirty="0">
+                            <a:latin typeface="Cambria Math" panose="02040503050406030204" pitchFamily="18" charset="0"/>
+                          </a:rPr>
+                          <m:t>0</m:t>
+                        </m:r>
+                      </m:sub>
+                    </m:sSub>
+                    <m:sSup>
+                      <m:sSupPr>
+                        <m:ctrlPr>
+                          <a:rPr lang="en-US" i="1" dirty="0">
+                            <a:latin typeface="Cambria Math" panose="02040503050406030204" pitchFamily="18" charset="0"/>
+                          </a:rPr>
+                        </m:ctrlPr>
+                      </m:sSupPr>
+                      <m:e>
+                        <m:r>
+                          <a:rPr lang="en-US" i="1" dirty="0">
+                            <a:latin typeface="Cambria Math" panose="02040503050406030204" pitchFamily="18" charset="0"/>
+                          </a:rPr>
+                          <m:t>𝑥</m:t>
+                        </m:r>
+                      </m:e>
+                      <m:sup>
+                        <m:r>
+                          <a:rPr lang="en-US" b="0" i="1" dirty="0" smtClean="0">
+                            <a:latin typeface="Cambria Math" panose="02040503050406030204" pitchFamily="18" charset="0"/>
+                          </a:rPr>
+                          <m:t>𝑚</m:t>
+                        </m:r>
+                      </m:sup>
+                    </m:sSup>
+                    <m:r>
+                      <a:rPr lang="en-US" i="1" dirty="0">
+                        <a:latin typeface="Cambria Math" panose="02040503050406030204" pitchFamily="18" charset="0"/>
+                      </a:rPr>
+                      <m:t>+</m:t>
+                    </m:r>
+                    <m:sSub>
+                      <m:sSubPr>
+                        <m:ctrlPr>
+                          <a:rPr lang="en-US" i="1" dirty="0">
+                            <a:latin typeface="Cambria Math" panose="02040503050406030204" pitchFamily="18" charset="0"/>
+                          </a:rPr>
+                        </m:ctrlPr>
+                      </m:sSubPr>
+                      <m:e>
+                        <m:r>
+                          <a:rPr lang="en-US" b="0" i="1" dirty="0" smtClean="0">
+                            <a:latin typeface="Cambria Math" panose="02040503050406030204" pitchFamily="18" charset="0"/>
+                          </a:rPr>
+                          <m:t>𝑏</m:t>
+                        </m:r>
+                      </m:e>
+                      <m:sub>
+                        <m:r>
+                          <a:rPr lang="en-US" i="1" dirty="0">
+                            <a:latin typeface="Cambria Math" panose="02040503050406030204" pitchFamily="18" charset="0"/>
+                          </a:rPr>
+                          <m:t>1</m:t>
+                        </m:r>
+                      </m:sub>
+                    </m:sSub>
+                    <m:sSup>
+                      <m:sSupPr>
+                        <m:ctrlPr>
+                          <a:rPr lang="en-US" i="1" dirty="0">
+                            <a:latin typeface="Cambria Math" panose="02040503050406030204" pitchFamily="18" charset="0"/>
+                          </a:rPr>
+                        </m:ctrlPr>
+                      </m:sSupPr>
+                      <m:e>
+                        <m:r>
+                          <a:rPr lang="en-US" i="1" dirty="0">
+                            <a:latin typeface="Cambria Math" panose="02040503050406030204" pitchFamily="18" charset="0"/>
+                          </a:rPr>
+                          <m:t>𝑥</m:t>
+                        </m:r>
+                      </m:e>
+                      <m:sup>
+                        <m:r>
+                          <a:rPr lang="en-US" b="0" i="1" dirty="0" smtClean="0">
+                            <a:latin typeface="Cambria Math" panose="02040503050406030204" pitchFamily="18" charset="0"/>
+                          </a:rPr>
+                          <m:t>𝑚</m:t>
+                        </m:r>
+                        <m:r>
+                          <a:rPr lang="en-US" i="1" dirty="0">
+                            <a:latin typeface="Cambria Math" panose="02040503050406030204" pitchFamily="18" charset="0"/>
+                          </a:rPr>
+                          <m:t>−1</m:t>
+                        </m:r>
+                      </m:sup>
+                    </m:sSup>
+                    <m:r>
+                      <a:rPr lang="en-US" i="1" dirty="0">
+                        <a:latin typeface="Cambria Math" panose="02040503050406030204" pitchFamily="18" charset="0"/>
+                      </a:rPr>
+                      <m:t>+ … +</m:t>
+                    </m:r>
+                    <m:sSub>
+                      <m:sSubPr>
+                        <m:ctrlPr>
+                          <a:rPr lang="en-US" i="1" dirty="0">
+                            <a:latin typeface="Cambria Math" panose="02040503050406030204" pitchFamily="18" charset="0"/>
+                          </a:rPr>
+                        </m:ctrlPr>
+                      </m:sSubPr>
+                      <m:e>
+                        <m:r>
+                          <a:rPr lang="en-US" b="0" i="1" dirty="0" smtClean="0">
+                            <a:latin typeface="Cambria Math" panose="02040503050406030204" pitchFamily="18" charset="0"/>
+                          </a:rPr>
+                          <m:t>𝑏</m:t>
+                        </m:r>
+                      </m:e>
+                      <m:sub>
+                        <m:r>
+                          <a:rPr lang="en-US" b="0" i="1" dirty="0" smtClean="0">
+                            <a:latin typeface="Cambria Math" panose="02040503050406030204" pitchFamily="18" charset="0"/>
+                          </a:rPr>
+                          <m:t>𝑚</m:t>
+                        </m:r>
+                        <m:r>
+                          <a:rPr lang="en-US" i="1" dirty="0">
+                            <a:latin typeface="Cambria Math" panose="02040503050406030204" pitchFamily="18" charset="0"/>
+                          </a:rPr>
+                          <m:t>−1</m:t>
+                        </m:r>
+                      </m:sub>
+                    </m:sSub>
+                    <m:r>
+                      <a:rPr lang="en-US" i="1" dirty="0">
+                        <a:latin typeface="Cambria Math" panose="02040503050406030204" pitchFamily="18" charset="0"/>
+                      </a:rPr>
+                      <m:t>𝑥</m:t>
+                    </m:r>
+                    <m:r>
+                      <a:rPr lang="en-US" i="1" dirty="0">
+                        <a:latin typeface="Cambria Math" panose="02040503050406030204" pitchFamily="18" charset="0"/>
+                      </a:rPr>
+                      <m:t>+</m:t>
+                    </m:r>
+                    <m:sSub>
+                      <m:sSubPr>
+                        <m:ctrlPr>
+                          <a:rPr lang="en-US" i="1" dirty="0">
+                            <a:latin typeface="Cambria Math" panose="02040503050406030204" pitchFamily="18" charset="0"/>
+                          </a:rPr>
+                        </m:ctrlPr>
+                      </m:sSubPr>
+                      <m:e>
+                        <m:r>
+                          <a:rPr lang="en-US" b="0" i="1" dirty="0" smtClean="0">
+                            <a:latin typeface="Cambria Math" panose="02040503050406030204" pitchFamily="18" charset="0"/>
+                          </a:rPr>
+                          <m:t>𝑏</m:t>
+                        </m:r>
+                      </m:e>
+                      <m:sub>
+                        <m:r>
+                          <a:rPr lang="en-US" b="0" i="1" dirty="0" smtClean="0">
+                            <a:latin typeface="Cambria Math" panose="02040503050406030204" pitchFamily="18" charset="0"/>
+                          </a:rPr>
+                          <m:t>𝑚</m:t>
+                        </m:r>
+                      </m:sub>
+                    </m:sSub>
+                    <m:r>
+                      <a:rPr lang="en-US" i="1" dirty="0">
+                        <a:latin typeface="Cambria Math" panose="02040503050406030204" pitchFamily="18" charset="0"/>
+                      </a:rPr>
+                      <m:t>,</m:t>
+                    </m:r>
+                  </m:oMath>
+                </a14:m>
+                <a:endParaRPr lang="ru-RU" dirty="0"/>
+              </a:p>
+              <a:p>
+                <a:r>
+                  <a:rPr lang="ru-RU" dirty="0">
+                    <a:solidFill>
+                      <a:schemeClr val="accent2"/>
+                    </a:solidFill>
+                  </a:rPr>
+                  <a:t>1. Докажем </a:t>
+                </a:r>
+                <a14:m>
+                  <m:oMath xmlns:m="http://schemas.openxmlformats.org/officeDocument/2006/math">
+                    <m:r>
+                      <a:rPr lang="ru-RU" i="1" smtClean="0">
+                        <a:solidFill>
+                          <a:schemeClr val="accent2"/>
+                        </a:solidFill>
+                        <a:latin typeface="Cambria Math" panose="02040503050406030204" pitchFamily="18" charset="0"/>
+                        <a:ea typeface="Cambria Math" panose="02040503050406030204" pitchFamily="18" charset="0"/>
+                      </a:rPr>
+                      <m:t>∃</m:t>
+                    </m:r>
+                  </m:oMath>
+                </a14:m>
+                <a:endParaRPr lang="ru-RU" dirty="0">
+                  <a:solidFill>
+                    <a:schemeClr val="accent2"/>
+                  </a:solidFill>
+                </a:endParaRPr>
+              </a:p>
+              <a:p>
+                <a:r>
+                  <a:rPr lang="ru-RU" dirty="0"/>
+                  <a:t>Если </a:t>
+                </a:r>
+                <a14:m>
+                  <m:oMath xmlns:m="http://schemas.openxmlformats.org/officeDocument/2006/math">
+                    <m:r>
+                      <m:rPr>
+                        <m:sty m:val="p"/>
+                      </m:rPr>
+                      <a:rPr lang="en-US" i="1" dirty="0" smtClean="0">
+                        <a:latin typeface="Cambria Math" panose="02040503050406030204" pitchFamily="18" charset="0"/>
+                      </a:rPr>
+                      <m:t>deg</m:t>
+                    </m:r>
+                    <m:r>
+                      <a:rPr lang="en-US" i="1" dirty="0" smtClean="0">
+                        <a:latin typeface="Cambria Math" panose="02040503050406030204" pitchFamily="18" charset="0"/>
+                      </a:rPr>
+                      <m:t>⁡</m:t>
+                    </m:r>
+                    <m:r>
+                      <a:rPr lang="en-US" i="1" dirty="0" smtClean="0">
+                        <a:latin typeface="Cambria Math" panose="02040503050406030204" pitchFamily="18" charset="0"/>
+                      </a:rPr>
+                      <m:t>𝑓</m:t>
+                    </m:r>
+                    <m:r>
+                      <a:rPr lang="en-US" i="1" dirty="0" smtClean="0">
+                        <a:latin typeface="Cambria Math" panose="02040503050406030204" pitchFamily="18" charset="0"/>
+                      </a:rPr>
+                      <m:t> &lt; </m:t>
+                    </m:r>
+                    <m:r>
+                      <m:rPr>
+                        <m:sty m:val="p"/>
+                      </m:rPr>
+                      <a:rPr lang="en-US" i="1" dirty="0" smtClean="0">
+                        <a:latin typeface="Cambria Math" panose="02040503050406030204" pitchFamily="18" charset="0"/>
+                      </a:rPr>
+                      <m:t>deg</m:t>
+                    </m:r>
+                    <m:r>
+                      <a:rPr lang="en-US" i="1" dirty="0" smtClean="0">
+                        <a:latin typeface="Cambria Math" panose="02040503050406030204" pitchFamily="18" charset="0"/>
+                      </a:rPr>
+                      <m:t>⁡</m:t>
+                    </m:r>
+                    <m:r>
+                      <a:rPr lang="en-US" i="1" dirty="0" smtClean="0">
+                        <a:latin typeface="Cambria Math" panose="02040503050406030204" pitchFamily="18" charset="0"/>
+                      </a:rPr>
+                      <m:t>𝑔</m:t>
+                    </m:r>
+                  </m:oMath>
+                </a14:m>
+                <a:r>
+                  <a:rPr lang="en-US" dirty="0"/>
+                  <a:t>, </a:t>
+                </a:r>
+                <a:r>
+                  <a:rPr lang="ru-RU" dirty="0"/>
+                  <a:t>то можно взять </a:t>
+                </a:r>
+                <a14:m>
+                  <m:oMath xmlns:m="http://schemas.openxmlformats.org/officeDocument/2006/math">
+                    <m:r>
+                      <a:rPr lang="en-US" i="1" dirty="0" smtClean="0">
+                        <a:latin typeface="Cambria Math" panose="02040503050406030204" pitchFamily="18" charset="0"/>
+                      </a:rPr>
+                      <m:t>𝑞</m:t>
+                    </m:r>
+                    <m:r>
+                      <a:rPr lang="en-US" i="1" dirty="0" smtClean="0">
+                        <a:latin typeface="Cambria Math" panose="02040503050406030204" pitchFamily="18" charset="0"/>
+                      </a:rPr>
+                      <m:t> = 0, </m:t>
+                    </m:r>
+                    <m:r>
+                      <a:rPr lang="en-US" i="1" dirty="0" smtClean="0">
+                        <a:latin typeface="Cambria Math" panose="02040503050406030204" pitchFamily="18" charset="0"/>
+                      </a:rPr>
+                      <m:t>𝑟</m:t>
+                    </m:r>
+                    <m:r>
+                      <a:rPr lang="en-US" i="1" dirty="0" smtClean="0">
+                        <a:latin typeface="Cambria Math" panose="02040503050406030204" pitchFamily="18" charset="0"/>
+                      </a:rPr>
+                      <m:t> = </m:t>
+                    </m:r>
+                    <m:r>
+                      <a:rPr lang="en-US" i="1" dirty="0" smtClean="0">
+                        <a:latin typeface="Cambria Math" panose="02040503050406030204" pitchFamily="18" charset="0"/>
+                      </a:rPr>
+                      <m:t>𝑓</m:t>
+                    </m:r>
+                  </m:oMath>
+                </a14:m>
+                <a:endParaRPr lang="en-US" dirty="0"/>
+              </a:p>
+              <a:p>
+                <a:r>
+                  <a:rPr lang="ru-RU" dirty="0"/>
+                  <a:t>Если </a:t>
+                </a:r>
+                <a14:m>
+                  <m:oMath xmlns:m="http://schemas.openxmlformats.org/officeDocument/2006/math">
+                    <m:func>
+                      <m:funcPr>
+                        <m:ctrlPr>
+                          <a:rPr lang="en-US" i="1" dirty="0" smtClean="0">
+                            <a:latin typeface="Cambria Math" panose="02040503050406030204" pitchFamily="18" charset="0"/>
+                          </a:rPr>
+                        </m:ctrlPr>
+                      </m:funcPr>
+                      <m:fName>
+                        <m:r>
+                          <m:rPr>
+                            <m:sty m:val="p"/>
+                          </m:rPr>
+                          <a:rPr lang="en-US" i="0" dirty="0" smtClean="0">
+                            <a:latin typeface="Cambria Math" panose="02040503050406030204" pitchFamily="18" charset="0"/>
+                          </a:rPr>
+                          <m:t>deg</m:t>
+                        </m:r>
+                      </m:fName>
+                      <m:e>
+                        <m:r>
+                          <a:rPr lang="en-US" i="1" dirty="0" smtClean="0">
+                            <a:latin typeface="Cambria Math" panose="02040503050406030204" pitchFamily="18" charset="0"/>
+                          </a:rPr>
+                          <m:t>𝑓</m:t>
+                        </m:r>
+                      </m:e>
+                    </m:func>
+                    <m:r>
+                      <a:rPr lang="en-US" b="0" i="1" dirty="0" smtClean="0">
+                        <a:latin typeface="Cambria Math" panose="02040503050406030204" pitchFamily="18" charset="0"/>
+                      </a:rPr>
+                      <m:t>≥</m:t>
+                    </m:r>
+                    <m:r>
+                      <a:rPr lang="en-US" i="1" dirty="0" smtClean="0">
+                        <a:latin typeface="Cambria Math" panose="02040503050406030204" pitchFamily="18" charset="0"/>
+                      </a:rPr>
+                      <m:t> </m:t>
+                    </m:r>
+                    <m:r>
+                      <m:rPr>
+                        <m:sty m:val="p"/>
+                      </m:rPr>
+                      <a:rPr lang="en-US" i="1" dirty="0" smtClean="0">
+                        <a:latin typeface="Cambria Math" panose="02040503050406030204" pitchFamily="18" charset="0"/>
+                      </a:rPr>
+                      <m:t>deg</m:t>
+                    </m:r>
+                    <m:r>
+                      <a:rPr lang="en-US" i="1" dirty="0" smtClean="0">
+                        <a:latin typeface="Cambria Math" panose="02040503050406030204" pitchFamily="18" charset="0"/>
+                      </a:rPr>
+                      <m:t>⁡</m:t>
+                    </m:r>
+                    <m:r>
+                      <a:rPr lang="en-US" i="1" dirty="0" smtClean="0">
+                        <a:latin typeface="Cambria Math" panose="02040503050406030204" pitchFamily="18" charset="0"/>
+                      </a:rPr>
+                      <m:t>𝑔</m:t>
+                    </m:r>
+                  </m:oMath>
+                </a14:m>
+                <a:r>
+                  <a:rPr lang="en-US" dirty="0"/>
+                  <a:t>, </a:t>
+                </a:r>
+                <a:r>
+                  <a:rPr lang="ru-RU" dirty="0"/>
+                  <a:t>то вспоминаем процедуру деления уголком: </a:t>
+                </a:r>
+                <a14:m>
+                  <m:oMath xmlns:m="http://schemas.openxmlformats.org/officeDocument/2006/math">
+                    <m:sSub>
+                      <m:sSubPr>
+                        <m:ctrlPr>
+                          <a:rPr lang="en-US" i="1" dirty="0">
+                            <a:latin typeface="Cambria Math" panose="02040503050406030204" pitchFamily="18" charset="0"/>
+                          </a:rPr>
+                        </m:ctrlPr>
+                      </m:sSubPr>
+                      <m:e>
+                        <m:r>
+                          <a:rPr lang="en-US" i="1" dirty="0">
+                            <a:latin typeface="Cambria Math" panose="02040503050406030204" pitchFamily="18" charset="0"/>
+                          </a:rPr>
+                          <m:t>𝑎</m:t>
+                        </m:r>
+                      </m:e>
+                      <m:sub>
+                        <m:r>
+                          <a:rPr lang="ru-RU" b="0" i="1" dirty="0" smtClean="0">
+                            <a:latin typeface="Cambria Math" panose="02040503050406030204" pitchFamily="18" charset="0"/>
+                          </a:rPr>
+                          <m:t>0</m:t>
+                        </m:r>
+                      </m:sub>
+                    </m:sSub>
+                    <m:r>
+                      <a:rPr lang="en-US" i="1" dirty="0">
+                        <a:latin typeface="Cambria Math" panose="02040503050406030204" pitchFamily="18" charset="0"/>
+                        <a:ea typeface="Cambria Math" panose="02040503050406030204" pitchFamily="18" charset="0"/>
+                      </a:rPr>
+                      <m:t>≠</m:t>
+                    </m:r>
+                    <m:r>
+                      <a:rPr lang="ru-RU" i="1" dirty="0">
+                        <a:latin typeface="Cambria Math" panose="02040503050406030204" pitchFamily="18" charset="0"/>
+                        <a:ea typeface="Cambria Math" panose="02040503050406030204" pitchFamily="18" charset="0"/>
+                      </a:rPr>
+                      <m:t>0</m:t>
+                    </m:r>
+                    <m:r>
+                      <a:rPr lang="en-US" b="0" i="1" dirty="0" smtClean="0">
+                        <a:latin typeface="Cambria Math" panose="02040503050406030204" pitchFamily="18" charset="0"/>
+                        <a:ea typeface="Cambria Math" panose="02040503050406030204" pitchFamily="18" charset="0"/>
+                      </a:rPr>
+                      <m:t>,  </m:t>
+                    </m:r>
+                    <m:sSub>
+                      <m:sSubPr>
+                        <m:ctrlPr>
+                          <a:rPr lang="en-US" i="1" dirty="0" smtClean="0">
+                            <a:latin typeface="Cambria Math" panose="02040503050406030204" pitchFamily="18" charset="0"/>
+                          </a:rPr>
+                        </m:ctrlPr>
+                      </m:sSubPr>
+                      <m:e>
+                        <m:r>
+                          <a:rPr lang="en-US" b="0" i="1" dirty="0" smtClean="0">
+                            <a:latin typeface="Cambria Math" panose="02040503050406030204" pitchFamily="18" charset="0"/>
+                          </a:rPr>
+                          <m:t>𝑏</m:t>
+                        </m:r>
+                      </m:e>
+                      <m:sub>
+                        <m:r>
+                          <a:rPr lang="en-US" b="0" i="1" dirty="0" smtClean="0">
+                            <a:latin typeface="Cambria Math" panose="02040503050406030204" pitchFamily="18" charset="0"/>
+                          </a:rPr>
+                          <m:t>0</m:t>
+                        </m:r>
+                      </m:sub>
+                    </m:sSub>
+                    <m:r>
+                      <a:rPr lang="en-US" i="1" dirty="0" smtClean="0">
+                        <a:latin typeface="Cambria Math" panose="02040503050406030204" pitchFamily="18" charset="0"/>
+                        <a:ea typeface="Cambria Math" panose="02040503050406030204" pitchFamily="18" charset="0"/>
+                      </a:rPr>
+                      <m:t>≠</m:t>
+                    </m:r>
+                    <m:r>
+                      <a:rPr lang="ru-RU" b="0" i="1" dirty="0" smtClean="0">
+                        <a:latin typeface="Cambria Math" panose="02040503050406030204" pitchFamily="18" charset="0"/>
+                        <a:ea typeface="Cambria Math" panose="02040503050406030204" pitchFamily="18" charset="0"/>
+                      </a:rPr>
+                      <m:t>0</m:t>
+                    </m:r>
+                  </m:oMath>
+                </a14:m>
+                <a:endParaRPr lang="en-US" dirty="0"/>
+              </a:p>
+              <a:p>
+                <a:r>
+                  <a:rPr lang="ru-RU" dirty="0"/>
+                  <a:t>Рассмотрим </a:t>
+                </a:r>
+                <a14:m>
+                  <m:oMath xmlns:m="http://schemas.openxmlformats.org/officeDocument/2006/math">
+                    <m:sSub>
+                      <m:sSubPr>
+                        <m:ctrlPr>
+                          <a:rPr lang="ru-RU" i="1" smtClean="0">
+                            <a:latin typeface="Cambria Math" panose="02040503050406030204" pitchFamily="18" charset="0"/>
+                          </a:rPr>
+                        </m:ctrlPr>
+                      </m:sSubPr>
+                      <m:e>
+                        <m:r>
+                          <a:rPr lang="en-US" b="0" i="1" smtClean="0">
+                            <a:latin typeface="Cambria Math" panose="02040503050406030204" pitchFamily="18" charset="0"/>
+                          </a:rPr>
+                          <m:t>𝑓</m:t>
+                        </m:r>
+                      </m:e>
+                      <m:sub>
+                        <m:r>
+                          <a:rPr lang="en-US" b="0" i="1" smtClean="0">
+                            <a:latin typeface="Cambria Math" panose="02040503050406030204" pitchFamily="18" charset="0"/>
+                          </a:rPr>
+                          <m:t>1</m:t>
+                        </m:r>
+                      </m:sub>
+                    </m:sSub>
+                    <m:r>
+                      <a:rPr lang="en-US" b="0" i="1" smtClean="0">
+                        <a:latin typeface="Cambria Math" panose="02040503050406030204" pitchFamily="18" charset="0"/>
+                      </a:rPr>
+                      <m:t>=</m:t>
+                    </m:r>
+                    <m:r>
+                      <a:rPr lang="en-US" b="0" i="1" smtClean="0">
+                        <a:latin typeface="Cambria Math" panose="02040503050406030204" pitchFamily="18" charset="0"/>
+                      </a:rPr>
+                      <m:t>𝑓</m:t>
+                    </m:r>
+                    <m:r>
+                      <a:rPr lang="en-US" b="0" i="1" smtClean="0">
+                        <a:latin typeface="Cambria Math" panose="02040503050406030204" pitchFamily="18" charset="0"/>
+                      </a:rPr>
+                      <m:t>−</m:t>
+                    </m:r>
+                    <m:f>
+                      <m:fPr>
+                        <m:ctrlPr>
+                          <a:rPr lang="en-US" b="0" i="1" smtClean="0">
+                            <a:latin typeface="Cambria Math" panose="02040503050406030204" pitchFamily="18" charset="0"/>
+                          </a:rPr>
+                        </m:ctrlPr>
+                      </m:fPr>
+                      <m:num>
+                        <m:sSub>
+                          <m:sSubPr>
+                            <m:ctrlPr>
+                              <a:rPr lang="en-US" b="0" i="1" smtClean="0">
+                                <a:latin typeface="Cambria Math" panose="02040503050406030204" pitchFamily="18" charset="0"/>
+                              </a:rPr>
+                            </m:ctrlPr>
+                          </m:sSubPr>
+                          <m:e>
+                            <m:r>
+                              <a:rPr lang="en-US" b="0" i="1" smtClean="0">
+                                <a:latin typeface="Cambria Math" panose="02040503050406030204" pitchFamily="18" charset="0"/>
+                              </a:rPr>
+                              <m:t>𝑎</m:t>
+                            </m:r>
+                          </m:e>
+                          <m:sub>
+                            <m:r>
+                              <a:rPr lang="en-US" b="0" i="1" smtClean="0">
+                                <a:latin typeface="Cambria Math" panose="02040503050406030204" pitchFamily="18" charset="0"/>
+                              </a:rPr>
+                              <m:t>0</m:t>
+                            </m:r>
+                          </m:sub>
+                        </m:sSub>
+                      </m:num>
+                      <m:den>
+                        <m:sSub>
+                          <m:sSubPr>
+                            <m:ctrlPr>
+                              <a:rPr lang="en-US" b="0" i="1" smtClean="0">
+                                <a:latin typeface="Cambria Math" panose="02040503050406030204" pitchFamily="18" charset="0"/>
+                              </a:rPr>
+                            </m:ctrlPr>
+                          </m:sSubPr>
+                          <m:e>
+                            <m:r>
+                              <a:rPr lang="en-US" b="0" i="1" smtClean="0">
+                                <a:latin typeface="Cambria Math" panose="02040503050406030204" pitchFamily="18" charset="0"/>
+                              </a:rPr>
+                              <m:t>𝑏</m:t>
+                            </m:r>
+                          </m:e>
+                          <m:sub>
+                            <m:r>
+                              <a:rPr lang="en-US" b="0" i="1" smtClean="0">
+                                <a:latin typeface="Cambria Math" panose="02040503050406030204" pitchFamily="18" charset="0"/>
+                              </a:rPr>
+                              <m:t>0</m:t>
+                            </m:r>
+                          </m:sub>
+                        </m:sSub>
+                      </m:den>
+                    </m:f>
+                    <m:sSup>
+                      <m:sSupPr>
+                        <m:ctrlPr>
+                          <a:rPr lang="en-US" b="0" i="1" smtClean="0">
+                            <a:latin typeface="Cambria Math" panose="02040503050406030204" pitchFamily="18" charset="0"/>
+                          </a:rPr>
+                        </m:ctrlPr>
+                      </m:sSupPr>
+                      <m:e>
+                        <m:r>
+                          <a:rPr lang="en-US" b="0" i="1" smtClean="0">
+                            <a:latin typeface="Cambria Math" panose="02040503050406030204" pitchFamily="18" charset="0"/>
+                          </a:rPr>
+                          <m:t>𝑥</m:t>
+                        </m:r>
+                      </m:e>
+                      <m:sup>
+                        <m:r>
+                          <a:rPr lang="en-US" b="0" i="1" smtClean="0">
+                            <a:latin typeface="Cambria Math" panose="02040503050406030204" pitchFamily="18" charset="0"/>
+                          </a:rPr>
+                          <m:t>𝑛</m:t>
+                        </m:r>
+                        <m:r>
+                          <a:rPr lang="en-US" b="0" i="1" smtClean="0">
+                            <a:latin typeface="Cambria Math" panose="02040503050406030204" pitchFamily="18" charset="0"/>
+                          </a:rPr>
+                          <m:t>−</m:t>
+                        </m:r>
+                        <m:r>
+                          <a:rPr lang="en-US" b="0" i="1" smtClean="0">
+                            <a:latin typeface="Cambria Math" panose="02040503050406030204" pitchFamily="18" charset="0"/>
+                          </a:rPr>
+                          <m:t>𝑚</m:t>
+                        </m:r>
+                      </m:sup>
+                    </m:sSup>
+                    <m:r>
+                      <a:rPr lang="en-US" b="0" i="1" smtClean="0">
+                        <a:latin typeface="Cambria Math" panose="02040503050406030204" pitchFamily="18" charset="0"/>
+                      </a:rPr>
+                      <m:t>𝑔</m:t>
+                    </m:r>
+                  </m:oMath>
+                </a14:m>
+                <a:r>
+                  <a:rPr lang="ru-RU" dirty="0"/>
+                  <a:t>, </a:t>
+                </a:r>
+                <a14:m>
+                  <m:oMath xmlns:m="http://schemas.openxmlformats.org/officeDocument/2006/math">
+                    <m:func>
+                      <m:funcPr>
+                        <m:ctrlPr>
+                          <a:rPr lang="en-US" i="1" dirty="0">
+                            <a:latin typeface="Cambria Math" panose="02040503050406030204" pitchFamily="18" charset="0"/>
+                          </a:rPr>
+                        </m:ctrlPr>
+                      </m:funcPr>
+                      <m:fName>
+                        <m:r>
+                          <m:rPr>
+                            <m:sty m:val="p"/>
+                          </m:rPr>
+                          <a:rPr lang="en-US" i="0" dirty="0">
+                            <a:latin typeface="Cambria Math" panose="02040503050406030204" pitchFamily="18" charset="0"/>
+                          </a:rPr>
+                          <m:t>deg</m:t>
+                        </m:r>
+                      </m:fName>
+                      <m:e>
+                        <m:sSub>
+                          <m:sSubPr>
+                            <m:ctrlPr>
+                              <a:rPr lang="en-US" i="1" dirty="0" smtClean="0">
+                                <a:latin typeface="Cambria Math" panose="02040503050406030204" pitchFamily="18" charset="0"/>
+                              </a:rPr>
+                            </m:ctrlPr>
+                          </m:sSubPr>
+                          <m:e>
+                            <m:r>
+                              <a:rPr lang="en-US" b="0" i="1" dirty="0" smtClean="0">
+                                <a:latin typeface="Cambria Math" panose="02040503050406030204" pitchFamily="18" charset="0"/>
+                              </a:rPr>
+                              <m:t>𝑓</m:t>
+                            </m:r>
+                          </m:e>
+                          <m:sub>
+                            <m:r>
+                              <a:rPr lang="en-US" b="0" i="1" dirty="0" smtClean="0">
+                                <a:latin typeface="Cambria Math" panose="02040503050406030204" pitchFamily="18" charset="0"/>
+                              </a:rPr>
+                              <m:t>1</m:t>
+                            </m:r>
+                          </m:sub>
+                        </m:sSub>
+                      </m:e>
+                    </m:func>
+                    <m:r>
+                      <a:rPr lang="en-US" i="1" dirty="0">
+                        <a:latin typeface="Cambria Math" panose="02040503050406030204" pitchFamily="18" charset="0"/>
+                      </a:rPr>
+                      <m:t>&lt; </m:t>
+                    </m:r>
+                    <m:r>
+                      <m:rPr>
+                        <m:sty m:val="p"/>
+                      </m:rPr>
+                      <a:rPr lang="en-US" i="1" dirty="0">
+                        <a:latin typeface="Cambria Math" panose="02040503050406030204" pitchFamily="18" charset="0"/>
+                      </a:rPr>
+                      <m:t>deg</m:t>
+                    </m:r>
+                    <m:r>
+                      <a:rPr lang="en-US" i="1" dirty="0">
+                        <a:latin typeface="Cambria Math" panose="02040503050406030204" pitchFamily="18" charset="0"/>
+                      </a:rPr>
+                      <m:t>⁡</m:t>
+                    </m:r>
+                    <m:r>
+                      <a:rPr lang="en-US" b="0" i="1" dirty="0" smtClean="0">
+                        <a:latin typeface="Cambria Math" panose="02040503050406030204" pitchFamily="18" charset="0"/>
+                      </a:rPr>
+                      <m:t>𝑓</m:t>
+                    </m:r>
+                  </m:oMath>
+                </a14:m>
+                <a:r>
+                  <a:rPr lang="en-US" dirty="0"/>
+                  <a:t> (</a:t>
+                </a:r>
+                <a:r>
+                  <a:rPr lang="ru-RU" dirty="0"/>
+                  <a:t>т.к. отнимается </a:t>
+                </a:r>
+                <a14:m>
+                  <m:oMath xmlns:m="http://schemas.openxmlformats.org/officeDocument/2006/math">
+                    <m:f>
+                      <m:fPr>
+                        <m:ctrlPr>
+                          <a:rPr lang="ru-RU" i="1" smtClean="0">
+                            <a:latin typeface="Cambria Math" panose="02040503050406030204" pitchFamily="18" charset="0"/>
+                          </a:rPr>
+                        </m:ctrlPr>
+                      </m:fPr>
+                      <m:num>
+                        <m:sSub>
+                          <m:sSubPr>
+                            <m:ctrlPr>
+                              <a:rPr lang="ru-RU" i="1" smtClean="0">
+                                <a:latin typeface="Cambria Math" panose="02040503050406030204" pitchFamily="18" charset="0"/>
+                              </a:rPr>
+                            </m:ctrlPr>
+                          </m:sSubPr>
+                          <m:e>
+                            <m:r>
+                              <a:rPr lang="en-US" b="0" i="1" smtClean="0">
+                                <a:latin typeface="Cambria Math" panose="02040503050406030204" pitchFamily="18" charset="0"/>
+                              </a:rPr>
+                              <m:t>𝑎</m:t>
+                            </m:r>
+                          </m:e>
+                          <m:sub>
+                            <m:r>
+                              <a:rPr lang="en-US" b="0" i="1" smtClean="0">
+                                <a:latin typeface="Cambria Math" panose="02040503050406030204" pitchFamily="18" charset="0"/>
+                              </a:rPr>
+                              <m:t>0</m:t>
+                            </m:r>
+                          </m:sub>
+                        </m:sSub>
+                        <m:sSub>
+                          <m:sSubPr>
+                            <m:ctrlPr>
+                              <a:rPr lang="ru-RU" i="1" smtClean="0">
+                                <a:latin typeface="Cambria Math" panose="02040503050406030204" pitchFamily="18" charset="0"/>
+                              </a:rPr>
+                            </m:ctrlPr>
+                          </m:sSubPr>
+                          <m:e>
+                            <m:r>
+                              <a:rPr lang="en-US" b="0" i="1" smtClean="0">
+                                <a:latin typeface="Cambria Math" panose="02040503050406030204" pitchFamily="18" charset="0"/>
+                              </a:rPr>
+                              <m:t>𝑏</m:t>
+                            </m:r>
+                          </m:e>
+                          <m:sub>
+                            <m:r>
+                              <a:rPr lang="en-US" b="0" i="1" smtClean="0">
+                                <a:latin typeface="Cambria Math" panose="02040503050406030204" pitchFamily="18" charset="0"/>
+                              </a:rPr>
+                              <m:t>0</m:t>
+                            </m:r>
+                          </m:sub>
+                        </m:sSub>
+                        <m:sSup>
+                          <m:sSupPr>
+                            <m:ctrlPr>
+                              <a:rPr lang="ru-RU" i="1" smtClean="0">
+                                <a:latin typeface="Cambria Math" panose="02040503050406030204" pitchFamily="18" charset="0"/>
+                              </a:rPr>
+                            </m:ctrlPr>
+                          </m:sSupPr>
+                          <m:e>
+                            <m:r>
+                              <a:rPr lang="en-US" b="0" i="1" smtClean="0">
+                                <a:latin typeface="Cambria Math" panose="02040503050406030204" pitchFamily="18" charset="0"/>
+                              </a:rPr>
+                              <m:t>𝑥</m:t>
+                            </m:r>
+                          </m:e>
+                          <m:sup>
+                            <m:r>
+                              <a:rPr lang="en-US" b="0" i="1" smtClean="0">
+                                <a:latin typeface="Cambria Math" panose="02040503050406030204" pitchFamily="18" charset="0"/>
+                              </a:rPr>
+                              <m:t>𝑚</m:t>
+                            </m:r>
+                          </m:sup>
+                        </m:sSup>
+                        <m:sSup>
+                          <m:sSupPr>
+                            <m:ctrlPr>
+                              <a:rPr lang="ru-RU" i="1" smtClean="0">
+                                <a:latin typeface="Cambria Math" panose="02040503050406030204" pitchFamily="18" charset="0"/>
+                              </a:rPr>
+                            </m:ctrlPr>
+                          </m:sSupPr>
+                          <m:e>
+                            <m:r>
+                              <a:rPr lang="en-US" b="0" i="1" smtClean="0">
+                                <a:latin typeface="Cambria Math" panose="02040503050406030204" pitchFamily="18" charset="0"/>
+                              </a:rPr>
+                              <m:t>𝑥</m:t>
+                            </m:r>
+                          </m:e>
+                          <m:sup>
+                            <m:r>
+                              <a:rPr lang="en-US" b="0" i="1" smtClean="0">
+                                <a:latin typeface="Cambria Math" panose="02040503050406030204" pitchFamily="18" charset="0"/>
+                              </a:rPr>
+                              <m:t>𝑛</m:t>
+                            </m:r>
+                            <m:r>
+                              <a:rPr lang="en-US" b="0" i="1" smtClean="0">
+                                <a:latin typeface="Cambria Math" panose="02040503050406030204" pitchFamily="18" charset="0"/>
+                              </a:rPr>
+                              <m:t>−</m:t>
+                            </m:r>
+                            <m:r>
+                              <a:rPr lang="en-US" b="0" i="1" smtClean="0">
+                                <a:latin typeface="Cambria Math" panose="02040503050406030204" pitchFamily="18" charset="0"/>
+                              </a:rPr>
+                              <m:t>𝑚</m:t>
+                            </m:r>
+                          </m:sup>
+                        </m:sSup>
+                      </m:num>
+                      <m:den>
+                        <m:sSub>
+                          <m:sSubPr>
+                            <m:ctrlPr>
+                              <a:rPr lang="ru-RU" i="1" smtClean="0">
+                                <a:latin typeface="Cambria Math" panose="02040503050406030204" pitchFamily="18" charset="0"/>
+                              </a:rPr>
+                            </m:ctrlPr>
+                          </m:sSubPr>
+                          <m:e>
+                            <m:r>
+                              <a:rPr lang="en-US" b="0" i="1" smtClean="0">
+                                <a:latin typeface="Cambria Math" panose="02040503050406030204" pitchFamily="18" charset="0"/>
+                              </a:rPr>
+                              <m:t>𝑏</m:t>
+                            </m:r>
+                          </m:e>
+                          <m:sub>
+                            <m:r>
+                              <a:rPr lang="en-US" b="0" i="1" smtClean="0">
+                                <a:latin typeface="Cambria Math" panose="02040503050406030204" pitchFamily="18" charset="0"/>
+                              </a:rPr>
+                              <m:t>0</m:t>
+                            </m:r>
+                          </m:sub>
+                        </m:sSub>
+                      </m:den>
+                    </m:f>
+                  </m:oMath>
+                </a14:m>
+                <a:r>
+                  <a:rPr lang="en-US" dirty="0"/>
+                  <a:t> </a:t>
+                </a:r>
+                <a14:m>
+                  <m:oMath xmlns:m="http://schemas.openxmlformats.org/officeDocument/2006/math">
+                    <m:r>
+                      <a:rPr lang="en-US" i="1">
+                        <a:latin typeface="Cambria Math" panose="02040503050406030204" pitchFamily="18" charset="0"/>
+                      </a:rPr>
+                      <m:t>=</m:t>
+                    </m:r>
+                    <m:sSub>
+                      <m:sSubPr>
+                        <m:ctrlPr>
+                          <a:rPr lang="en-US" i="1">
+                            <a:latin typeface="Cambria Math" panose="02040503050406030204" pitchFamily="18" charset="0"/>
+                          </a:rPr>
+                        </m:ctrlPr>
+                      </m:sSubPr>
+                      <m:e>
+                        <m:r>
+                          <a:rPr lang="en-US" i="1">
+                            <a:latin typeface="Cambria Math" panose="02040503050406030204" pitchFamily="18" charset="0"/>
+                          </a:rPr>
+                          <m:t>𝑎</m:t>
+                        </m:r>
+                      </m:e>
+                      <m:sub>
+                        <m:r>
+                          <a:rPr lang="en-US" i="1">
+                            <a:latin typeface="Cambria Math" panose="02040503050406030204" pitchFamily="18" charset="0"/>
+                          </a:rPr>
+                          <m:t>0</m:t>
+                        </m:r>
+                      </m:sub>
+                    </m:sSub>
+                    <m:sSup>
+                      <m:sSupPr>
+                        <m:ctrlPr>
+                          <a:rPr lang="en-US" i="1">
+                            <a:latin typeface="Cambria Math" panose="02040503050406030204" pitchFamily="18" charset="0"/>
+                          </a:rPr>
+                        </m:ctrlPr>
+                      </m:sSupPr>
+                      <m:e>
+                        <m:r>
+                          <a:rPr lang="en-US" i="1">
+                            <a:latin typeface="Cambria Math" panose="02040503050406030204" pitchFamily="18" charset="0"/>
+                          </a:rPr>
+                          <m:t>𝑥</m:t>
+                        </m:r>
+                      </m:e>
+                      <m:sup>
+                        <m:r>
+                          <a:rPr lang="en-US" i="1">
+                            <a:latin typeface="Cambria Math" panose="02040503050406030204" pitchFamily="18" charset="0"/>
+                          </a:rPr>
+                          <m:t>𝑛</m:t>
+                        </m:r>
+                      </m:sup>
+                    </m:sSup>
+                  </m:oMath>
+                </a14:m>
+                <a:r>
+                  <a:rPr lang="en-US" dirty="0"/>
+                  <a:t>)</a:t>
+                </a:r>
+              </a:p>
+              <a:p>
+                <a:r>
+                  <a:rPr lang="ru-RU" dirty="0"/>
+                  <a:t>Если</a:t>
+                </a:r>
+                <a:r>
+                  <a:rPr lang="en-US" dirty="0"/>
+                  <a:t> </a:t>
+                </a:r>
+                <a14:m>
+                  <m:oMath xmlns:m="http://schemas.openxmlformats.org/officeDocument/2006/math">
+                    <m:func>
+                      <m:funcPr>
+                        <m:ctrlPr>
+                          <a:rPr lang="en-US" i="1" dirty="0">
+                            <a:latin typeface="Cambria Math" panose="02040503050406030204" pitchFamily="18" charset="0"/>
+                          </a:rPr>
+                        </m:ctrlPr>
+                      </m:funcPr>
+                      <m:fName>
+                        <m:r>
+                          <m:rPr>
+                            <m:sty m:val="p"/>
+                          </m:rPr>
+                          <a:rPr lang="en-US" i="0" dirty="0">
+                            <a:latin typeface="Cambria Math" panose="02040503050406030204" pitchFamily="18" charset="0"/>
+                          </a:rPr>
+                          <m:t>deg</m:t>
+                        </m:r>
+                      </m:fName>
+                      <m:e>
+                        <m:sSub>
+                          <m:sSubPr>
+                            <m:ctrlPr>
+                              <a:rPr lang="en-US" i="1" dirty="0" smtClean="0">
+                                <a:latin typeface="Cambria Math" panose="02040503050406030204" pitchFamily="18" charset="0"/>
+                              </a:rPr>
+                            </m:ctrlPr>
+                          </m:sSubPr>
+                          <m:e>
+                            <m:r>
+                              <a:rPr lang="en-US" b="0" i="1" dirty="0" smtClean="0">
+                                <a:latin typeface="Cambria Math" panose="02040503050406030204" pitchFamily="18" charset="0"/>
+                              </a:rPr>
+                              <m:t>𝑓</m:t>
+                            </m:r>
+                          </m:e>
+                          <m:sub>
+                            <m:r>
+                              <a:rPr lang="en-US" b="0" i="1" dirty="0" smtClean="0">
+                                <a:latin typeface="Cambria Math" panose="02040503050406030204" pitchFamily="18" charset="0"/>
+                              </a:rPr>
+                              <m:t>1</m:t>
+                            </m:r>
+                          </m:sub>
+                        </m:sSub>
+                      </m:e>
+                    </m:func>
+                    <m:r>
+                      <a:rPr lang="en-US" i="1" dirty="0">
+                        <a:latin typeface="Cambria Math" panose="02040503050406030204" pitchFamily="18" charset="0"/>
+                      </a:rPr>
+                      <m:t>&lt;</m:t>
+                    </m:r>
+                    <m:func>
+                      <m:funcPr>
+                        <m:ctrlPr>
+                          <a:rPr lang="en-US" i="1" dirty="0">
+                            <a:latin typeface="Cambria Math" panose="02040503050406030204" pitchFamily="18" charset="0"/>
+                          </a:rPr>
+                        </m:ctrlPr>
+                      </m:funcPr>
+                      <m:fName>
+                        <m:r>
+                          <m:rPr>
+                            <m:sty m:val="p"/>
+                          </m:rPr>
+                          <a:rPr lang="en-US" i="0" dirty="0">
+                            <a:latin typeface="Cambria Math" panose="02040503050406030204" pitchFamily="18" charset="0"/>
+                          </a:rPr>
+                          <m:t>deg</m:t>
+                        </m:r>
+                      </m:fName>
+                      <m:e>
+                        <m:r>
+                          <a:rPr lang="en-US" b="0" i="1" dirty="0" smtClean="0">
+                            <a:latin typeface="Cambria Math" panose="02040503050406030204" pitchFamily="18" charset="0"/>
+                          </a:rPr>
+                          <m:t>𝑔</m:t>
+                        </m:r>
+                      </m:e>
+                    </m:func>
+                  </m:oMath>
+                </a14:m>
+                <a:r>
+                  <a:rPr lang="ru-RU" dirty="0"/>
+                  <a:t>, то </a:t>
+                </a:r>
+                <a14:m>
+                  <m:oMath xmlns:m="http://schemas.openxmlformats.org/officeDocument/2006/math">
+                    <m:r>
+                      <a:rPr lang="en-US" b="0" i="1" smtClean="0">
+                        <a:latin typeface="Cambria Math" panose="02040503050406030204" pitchFamily="18" charset="0"/>
+                      </a:rPr>
+                      <m:t>𝑞</m:t>
+                    </m:r>
+                    <m:r>
+                      <a:rPr lang="en-US" b="0" i="1" smtClean="0">
+                        <a:latin typeface="Cambria Math" panose="02040503050406030204" pitchFamily="18" charset="0"/>
+                      </a:rPr>
+                      <m:t>=</m:t>
+                    </m:r>
+                    <m:f>
+                      <m:fPr>
+                        <m:ctrlPr>
+                          <a:rPr lang="en-US" i="1">
+                            <a:latin typeface="Cambria Math" panose="02040503050406030204" pitchFamily="18" charset="0"/>
+                          </a:rPr>
+                        </m:ctrlPr>
+                      </m:fPr>
+                      <m:num>
+                        <m:sSub>
+                          <m:sSubPr>
+                            <m:ctrlPr>
+                              <a:rPr lang="en-US" i="1">
+                                <a:latin typeface="Cambria Math" panose="02040503050406030204" pitchFamily="18" charset="0"/>
+                              </a:rPr>
+                            </m:ctrlPr>
+                          </m:sSubPr>
+                          <m:e>
+                            <m:r>
+                              <a:rPr lang="en-US" i="1">
+                                <a:latin typeface="Cambria Math" panose="02040503050406030204" pitchFamily="18" charset="0"/>
+                              </a:rPr>
+                              <m:t>𝑎</m:t>
+                            </m:r>
+                          </m:e>
+                          <m:sub>
+                            <m:r>
+                              <a:rPr lang="en-US" i="1">
+                                <a:latin typeface="Cambria Math" panose="02040503050406030204" pitchFamily="18" charset="0"/>
+                              </a:rPr>
+                              <m:t>0</m:t>
+                            </m:r>
+                          </m:sub>
+                        </m:sSub>
+                      </m:num>
+                      <m:den>
+                        <m:sSub>
+                          <m:sSubPr>
+                            <m:ctrlPr>
+                              <a:rPr lang="en-US" i="1">
+                                <a:latin typeface="Cambria Math" panose="02040503050406030204" pitchFamily="18" charset="0"/>
+                              </a:rPr>
+                            </m:ctrlPr>
+                          </m:sSubPr>
+                          <m:e>
+                            <m:r>
+                              <a:rPr lang="en-US" i="1">
+                                <a:latin typeface="Cambria Math" panose="02040503050406030204" pitchFamily="18" charset="0"/>
+                              </a:rPr>
+                              <m:t>𝑏</m:t>
+                            </m:r>
+                          </m:e>
+                          <m:sub>
+                            <m:r>
+                              <a:rPr lang="en-US" i="1">
+                                <a:latin typeface="Cambria Math" panose="02040503050406030204" pitchFamily="18" charset="0"/>
+                              </a:rPr>
+                              <m:t>0</m:t>
+                            </m:r>
+                          </m:sub>
+                        </m:sSub>
+                      </m:den>
+                    </m:f>
+                    <m:sSup>
+                      <m:sSupPr>
+                        <m:ctrlPr>
+                          <a:rPr lang="en-US" i="1">
+                            <a:latin typeface="Cambria Math" panose="02040503050406030204" pitchFamily="18" charset="0"/>
+                          </a:rPr>
+                        </m:ctrlPr>
+                      </m:sSupPr>
+                      <m:e>
+                        <m:r>
+                          <a:rPr lang="en-US" i="1">
+                            <a:latin typeface="Cambria Math" panose="02040503050406030204" pitchFamily="18" charset="0"/>
+                          </a:rPr>
+                          <m:t>𝑥</m:t>
+                        </m:r>
+                      </m:e>
+                      <m:sup>
+                        <m:r>
+                          <a:rPr lang="en-US" i="1">
+                            <a:latin typeface="Cambria Math" panose="02040503050406030204" pitchFamily="18" charset="0"/>
+                          </a:rPr>
+                          <m:t>𝑛</m:t>
+                        </m:r>
+                        <m:r>
+                          <a:rPr lang="en-US" i="1">
+                            <a:latin typeface="Cambria Math" panose="02040503050406030204" pitchFamily="18" charset="0"/>
+                          </a:rPr>
+                          <m:t>−</m:t>
+                        </m:r>
+                        <m:r>
+                          <a:rPr lang="en-US" i="1">
+                            <a:latin typeface="Cambria Math" panose="02040503050406030204" pitchFamily="18" charset="0"/>
+                          </a:rPr>
+                          <m:t>𝑚</m:t>
+                        </m:r>
+                      </m:sup>
+                    </m:sSup>
+                  </m:oMath>
+                </a14:m>
+                <a:r>
+                  <a:rPr lang="en-US" dirty="0"/>
+                  <a:t>, </a:t>
+                </a:r>
+                <a14:m>
+                  <m:oMath xmlns:m="http://schemas.openxmlformats.org/officeDocument/2006/math">
+                    <m:r>
+                      <a:rPr lang="en-US" b="0" i="1" smtClean="0">
+                        <a:latin typeface="Cambria Math" panose="02040503050406030204" pitchFamily="18" charset="0"/>
+                      </a:rPr>
+                      <m:t>𝑟</m:t>
+                    </m:r>
+                    <m:r>
+                      <a:rPr lang="en-US" b="0" i="1" smtClean="0">
+                        <a:latin typeface="Cambria Math" panose="02040503050406030204" pitchFamily="18" charset="0"/>
+                      </a:rPr>
+                      <m:t>=</m:t>
+                    </m:r>
+                    <m:sSub>
+                      <m:sSubPr>
+                        <m:ctrlPr>
+                          <a:rPr lang="ru-RU" i="1">
+                            <a:latin typeface="Cambria Math" panose="02040503050406030204" pitchFamily="18" charset="0"/>
+                          </a:rPr>
+                        </m:ctrlPr>
+                      </m:sSubPr>
+                      <m:e>
+                        <m:r>
+                          <a:rPr lang="en-US" i="1">
+                            <a:latin typeface="Cambria Math" panose="02040503050406030204" pitchFamily="18" charset="0"/>
+                          </a:rPr>
+                          <m:t>𝑓</m:t>
+                        </m:r>
+                      </m:e>
+                      <m:sub>
+                        <m:r>
+                          <a:rPr lang="en-US" i="1">
+                            <a:latin typeface="Cambria Math" panose="02040503050406030204" pitchFamily="18" charset="0"/>
+                          </a:rPr>
+                          <m:t>1</m:t>
+                        </m:r>
+                      </m:sub>
+                    </m:sSub>
+                  </m:oMath>
+                </a14:m>
+                <a:endParaRPr lang="en-US" dirty="0"/>
+              </a:p>
+              <a:p>
+                <a:r>
+                  <a:rPr lang="en-US" dirty="0"/>
+                  <a:t>	</a:t>
+                </a:r>
+                <a:r>
+                  <a:rPr lang="ru-RU" dirty="0"/>
+                  <a:t>В противном случае продолжается процесс для </a:t>
+                </a:r>
+                <a14:m>
+                  <m:oMath xmlns:m="http://schemas.openxmlformats.org/officeDocument/2006/math">
+                    <m:sSub>
+                      <m:sSubPr>
+                        <m:ctrlPr>
+                          <a:rPr lang="ru-RU" i="1" smtClean="0">
+                            <a:latin typeface="Cambria Math" panose="02040503050406030204" pitchFamily="18" charset="0"/>
+                          </a:rPr>
+                        </m:ctrlPr>
+                      </m:sSubPr>
+                      <m:e>
+                        <m:r>
+                          <a:rPr lang="en-US" b="0" i="1" smtClean="0">
+                            <a:latin typeface="Cambria Math" panose="02040503050406030204" pitchFamily="18" charset="0"/>
+                          </a:rPr>
+                          <m:t>𝑓</m:t>
+                        </m:r>
+                      </m:e>
+                      <m:sub>
+                        <m:r>
+                          <a:rPr lang="en-US" b="0" i="1" smtClean="0">
+                            <a:latin typeface="Cambria Math" panose="02040503050406030204" pitchFamily="18" charset="0"/>
+                          </a:rPr>
+                          <m:t>1</m:t>
+                        </m:r>
+                      </m:sub>
+                    </m:sSub>
+                  </m:oMath>
+                </a14:m>
+                <a:r>
+                  <a:rPr lang="ru-RU" dirty="0"/>
+                  <a:t> (как и для </a:t>
+                </a:r>
+                <a14:m>
+                  <m:oMath xmlns:m="http://schemas.openxmlformats.org/officeDocument/2006/math">
+                    <m:r>
+                      <a:rPr lang="en-US" i="1" dirty="0" smtClean="0">
+                        <a:latin typeface="Cambria Math" panose="02040503050406030204" pitchFamily="18" charset="0"/>
+                      </a:rPr>
+                      <m:t>𝑓</m:t>
+                    </m:r>
+                  </m:oMath>
+                </a14:m>
+                <a:r>
+                  <a:rPr lang="en-US" dirty="0"/>
+                  <a:t>)</a:t>
+                </a:r>
+              </a:p>
+              <a:p>
+                <a:r>
+                  <a:rPr lang="ru-RU" dirty="0"/>
+                  <a:t>В итоге получаем: </a:t>
+                </a:r>
+                <a14:m>
+                  <m:oMath xmlns:m="http://schemas.openxmlformats.org/officeDocument/2006/math">
+                    <m:r>
+                      <a:rPr lang="en-US" b="0" i="1" smtClean="0">
+                        <a:latin typeface="Cambria Math" panose="02040503050406030204" pitchFamily="18" charset="0"/>
+                      </a:rPr>
+                      <m:t>𝑞</m:t>
+                    </m:r>
+                    <m:r>
+                      <a:rPr lang="en-US" b="0" i="1" smtClean="0">
+                        <a:latin typeface="Cambria Math" panose="02040503050406030204" pitchFamily="18" charset="0"/>
+                      </a:rPr>
+                      <m:t>=</m:t>
+                    </m:r>
+                    <m:sSub>
+                      <m:sSubPr>
+                        <m:ctrlPr>
+                          <a:rPr lang="ru-RU" i="1" dirty="0">
+                            <a:latin typeface="Cambria Math" panose="02040503050406030204" pitchFamily="18" charset="0"/>
+                          </a:rPr>
+                        </m:ctrlPr>
+                      </m:sSubPr>
+                      <m:e>
+                        <m:r>
+                          <a:rPr lang="en-US" b="0" i="1" dirty="0" smtClean="0">
+                            <a:latin typeface="Cambria Math" panose="02040503050406030204" pitchFamily="18" charset="0"/>
+                          </a:rPr>
+                          <m:t>𝑐</m:t>
+                        </m:r>
+                      </m:e>
+                      <m:sub>
+                        <m:r>
+                          <a:rPr lang="en-US" i="1" dirty="0">
+                            <a:latin typeface="Cambria Math" panose="02040503050406030204" pitchFamily="18" charset="0"/>
+                          </a:rPr>
+                          <m:t>0</m:t>
+                        </m:r>
+                      </m:sub>
+                    </m:sSub>
+                    <m:sSup>
+                      <m:sSupPr>
+                        <m:ctrlPr>
+                          <a:rPr lang="en-US" i="1" dirty="0">
+                            <a:latin typeface="Cambria Math" panose="02040503050406030204" pitchFamily="18" charset="0"/>
+                          </a:rPr>
+                        </m:ctrlPr>
+                      </m:sSupPr>
+                      <m:e>
+                        <m:r>
+                          <a:rPr lang="en-US" i="1" dirty="0">
+                            <a:latin typeface="Cambria Math" panose="02040503050406030204" pitchFamily="18" charset="0"/>
+                          </a:rPr>
+                          <m:t>𝑥</m:t>
+                        </m:r>
+                      </m:e>
+                      <m:sup>
+                        <m:r>
+                          <a:rPr lang="en-US" i="1" dirty="0">
+                            <a:latin typeface="Cambria Math" panose="02040503050406030204" pitchFamily="18" charset="0"/>
+                          </a:rPr>
+                          <m:t>𝑛</m:t>
+                        </m:r>
+                        <m:r>
+                          <a:rPr lang="en-US" b="0" i="1" dirty="0" smtClean="0">
+                            <a:latin typeface="Cambria Math" panose="02040503050406030204" pitchFamily="18" charset="0"/>
+                          </a:rPr>
+                          <m:t>−</m:t>
+                        </m:r>
+                        <m:r>
+                          <a:rPr lang="en-US" b="0" i="1" dirty="0" smtClean="0">
+                            <a:latin typeface="Cambria Math" panose="02040503050406030204" pitchFamily="18" charset="0"/>
+                          </a:rPr>
+                          <m:t>𝑚</m:t>
+                        </m:r>
+                      </m:sup>
+                    </m:sSup>
+                    <m:r>
+                      <a:rPr lang="en-US" i="1" dirty="0">
+                        <a:latin typeface="Cambria Math" panose="02040503050406030204" pitchFamily="18" charset="0"/>
+                      </a:rPr>
+                      <m:t>+</m:t>
+                    </m:r>
+                    <m:sSub>
+                      <m:sSubPr>
+                        <m:ctrlPr>
+                          <a:rPr lang="en-US" i="1" dirty="0">
+                            <a:latin typeface="Cambria Math" panose="02040503050406030204" pitchFamily="18" charset="0"/>
+                          </a:rPr>
+                        </m:ctrlPr>
+                      </m:sSubPr>
+                      <m:e>
+                        <m:r>
+                          <a:rPr lang="en-US" b="0" i="1" dirty="0" smtClean="0">
+                            <a:latin typeface="Cambria Math" panose="02040503050406030204" pitchFamily="18" charset="0"/>
+                          </a:rPr>
+                          <m:t>𝑐</m:t>
+                        </m:r>
+                      </m:e>
+                      <m:sub>
+                        <m:r>
+                          <a:rPr lang="en-US" i="1" dirty="0">
+                            <a:latin typeface="Cambria Math" panose="02040503050406030204" pitchFamily="18" charset="0"/>
+                          </a:rPr>
+                          <m:t>1</m:t>
+                        </m:r>
+                      </m:sub>
+                    </m:sSub>
+                    <m:sSup>
+                      <m:sSupPr>
+                        <m:ctrlPr>
+                          <a:rPr lang="en-US" i="1" dirty="0">
+                            <a:latin typeface="Cambria Math" panose="02040503050406030204" pitchFamily="18" charset="0"/>
+                          </a:rPr>
+                        </m:ctrlPr>
+                      </m:sSupPr>
+                      <m:e>
+                        <m:r>
+                          <a:rPr lang="en-US" i="1" dirty="0">
+                            <a:latin typeface="Cambria Math" panose="02040503050406030204" pitchFamily="18" charset="0"/>
+                          </a:rPr>
+                          <m:t>𝑥</m:t>
+                        </m:r>
+                      </m:e>
+                      <m:sup>
+                        <m:r>
+                          <a:rPr lang="en-US" i="1" dirty="0">
+                            <a:latin typeface="Cambria Math" panose="02040503050406030204" pitchFamily="18" charset="0"/>
+                          </a:rPr>
+                          <m:t>𝑛</m:t>
+                        </m:r>
+                        <m:r>
+                          <a:rPr lang="en-US" i="1" dirty="0">
+                            <a:latin typeface="Cambria Math" panose="02040503050406030204" pitchFamily="18" charset="0"/>
+                          </a:rPr>
+                          <m:t>−</m:t>
+                        </m:r>
+                        <m:r>
+                          <a:rPr lang="en-US" b="0" i="1" dirty="0" smtClean="0">
+                            <a:latin typeface="Cambria Math" panose="02040503050406030204" pitchFamily="18" charset="0"/>
+                          </a:rPr>
+                          <m:t>𝑚</m:t>
+                        </m:r>
+                        <m:r>
+                          <a:rPr lang="en-US" b="0" i="1" dirty="0" smtClean="0">
+                            <a:latin typeface="Cambria Math" panose="02040503050406030204" pitchFamily="18" charset="0"/>
+                          </a:rPr>
+                          <m:t>−1</m:t>
+                        </m:r>
+                      </m:sup>
+                    </m:sSup>
+                    <m:r>
+                      <a:rPr lang="en-US" i="1" dirty="0">
+                        <a:latin typeface="Cambria Math" panose="02040503050406030204" pitchFamily="18" charset="0"/>
+                      </a:rPr>
+                      <m:t>+ … +</m:t>
+                    </m:r>
+                    <m:sSub>
+                      <m:sSubPr>
+                        <m:ctrlPr>
+                          <a:rPr lang="en-US" i="1" dirty="0">
+                            <a:latin typeface="Cambria Math" panose="02040503050406030204" pitchFamily="18" charset="0"/>
+                          </a:rPr>
+                        </m:ctrlPr>
+                      </m:sSubPr>
+                      <m:e>
+                        <m:r>
+                          <a:rPr lang="en-US" b="0" i="1" dirty="0" smtClean="0">
+                            <a:latin typeface="Cambria Math" panose="02040503050406030204" pitchFamily="18" charset="0"/>
+                          </a:rPr>
+                          <m:t>𝑐</m:t>
+                        </m:r>
+                      </m:e>
+                      <m:sub>
+                        <m:r>
+                          <a:rPr lang="en-US" i="1" dirty="0">
+                            <a:latin typeface="Cambria Math" panose="02040503050406030204" pitchFamily="18" charset="0"/>
+                          </a:rPr>
+                          <m:t>𝑛</m:t>
+                        </m:r>
+                        <m:r>
+                          <a:rPr lang="en-US" b="0" i="1" dirty="0" smtClean="0">
+                            <a:latin typeface="Cambria Math" panose="02040503050406030204" pitchFamily="18" charset="0"/>
+                          </a:rPr>
+                          <m:t>−</m:t>
+                        </m:r>
+                        <m:r>
+                          <a:rPr lang="en-US" b="0" i="1" dirty="0" smtClean="0">
+                            <a:latin typeface="Cambria Math" panose="02040503050406030204" pitchFamily="18" charset="0"/>
+                          </a:rPr>
+                          <m:t>𝑚</m:t>
+                        </m:r>
+                      </m:sub>
+                    </m:sSub>
+                    <m:r>
+                      <a:rPr lang="en-US" b="0" i="1" dirty="0" smtClean="0">
+                        <a:latin typeface="Cambria Math" panose="02040503050406030204" pitchFamily="18" charset="0"/>
+                      </a:rPr>
+                      <m:t>,        </m:t>
+                    </m:r>
+                    <m:func>
+                      <m:funcPr>
+                        <m:ctrlPr>
+                          <a:rPr lang="en-US" b="0" i="1" dirty="0" smtClean="0">
+                            <a:latin typeface="Cambria Math" panose="02040503050406030204" pitchFamily="18" charset="0"/>
+                          </a:rPr>
+                        </m:ctrlPr>
+                      </m:funcPr>
+                      <m:fName>
+                        <m:r>
+                          <m:rPr>
+                            <m:sty m:val="p"/>
+                          </m:rPr>
+                          <a:rPr lang="en-US" b="0" i="0" dirty="0" smtClean="0">
+                            <a:latin typeface="Cambria Math" panose="02040503050406030204" pitchFamily="18" charset="0"/>
+                          </a:rPr>
+                          <m:t>deg</m:t>
+                        </m:r>
+                      </m:fName>
+                      <m:e>
+                        <m:d>
+                          <m:dPr>
+                            <m:ctrlPr>
+                              <a:rPr lang="en-US" b="0" i="1" dirty="0" smtClean="0">
+                                <a:latin typeface="Cambria Math" panose="02040503050406030204" pitchFamily="18" charset="0"/>
+                              </a:rPr>
+                            </m:ctrlPr>
+                          </m:dPr>
+                          <m:e>
+                            <m:r>
+                              <a:rPr lang="en-US" b="0" i="1" dirty="0" smtClean="0">
+                                <a:latin typeface="Cambria Math" panose="02040503050406030204" pitchFamily="18" charset="0"/>
+                              </a:rPr>
+                              <m:t>𝑓</m:t>
+                            </m:r>
+                            <m:r>
+                              <a:rPr lang="en-US" b="0" i="1" dirty="0" smtClean="0">
+                                <a:latin typeface="Cambria Math" panose="02040503050406030204" pitchFamily="18" charset="0"/>
+                              </a:rPr>
+                              <m:t>−</m:t>
+                            </m:r>
+                            <m:r>
+                              <a:rPr lang="en-US" b="0" i="1" dirty="0" smtClean="0">
+                                <a:latin typeface="Cambria Math" panose="02040503050406030204" pitchFamily="18" charset="0"/>
+                              </a:rPr>
+                              <m:t>𝑞𝑔</m:t>
+                            </m:r>
+                          </m:e>
+                        </m:d>
+                      </m:e>
+                    </m:func>
+                    <m:r>
+                      <a:rPr lang="en-US" b="0" i="1" dirty="0" smtClean="0">
+                        <a:latin typeface="Cambria Math" panose="02040503050406030204" pitchFamily="18" charset="0"/>
+                      </a:rPr>
+                      <m:t>&lt;</m:t>
+                    </m:r>
+                    <m:func>
+                      <m:funcPr>
+                        <m:ctrlPr>
+                          <a:rPr lang="en-US" b="0" i="1" dirty="0" smtClean="0">
+                            <a:latin typeface="Cambria Math" panose="02040503050406030204" pitchFamily="18" charset="0"/>
+                          </a:rPr>
+                        </m:ctrlPr>
+                      </m:funcPr>
+                      <m:fName>
+                        <m:r>
+                          <m:rPr>
+                            <m:sty m:val="p"/>
+                          </m:rPr>
+                          <a:rPr lang="en-US" b="0" i="0" dirty="0" smtClean="0">
+                            <a:latin typeface="Cambria Math" panose="02040503050406030204" pitchFamily="18" charset="0"/>
+                          </a:rPr>
+                          <m:t>deg</m:t>
+                        </m:r>
+                      </m:fName>
+                      <m:e>
+                        <m:r>
+                          <a:rPr lang="en-US" b="0" i="1" dirty="0" smtClean="0">
+                            <a:latin typeface="Cambria Math" panose="02040503050406030204" pitchFamily="18" charset="0"/>
+                          </a:rPr>
+                          <m:t>𝑔</m:t>
+                        </m:r>
+                      </m:e>
+                    </m:func>
+                  </m:oMath>
+                </a14:m>
+                <a:endParaRPr lang="en-US" dirty="0"/>
+              </a:p>
+              <a:p>
+                <a:r>
+                  <a:rPr lang="ru-RU" dirty="0"/>
+                  <a:t>Тогда, </a:t>
+                </a:r>
+                <a14:m>
+                  <m:oMath xmlns:m="http://schemas.openxmlformats.org/officeDocument/2006/math">
+                    <m:r>
+                      <a:rPr lang="en-US" i="1" dirty="0" smtClean="0">
+                        <a:latin typeface="Cambria Math" panose="02040503050406030204" pitchFamily="18" charset="0"/>
+                      </a:rPr>
+                      <m:t>𝑞</m:t>
+                    </m:r>
+                  </m:oMath>
+                </a14:m>
+                <a:r>
+                  <a:rPr lang="en-US" dirty="0"/>
+                  <a:t> –</a:t>
+                </a:r>
+                <a:r>
+                  <a:rPr lang="ru-RU" dirty="0"/>
+                  <a:t> неполное частное, </a:t>
+                </a:r>
+                <a14:m>
+                  <m:oMath xmlns:m="http://schemas.openxmlformats.org/officeDocument/2006/math">
+                    <m:r>
+                      <a:rPr lang="en-US" i="1" dirty="0" smtClean="0">
+                        <a:latin typeface="Cambria Math" panose="02040503050406030204" pitchFamily="18" charset="0"/>
+                      </a:rPr>
+                      <m:t>𝑟</m:t>
+                    </m:r>
+                    <m:r>
+                      <a:rPr lang="en-US" i="1" dirty="0" smtClean="0">
+                        <a:latin typeface="Cambria Math" panose="02040503050406030204" pitchFamily="18" charset="0"/>
+                      </a:rPr>
+                      <m:t> = </m:t>
+                    </m:r>
+                    <m:r>
+                      <a:rPr lang="en-US" i="1" dirty="0" smtClean="0">
+                        <a:latin typeface="Cambria Math" panose="02040503050406030204" pitchFamily="18" charset="0"/>
+                      </a:rPr>
+                      <m:t>𝑓</m:t>
+                    </m:r>
+                    <m:r>
+                      <a:rPr lang="en-US" i="1" dirty="0" smtClean="0">
+                        <a:latin typeface="Cambria Math" panose="02040503050406030204" pitchFamily="18" charset="0"/>
+                      </a:rPr>
+                      <m:t>−</m:t>
+                    </m:r>
+                    <m:r>
+                      <a:rPr lang="en-US" b="0" i="1" dirty="0" smtClean="0">
+                        <a:latin typeface="Cambria Math" panose="02040503050406030204" pitchFamily="18" charset="0"/>
+                      </a:rPr>
+                      <m:t>𝑞</m:t>
+                    </m:r>
+                    <m:r>
+                      <a:rPr lang="en-US" b="0" i="1" dirty="0" smtClean="0">
+                        <a:latin typeface="Cambria Math" panose="02040503050406030204" pitchFamily="18" charset="0"/>
+                        <a:ea typeface="Cambria Math" panose="02040503050406030204" pitchFamily="18" charset="0"/>
+                      </a:rPr>
+                      <m:t>𝑔</m:t>
+                    </m:r>
+                    <m:r>
+                      <a:rPr lang="en-US" i="1" dirty="0" smtClean="0">
+                        <a:latin typeface="Cambria Math" panose="02040503050406030204" pitchFamily="18" charset="0"/>
+                      </a:rPr>
+                      <m:t> </m:t>
+                    </m:r>
+                  </m:oMath>
+                </a14:m>
+                <a:r>
+                  <a:rPr lang="en-US" dirty="0"/>
+                  <a:t>– </a:t>
+                </a:r>
+                <a:r>
+                  <a:rPr lang="ru-RU" dirty="0"/>
+                  <a:t>остаток. </a:t>
+                </a:r>
+              </a:p>
+            </p:txBody>
+          </p:sp>
+        </mc:Choice>
+        <mc:Fallback xmlns="">
+          <p:sp>
+            <p:nvSpPr>
+              <p:cNvPr id="3" name="Текст 2">
+                <a:extLst>
+                  <a:ext uri="{FF2B5EF4-FFF2-40B4-BE49-F238E27FC236}">
+                    <a16:creationId xmlns:a16="http://schemas.microsoft.com/office/drawing/2014/main" id="{A8821415-ED57-45A9-8D37-060E139F5A0B}"/>
+                  </a:ext>
+                </a:extLst>
+              </p:cNvPr>
+              <p:cNvSpPr>
+                <a:spLocks noGrp="1" noRot="1" noChangeAspect="1" noMove="1" noResize="1" noEditPoints="1" noAdjustHandles="1" noChangeArrowheads="1" noChangeShapeType="1" noTextEdit="1"/>
+              </p:cNvSpPr>
+              <p:nvPr>
+                <p:ph type="body" sz="quarter" idx="13"/>
+              </p:nvPr>
+            </p:nvSpPr>
+            <p:spPr>
+              <a:xfrm>
+                <a:off x="838200" y="993774"/>
+                <a:ext cx="10515600" cy="5630761"/>
+              </a:xfrm>
+              <a:blipFill>
+                <a:blip r:embed="rId2"/>
+                <a:stretch>
+                  <a:fillRect l="-522" t="-974"/>
+                </a:stretch>
+              </a:blipFill>
+            </p:spPr>
+            <p:txBody>
+              <a:bodyPr/>
+              <a:lstStyle/>
+              <a:p>
+                <a:r>
+                  <a:rPr lang="ru-RU">
+                    <a:noFill/>
+                  </a:rPr>
+                  <a:t> </a:t>
+                </a:r>
+              </a:p>
+            </p:txBody>
+          </p:sp>
+        </mc:Fallback>
+      </mc:AlternateContent>
     </p:spTree>
     <p:extLst>
       <p:ext uri="{BB962C8B-B14F-4D97-AF65-F5344CB8AC3E}">
@@ -18957,172 +21273,36 @@
             </p:nvSpPr>
             <p:spPr/>
             <p:txBody>
-              <a:bodyPr/>
+              <a:bodyPr>
+                <a:normAutofit/>
+              </a:bodyPr>
               <a:lstStyle/>
               <a:p>
-                <a:endParaRPr lang="en-US" dirty="0"/>
-              </a:p>
-              <a:p>
-                <a:endParaRPr lang="en-US" dirty="0"/>
-              </a:p>
-              <a:p>
-                <a:endParaRPr lang="en-US" dirty="0"/>
-              </a:p>
-              <a:p>
-                <a:endParaRPr lang="en-US" dirty="0"/>
-              </a:p>
-              <a:p>
-                <a:endParaRPr lang="en-US" dirty="0"/>
-              </a:p>
-              <a:p>
-                <a:endParaRPr lang="en-US" dirty="0"/>
-              </a:p>
-              <a:p>
-                <a:endParaRPr lang="en-US" dirty="0"/>
-              </a:p>
-              <a:p>
-                <a:endParaRPr lang="en-US" dirty="0"/>
-              </a:p>
-              <a:p>
-                <a:endParaRPr lang="en-US" dirty="0"/>
+                <a:r>
+                  <a:rPr lang="en-US" dirty="0">
+                    <a:solidFill>
+                      <a:schemeClr val="accent2"/>
+                    </a:solidFill>
+                  </a:rPr>
+                  <a:t>2. </a:t>
+                </a:r>
+                <a:r>
+                  <a:rPr lang="ru-RU" dirty="0">
+                    <a:solidFill>
+                      <a:schemeClr val="accent2"/>
+                    </a:solidFill>
+                  </a:rPr>
+                  <a:t>Докажем единственность ( ! )</a:t>
+                </a:r>
               </a:p>
               <a:p>
                 <a:r>
                   <a:rPr lang="ru-RU" dirty="0"/>
-                  <a:t>Два многочлена </a:t>
-                </a:r>
-                <a14:m>
-                  <m:oMath xmlns:m="http://schemas.openxmlformats.org/officeDocument/2006/math">
-                    <m:r>
-                      <a:rPr lang="ru-RU" i="1" dirty="0" smtClean="0">
-                        <a:latin typeface="Cambria Math" panose="02040503050406030204" pitchFamily="18" charset="0"/>
-                      </a:rPr>
-                      <m:t>𝑝</m:t>
-                    </m:r>
-                    <m:r>
-                      <a:rPr lang="ru-RU" i="1" dirty="0" smtClean="0">
-                        <a:latin typeface="Cambria Math" panose="02040503050406030204" pitchFamily="18" charset="0"/>
-                      </a:rPr>
-                      <m:t>(</m:t>
-                    </m:r>
-                    <m:r>
-                      <a:rPr lang="ru-RU" i="1" dirty="0" smtClean="0">
-                        <a:latin typeface="Cambria Math" panose="02040503050406030204" pitchFamily="18" charset="0"/>
-                      </a:rPr>
-                      <m:t>𝑥</m:t>
-                    </m:r>
-                    <m:r>
-                      <a:rPr lang="ru-RU" i="1" dirty="0" smtClean="0">
-                        <a:latin typeface="Cambria Math" panose="02040503050406030204" pitchFamily="18" charset="0"/>
-                      </a:rPr>
-                      <m:t>)</m:t>
-                    </m:r>
-                  </m:oMath>
-                </a14:m>
-                <a:r>
-                  <a:rPr lang="ru-RU" dirty="0"/>
-                  <a:t> и </a:t>
-                </a:r>
-                <a14:m>
-                  <m:oMath xmlns:m="http://schemas.openxmlformats.org/officeDocument/2006/math">
-                    <m:r>
-                      <a:rPr lang="ru-RU" i="1" dirty="0" smtClean="0">
-                        <a:latin typeface="Cambria Math" panose="02040503050406030204" pitchFamily="18" charset="0"/>
-                      </a:rPr>
-                      <m:t>𝑞</m:t>
-                    </m:r>
-                    <m:r>
-                      <a:rPr lang="ru-RU" i="1" dirty="0" smtClean="0">
-                        <a:latin typeface="Cambria Math" panose="02040503050406030204" pitchFamily="18" charset="0"/>
-                      </a:rPr>
-                      <m:t>(</m:t>
-                    </m:r>
-                    <m:r>
-                      <a:rPr lang="ru-RU" i="1" dirty="0" smtClean="0">
-                        <a:latin typeface="Cambria Math" panose="02040503050406030204" pitchFamily="18" charset="0"/>
-                      </a:rPr>
-                      <m:t>𝑥</m:t>
-                    </m:r>
-                    <m:r>
-                      <a:rPr lang="ru-RU" i="1" dirty="0" smtClean="0">
-                        <a:latin typeface="Cambria Math" panose="02040503050406030204" pitchFamily="18" charset="0"/>
-                      </a:rPr>
-                      <m:t>)</m:t>
-                    </m:r>
-                  </m:oMath>
-                </a14:m>
-                <a:r>
-                  <a:rPr lang="ru-RU" dirty="0"/>
-                  <a:t> называются </a:t>
-                </a:r>
-                <a:r>
-                  <a:rPr lang="ru-RU" b="1" dirty="0"/>
-                  <a:t>ассоциированными</a:t>
-                </a:r>
-                <a:r>
-                  <a:rPr lang="en-US" b="1" dirty="0"/>
-                  <a:t> </a:t>
-                </a:r>
-                <a:r>
-                  <a:rPr lang="ru-RU" dirty="0"/>
-                  <a:t>(пишут </a:t>
-                </a:r>
-                <a14:m>
-                  <m:oMath xmlns:m="http://schemas.openxmlformats.org/officeDocument/2006/math">
-                    <m:r>
-                      <a:rPr lang="en-US" i="1" dirty="0" smtClean="0">
-                        <a:latin typeface="Cambria Math" panose="02040503050406030204" pitchFamily="18" charset="0"/>
-                      </a:rPr>
-                      <m:t>𝑝</m:t>
-                    </m:r>
-                    <m:r>
-                      <a:rPr lang="en-US" i="1" dirty="0">
-                        <a:latin typeface="Cambria Math" panose="02040503050406030204" pitchFamily="18" charset="0"/>
-                      </a:rPr>
-                      <m:t>(</m:t>
-                    </m:r>
-                    <m:r>
-                      <a:rPr lang="en-US" i="1" dirty="0">
-                        <a:latin typeface="Cambria Math" panose="02040503050406030204" pitchFamily="18" charset="0"/>
-                      </a:rPr>
-                      <m:t>𝑥</m:t>
-                    </m:r>
-                    <m:r>
-                      <a:rPr lang="en-US" i="1" dirty="0">
-                        <a:latin typeface="Cambria Math" panose="02040503050406030204" pitchFamily="18" charset="0"/>
-                      </a:rPr>
-                      <m:t>) ∼ </m:t>
-                    </m:r>
-                    <m:r>
-                      <a:rPr lang="en-US" i="1" dirty="0">
-                        <a:latin typeface="Cambria Math" panose="02040503050406030204" pitchFamily="18" charset="0"/>
-                      </a:rPr>
-                      <m:t>𝑞</m:t>
-                    </m:r>
-                    <m:r>
-                      <a:rPr lang="en-US" i="1" dirty="0">
-                        <a:latin typeface="Cambria Math" panose="02040503050406030204" pitchFamily="18" charset="0"/>
-                      </a:rPr>
-                      <m:t>(</m:t>
-                    </m:r>
-                    <m:r>
-                      <a:rPr lang="en-US" i="1" dirty="0" smtClean="0">
-                        <a:latin typeface="Cambria Math" panose="02040503050406030204" pitchFamily="18" charset="0"/>
-                      </a:rPr>
-                      <m:t>𝑥</m:t>
-                    </m:r>
-                    <m:r>
-                      <a:rPr lang="ru-RU" i="1" dirty="0" smtClean="0">
-                        <a:latin typeface="Cambria Math" panose="02040503050406030204" pitchFamily="18" charset="0"/>
-                      </a:rPr>
-                      <m:t>) </m:t>
-                    </m:r>
-                  </m:oMath>
-                </a14:m>
-                <a:r>
-                  <a:rPr lang="ru-RU" dirty="0"/>
-                  <a:t>), если</a:t>
-                </a:r>
+                  <a:t>Пусть </a:t>
+                </a:r>
+                <a:endParaRPr lang="en-US" b="0" i="1" dirty="0">
+                  <a:latin typeface="Cambria Math" panose="02040503050406030204" pitchFamily="18" charset="0"/>
+                </a:endParaRPr>
               </a:p>
               <a:p>
                 <a:pPr/>
@@ -19133,6 +21313,1162 @@
                     </m:oMathParaPr>
                     <m:oMath xmlns:m="http://schemas.openxmlformats.org/officeDocument/2006/math">
                       <m:r>
+                        <a:rPr lang="en-US" b="0" i="1" smtClean="0">
+                          <a:latin typeface="Cambria Math" panose="02040503050406030204" pitchFamily="18" charset="0"/>
+                        </a:rPr>
+                        <m:t>𝑓</m:t>
+                      </m:r>
+                      <m:r>
+                        <a:rPr lang="en-US" b="0" i="1" smtClean="0">
+                          <a:latin typeface="Cambria Math" panose="02040503050406030204" pitchFamily="18" charset="0"/>
+                        </a:rPr>
+                        <m:t>=</m:t>
+                      </m:r>
+                      <m:sSub>
+                        <m:sSubPr>
+                          <m:ctrlPr>
+                            <a:rPr lang="en-US" b="0" i="1" smtClean="0">
+                              <a:latin typeface="Cambria Math" panose="02040503050406030204" pitchFamily="18" charset="0"/>
+                            </a:rPr>
+                          </m:ctrlPr>
+                        </m:sSubPr>
+                        <m:e>
+                          <m:r>
+                            <a:rPr lang="en-US" b="0" i="1" smtClean="0">
+                              <a:latin typeface="Cambria Math" panose="02040503050406030204" pitchFamily="18" charset="0"/>
+                            </a:rPr>
+                            <m:t>𝑞</m:t>
+                          </m:r>
+                        </m:e>
+                        <m:sub>
+                          <m:r>
+                            <a:rPr lang="en-US" b="0" i="1" smtClean="0">
+                              <a:latin typeface="Cambria Math" panose="02040503050406030204" pitchFamily="18" charset="0"/>
+                            </a:rPr>
+                            <m:t>1</m:t>
+                          </m:r>
+                        </m:sub>
+                      </m:sSub>
+                      <m:r>
+                        <a:rPr lang="en-US" b="0" i="1" smtClean="0">
+                          <a:latin typeface="Cambria Math" panose="02040503050406030204" pitchFamily="18" charset="0"/>
+                        </a:rPr>
+                        <m:t>𝑔</m:t>
+                      </m:r>
+                      <m:r>
+                        <a:rPr lang="en-US" b="0" i="1" smtClean="0">
+                          <a:latin typeface="Cambria Math" panose="02040503050406030204" pitchFamily="18" charset="0"/>
+                        </a:rPr>
+                        <m:t>+</m:t>
+                      </m:r>
+                      <m:sSub>
+                        <m:sSubPr>
+                          <m:ctrlPr>
+                            <a:rPr lang="en-US" b="0" i="1" smtClean="0">
+                              <a:latin typeface="Cambria Math" panose="02040503050406030204" pitchFamily="18" charset="0"/>
+                            </a:rPr>
+                          </m:ctrlPr>
+                        </m:sSubPr>
+                        <m:e>
+                          <m:r>
+                            <a:rPr lang="en-US" b="0" i="1" smtClean="0">
+                              <a:latin typeface="Cambria Math" panose="02040503050406030204" pitchFamily="18" charset="0"/>
+                            </a:rPr>
+                            <m:t>𝑟</m:t>
+                          </m:r>
+                        </m:e>
+                        <m:sub>
+                          <m:r>
+                            <a:rPr lang="en-US" b="0" i="1" smtClean="0">
+                              <a:latin typeface="Cambria Math" panose="02040503050406030204" pitchFamily="18" charset="0"/>
+                            </a:rPr>
+                            <m:t>1</m:t>
+                          </m:r>
+                        </m:sub>
+                      </m:sSub>
+                      <m:r>
+                        <a:rPr lang="en-US" b="0" i="1" smtClean="0">
+                          <a:latin typeface="Cambria Math" panose="02040503050406030204" pitchFamily="18" charset="0"/>
+                        </a:rPr>
+                        <m:t>,  </m:t>
+                      </m:r>
+                      <m:func>
+                        <m:funcPr>
+                          <m:ctrlPr>
+                            <a:rPr lang="en-US" b="0" i="1" smtClean="0">
+                              <a:latin typeface="Cambria Math" panose="02040503050406030204" pitchFamily="18" charset="0"/>
+                            </a:rPr>
+                          </m:ctrlPr>
+                        </m:funcPr>
+                        <m:fName>
+                          <m:r>
+                            <m:rPr>
+                              <m:sty m:val="p"/>
+                            </m:rPr>
+                            <a:rPr lang="en-US" b="0" i="0" smtClean="0">
+                              <a:latin typeface="Cambria Math" panose="02040503050406030204" pitchFamily="18" charset="0"/>
+                            </a:rPr>
+                            <m:t>deg</m:t>
+                          </m:r>
+                        </m:fName>
+                        <m:e>
+                          <m:sSub>
+                            <m:sSubPr>
+                              <m:ctrlPr>
+                                <a:rPr lang="en-US" i="1">
+                                  <a:latin typeface="Cambria Math" panose="02040503050406030204" pitchFamily="18" charset="0"/>
+                                </a:rPr>
+                              </m:ctrlPr>
+                            </m:sSubPr>
+                            <m:e>
+                              <m:r>
+                                <a:rPr lang="en-US" i="1">
+                                  <a:latin typeface="Cambria Math" panose="02040503050406030204" pitchFamily="18" charset="0"/>
+                                </a:rPr>
+                                <m:t>𝑟</m:t>
+                              </m:r>
+                            </m:e>
+                            <m:sub>
+                              <m:r>
+                                <a:rPr lang="en-US" i="1">
+                                  <a:latin typeface="Cambria Math" panose="02040503050406030204" pitchFamily="18" charset="0"/>
+                                </a:rPr>
+                                <m:t>1</m:t>
+                              </m:r>
+                            </m:sub>
+                          </m:sSub>
+                        </m:e>
+                      </m:func>
+                      <m:r>
+                        <a:rPr lang="en-US" b="0" i="1" smtClean="0">
+                          <a:latin typeface="Cambria Math" panose="02040503050406030204" pitchFamily="18" charset="0"/>
+                        </a:rPr>
+                        <m:t>&lt;</m:t>
+                      </m:r>
+                      <m:func>
+                        <m:funcPr>
+                          <m:ctrlPr>
+                            <a:rPr lang="en-US" b="0" i="1" smtClean="0">
+                              <a:latin typeface="Cambria Math" panose="02040503050406030204" pitchFamily="18" charset="0"/>
+                            </a:rPr>
+                          </m:ctrlPr>
+                        </m:funcPr>
+                        <m:fName>
+                          <m:r>
+                            <m:rPr>
+                              <m:sty m:val="p"/>
+                            </m:rPr>
+                            <a:rPr lang="en-US" b="0" i="0" smtClean="0">
+                              <a:latin typeface="Cambria Math" panose="02040503050406030204" pitchFamily="18" charset="0"/>
+                            </a:rPr>
+                            <m:t>deg</m:t>
+                          </m:r>
+                        </m:fName>
+                        <m:e>
+                          <m:r>
+                            <a:rPr lang="en-US" b="0" i="1" smtClean="0">
+                              <a:latin typeface="Cambria Math" panose="02040503050406030204" pitchFamily="18" charset="0"/>
+                            </a:rPr>
+                            <m:t>𝑔</m:t>
+                          </m:r>
+                        </m:e>
+                      </m:func>
+                    </m:oMath>
+                  </m:oMathPara>
+                </a14:m>
+                <a:endParaRPr lang="en-US" dirty="0"/>
+              </a:p>
+              <a:p>
+                <a:pPr/>
+                <a14:m>
+                  <m:oMathPara xmlns:m="http://schemas.openxmlformats.org/officeDocument/2006/math">
+                    <m:oMathParaPr>
+                      <m:jc m:val="centerGroup"/>
+                    </m:oMathParaPr>
+                    <m:oMath xmlns:m="http://schemas.openxmlformats.org/officeDocument/2006/math">
+                      <m:r>
+                        <a:rPr lang="en-US" b="0" i="1" smtClean="0">
+                          <a:latin typeface="Cambria Math" panose="02040503050406030204" pitchFamily="18" charset="0"/>
+                        </a:rPr>
+                        <m:t>𝑓</m:t>
+                      </m:r>
+                      <m:r>
+                        <a:rPr lang="en-US" b="0" i="1" smtClean="0">
+                          <a:latin typeface="Cambria Math" panose="02040503050406030204" pitchFamily="18" charset="0"/>
+                        </a:rPr>
+                        <m:t>=</m:t>
+                      </m:r>
+                      <m:sSub>
+                        <m:sSubPr>
+                          <m:ctrlPr>
+                            <a:rPr lang="en-US" b="0" i="1" smtClean="0">
+                              <a:latin typeface="Cambria Math" panose="02040503050406030204" pitchFamily="18" charset="0"/>
+                            </a:rPr>
+                          </m:ctrlPr>
+                        </m:sSubPr>
+                        <m:e>
+                          <m:r>
+                            <a:rPr lang="en-US" b="0" i="1" smtClean="0">
+                              <a:latin typeface="Cambria Math" panose="02040503050406030204" pitchFamily="18" charset="0"/>
+                            </a:rPr>
+                            <m:t>𝑞</m:t>
+                          </m:r>
+                        </m:e>
+                        <m:sub>
+                          <m:r>
+                            <a:rPr lang="en-US" b="0" i="1" smtClean="0">
+                              <a:latin typeface="Cambria Math" panose="02040503050406030204" pitchFamily="18" charset="0"/>
+                            </a:rPr>
+                            <m:t>2</m:t>
+                          </m:r>
+                        </m:sub>
+                      </m:sSub>
+                      <m:r>
+                        <a:rPr lang="en-US" b="0" i="1" smtClean="0">
+                          <a:latin typeface="Cambria Math" panose="02040503050406030204" pitchFamily="18" charset="0"/>
+                        </a:rPr>
+                        <m:t>𝑔</m:t>
+                      </m:r>
+                      <m:r>
+                        <a:rPr lang="en-US" b="0" i="1" smtClean="0">
+                          <a:latin typeface="Cambria Math" panose="02040503050406030204" pitchFamily="18" charset="0"/>
+                        </a:rPr>
+                        <m:t>+</m:t>
+                      </m:r>
+                      <m:sSub>
+                        <m:sSubPr>
+                          <m:ctrlPr>
+                            <a:rPr lang="en-US" b="0" i="1" smtClean="0">
+                              <a:latin typeface="Cambria Math" panose="02040503050406030204" pitchFamily="18" charset="0"/>
+                            </a:rPr>
+                          </m:ctrlPr>
+                        </m:sSubPr>
+                        <m:e>
+                          <m:r>
+                            <a:rPr lang="en-US" b="0" i="1" smtClean="0">
+                              <a:latin typeface="Cambria Math" panose="02040503050406030204" pitchFamily="18" charset="0"/>
+                            </a:rPr>
+                            <m:t>𝑟</m:t>
+                          </m:r>
+                        </m:e>
+                        <m:sub>
+                          <m:r>
+                            <a:rPr lang="en-US" b="0" i="1" smtClean="0">
+                              <a:latin typeface="Cambria Math" panose="02040503050406030204" pitchFamily="18" charset="0"/>
+                            </a:rPr>
+                            <m:t>2</m:t>
+                          </m:r>
+                        </m:sub>
+                      </m:sSub>
+                      <m:r>
+                        <a:rPr lang="en-US" b="0" i="1" smtClean="0">
+                          <a:latin typeface="Cambria Math" panose="02040503050406030204" pitchFamily="18" charset="0"/>
+                        </a:rPr>
+                        <m:t>,  </m:t>
+                      </m:r>
+                      <m:func>
+                        <m:funcPr>
+                          <m:ctrlPr>
+                            <a:rPr lang="en-US" b="0" i="1" smtClean="0">
+                              <a:latin typeface="Cambria Math" panose="02040503050406030204" pitchFamily="18" charset="0"/>
+                            </a:rPr>
+                          </m:ctrlPr>
+                        </m:funcPr>
+                        <m:fName>
+                          <m:r>
+                            <m:rPr>
+                              <m:sty m:val="p"/>
+                            </m:rPr>
+                            <a:rPr lang="en-US" b="0" i="0" smtClean="0">
+                              <a:latin typeface="Cambria Math" panose="02040503050406030204" pitchFamily="18" charset="0"/>
+                            </a:rPr>
+                            <m:t>deg</m:t>
+                          </m:r>
+                        </m:fName>
+                        <m:e>
+                          <m:sSub>
+                            <m:sSubPr>
+                              <m:ctrlPr>
+                                <a:rPr lang="en-US" i="1">
+                                  <a:latin typeface="Cambria Math" panose="02040503050406030204" pitchFamily="18" charset="0"/>
+                                </a:rPr>
+                              </m:ctrlPr>
+                            </m:sSubPr>
+                            <m:e>
+                              <m:r>
+                                <a:rPr lang="en-US" i="1">
+                                  <a:latin typeface="Cambria Math" panose="02040503050406030204" pitchFamily="18" charset="0"/>
+                                </a:rPr>
+                                <m:t>𝑟</m:t>
+                              </m:r>
+                            </m:e>
+                            <m:sub>
+                              <m:r>
+                                <a:rPr lang="en-US" b="0" i="1" smtClean="0">
+                                  <a:latin typeface="Cambria Math" panose="02040503050406030204" pitchFamily="18" charset="0"/>
+                                </a:rPr>
+                                <m:t>2</m:t>
+                              </m:r>
+                            </m:sub>
+                          </m:sSub>
+                        </m:e>
+                      </m:func>
+                      <m:r>
+                        <a:rPr lang="en-US" b="0" i="1" smtClean="0">
+                          <a:latin typeface="Cambria Math" panose="02040503050406030204" pitchFamily="18" charset="0"/>
+                        </a:rPr>
+                        <m:t>&lt;</m:t>
+                      </m:r>
+                      <m:func>
+                        <m:funcPr>
+                          <m:ctrlPr>
+                            <a:rPr lang="en-US" b="0" i="1" smtClean="0">
+                              <a:latin typeface="Cambria Math" panose="02040503050406030204" pitchFamily="18" charset="0"/>
+                            </a:rPr>
+                          </m:ctrlPr>
+                        </m:funcPr>
+                        <m:fName>
+                          <m:r>
+                            <m:rPr>
+                              <m:sty m:val="p"/>
+                            </m:rPr>
+                            <a:rPr lang="en-US" b="0" i="0" smtClean="0">
+                              <a:latin typeface="Cambria Math" panose="02040503050406030204" pitchFamily="18" charset="0"/>
+                            </a:rPr>
+                            <m:t>deg</m:t>
+                          </m:r>
+                        </m:fName>
+                        <m:e>
+                          <m:r>
+                            <a:rPr lang="en-US" b="0" i="1" smtClean="0">
+                              <a:latin typeface="Cambria Math" panose="02040503050406030204" pitchFamily="18" charset="0"/>
+                            </a:rPr>
+                            <m:t>𝑔</m:t>
+                          </m:r>
+                        </m:e>
+                      </m:func>
+                    </m:oMath>
+                  </m:oMathPara>
+                </a14:m>
+                <a:endParaRPr lang="en-US" dirty="0"/>
+              </a:p>
+              <a:p>
+                <a:pPr/>
+                <a14:m>
+                  <m:oMathPara xmlns:m="http://schemas.openxmlformats.org/officeDocument/2006/math">
+                    <m:oMathParaPr>
+                      <m:jc m:val="centerGroup"/>
+                    </m:oMathParaPr>
+                    <m:oMath xmlns:m="http://schemas.openxmlformats.org/officeDocument/2006/math">
+                      <m:sSub>
+                        <m:sSubPr>
+                          <m:ctrlPr>
+                            <a:rPr lang="en-US" i="1" smtClean="0">
+                              <a:latin typeface="Cambria Math" panose="02040503050406030204" pitchFamily="18" charset="0"/>
+                            </a:rPr>
+                          </m:ctrlPr>
+                        </m:sSubPr>
+                        <m:e>
+                          <m:r>
+                            <a:rPr lang="en-US" b="0" i="1" smtClean="0">
+                              <a:latin typeface="Cambria Math" panose="02040503050406030204" pitchFamily="18" charset="0"/>
+                            </a:rPr>
+                            <m:t>𝑟</m:t>
+                          </m:r>
+                        </m:e>
+                        <m:sub>
+                          <m:r>
+                            <a:rPr lang="en-US" b="0" i="1" smtClean="0">
+                              <a:latin typeface="Cambria Math" panose="02040503050406030204" pitchFamily="18" charset="0"/>
+                            </a:rPr>
+                            <m:t>1</m:t>
+                          </m:r>
+                        </m:sub>
+                      </m:sSub>
+                      <m:r>
+                        <a:rPr lang="en-US" b="0" i="1" smtClean="0">
+                          <a:latin typeface="Cambria Math" panose="02040503050406030204" pitchFamily="18" charset="0"/>
+                        </a:rPr>
+                        <m:t>−</m:t>
+                      </m:r>
+                      <m:sSub>
+                        <m:sSubPr>
+                          <m:ctrlPr>
+                            <a:rPr lang="en-US" b="0" i="1" smtClean="0">
+                              <a:latin typeface="Cambria Math" panose="02040503050406030204" pitchFamily="18" charset="0"/>
+                            </a:rPr>
+                          </m:ctrlPr>
+                        </m:sSubPr>
+                        <m:e>
+                          <m:r>
+                            <a:rPr lang="en-US" b="0" i="1" smtClean="0">
+                              <a:latin typeface="Cambria Math" panose="02040503050406030204" pitchFamily="18" charset="0"/>
+                            </a:rPr>
+                            <m:t>𝑟</m:t>
+                          </m:r>
+                        </m:e>
+                        <m:sub>
+                          <m:r>
+                            <a:rPr lang="en-US" b="0" i="1" smtClean="0">
+                              <a:latin typeface="Cambria Math" panose="02040503050406030204" pitchFamily="18" charset="0"/>
+                            </a:rPr>
+                            <m:t>2</m:t>
+                          </m:r>
+                        </m:sub>
+                      </m:sSub>
+                      <m:r>
+                        <a:rPr lang="en-US" b="0" i="1" smtClean="0">
+                          <a:latin typeface="Cambria Math" panose="02040503050406030204" pitchFamily="18" charset="0"/>
+                        </a:rPr>
+                        <m:t>=</m:t>
+                      </m:r>
+                      <m:d>
+                        <m:dPr>
+                          <m:ctrlPr>
+                            <a:rPr lang="en-US" b="0" i="1" smtClean="0">
+                              <a:latin typeface="Cambria Math" panose="02040503050406030204" pitchFamily="18" charset="0"/>
+                            </a:rPr>
+                          </m:ctrlPr>
+                        </m:dPr>
+                        <m:e>
+                          <m:sSub>
+                            <m:sSubPr>
+                              <m:ctrlPr>
+                                <a:rPr lang="en-US" i="1">
+                                  <a:latin typeface="Cambria Math" panose="02040503050406030204" pitchFamily="18" charset="0"/>
+                                </a:rPr>
+                              </m:ctrlPr>
+                            </m:sSubPr>
+                            <m:e>
+                              <m:r>
+                                <a:rPr lang="en-US" i="1">
+                                  <a:latin typeface="Cambria Math" panose="02040503050406030204" pitchFamily="18" charset="0"/>
+                                </a:rPr>
+                                <m:t>𝑞</m:t>
+                              </m:r>
+                            </m:e>
+                            <m:sub>
+                              <m:r>
+                                <a:rPr lang="en-US" i="1">
+                                  <a:latin typeface="Cambria Math" panose="02040503050406030204" pitchFamily="18" charset="0"/>
+                                </a:rPr>
+                                <m:t>2</m:t>
+                              </m:r>
+                            </m:sub>
+                          </m:sSub>
+                          <m:r>
+                            <a:rPr lang="en-US" b="0" i="1" smtClean="0">
+                              <a:latin typeface="Cambria Math" panose="02040503050406030204" pitchFamily="18" charset="0"/>
+                            </a:rPr>
+                            <m:t>−</m:t>
+                          </m:r>
+                          <m:sSub>
+                            <m:sSubPr>
+                              <m:ctrlPr>
+                                <a:rPr lang="en-US" i="1">
+                                  <a:latin typeface="Cambria Math" panose="02040503050406030204" pitchFamily="18" charset="0"/>
+                                </a:rPr>
+                              </m:ctrlPr>
+                            </m:sSubPr>
+                            <m:e>
+                              <m:r>
+                                <a:rPr lang="en-US" i="1">
+                                  <a:latin typeface="Cambria Math" panose="02040503050406030204" pitchFamily="18" charset="0"/>
+                                </a:rPr>
+                                <m:t>𝑞</m:t>
+                              </m:r>
+                            </m:e>
+                            <m:sub>
+                              <m:r>
+                                <a:rPr lang="en-US" i="1">
+                                  <a:latin typeface="Cambria Math" panose="02040503050406030204" pitchFamily="18" charset="0"/>
+                                </a:rPr>
+                                <m:t>1</m:t>
+                              </m:r>
+                            </m:sub>
+                          </m:sSub>
+                        </m:e>
+                      </m:d>
+                      <m:r>
+                        <a:rPr lang="en-US" b="0" i="1" smtClean="0">
+                          <a:latin typeface="Cambria Math" panose="02040503050406030204" pitchFamily="18" charset="0"/>
+                          <a:ea typeface="Cambria Math" panose="02040503050406030204" pitchFamily="18" charset="0"/>
+                        </a:rPr>
+                        <m:t>∙</m:t>
+                      </m:r>
+                      <m:r>
+                        <a:rPr lang="en-US" b="0" i="1" smtClean="0">
+                          <a:latin typeface="Cambria Math" panose="02040503050406030204" pitchFamily="18" charset="0"/>
+                        </a:rPr>
+                        <m:t>𝑔</m:t>
+                      </m:r>
+                      <m:r>
+                        <a:rPr lang="en-US" b="0" i="1" smtClean="0">
+                          <a:latin typeface="Cambria Math" panose="02040503050406030204" pitchFamily="18" charset="0"/>
+                        </a:rPr>
+                        <m:t>                                        </m:t>
+                      </m:r>
+                    </m:oMath>
+                  </m:oMathPara>
+                </a14:m>
+                <a:endParaRPr lang="en-US" dirty="0"/>
+              </a:p>
+              <a:p>
+                <a:r>
+                  <a:rPr lang="ru-RU" dirty="0"/>
+                  <a:t>Если </a:t>
+                </a:r>
+                <a14:m>
+                  <m:oMath xmlns:m="http://schemas.openxmlformats.org/officeDocument/2006/math">
+                    <m:sSub>
+                      <m:sSubPr>
+                        <m:ctrlPr>
+                          <a:rPr lang="en-US" b="0" i="1" smtClean="0">
+                            <a:latin typeface="Cambria Math" panose="02040503050406030204" pitchFamily="18" charset="0"/>
+                          </a:rPr>
+                        </m:ctrlPr>
+                      </m:sSubPr>
+                      <m:e>
+                        <m:r>
+                          <a:rPr lang="en-US" b="0" i="1" smtClean="0">
+                            <a:latin typeface="Cambria Math" panose="02040503050406030204" pitchFamily="18" charset="0"/>
+                          </a:rPr>
+                          <m:t>𝑞</m:t>
+                        </m:r>
+                      </m:e>
+                      <m:sub>
+                        <m:r>
+                          <a:rPr lang="en-US" b="0" i="1" smtClean="0">
+                            <a:latin typeface="Cambria Math" panose="02040503050406030204" pitchFamily="18" charset="0"/>
+                          </a:rPr>
+                          <m:t>1</m:t>
+                        </m:r>
+                      </m:sub>
+                    </m:sSub>
+                    <m:r>
+                      <a:rPr lang="en-US" b="0" i="1" smtClean="0">
+                        <a:latin typeface="Cambria Math" panose="02040503050406030204" pitchFamily="18" charset="0"/>
+                        <a:ea typeface="Cambria Math" panose="02040503050406030204" pitchFamily="18" charset="0"/>
+                      </a:rPr>
+                      <m:t>≠</m:t>
+                    </m:r>
+                    <m:sSub>
+                      <m:sSubPr>
+                        <m:ctrlPr>
+                          <a:rPr lang="en-US" b="0" i="1" smtClean="0">
+                            <a:latin typeface="Cambria Math" panose="02040503050406030204" pitchFamily="18" charset="0"/>
+                            <a:ea typeface="Cambria Math" panose="02040503050406030204" pitchFamily="18" charset="0"/>
+                          </a:rPr>
+                        </m:ctrlPr>
+                      </m:sSubPr>
+                      <m:e>
+                        <m:r>
+                          <a:rPr lang="en-US" b="0" i="1" smtClean="0">
+                            <a:latin typeface="Cambria Math" panose="02040503050406030204" pitchFamily="18" charset="0"/>
+                            <a:ea typeface="Cambria Math" panose="02040503050406030204" pitchFamily="18" charset="0"/>
+                          </a:rPr>
+                          <m:t>𝑞</m:t>
+                        </m:r>
+                      </m:e>
+                      <m:sub>
+                        <m:r>
+                          <a:rPr lang="en-US" b="0" i="1" smtClean="0">
+                            <a:latin typeface="Cambria Math" panose="02040503050406030204" pitchFamily="18" charset="0"/>
+                            <a:ea typeface="Cambria Math" panose="02040503050406030204" pitchFamily="18" charset="0"/>
+                          </a:rPr>
+                          <m:t>2</m:t>
+                        </m:r>
+                      </m:sub>
+                    </m:sSub>
+                    <m:r>
+                      <a:rPr lang="ru-RU" b="0" i="1" smtClean="0">
+                        <a:latin typeface="Cambria Math" panose="02040503050406030204" pitchFamily="18" charset="0"/>
+                        <a:ea typeface="Cambria Math" panose="02040503050406030204" pitchFamily="18" charset="0"/>
+                      </a:rPr>
+                      <m:t>⇒</m:t>
+                    </m:r>
+                    <m:func>
+                      <m:funcPr>
+                        <m:ctrlPr>
+                          <a:rPr lang="en-US" b="0" i="1" smtClean="0">
+                            <a:latin typeface="Cambria Math" panose="02040503050406030204" pitchFamily="18" charset="0"/>
+                            <a:ea typeface="Cambria Math" panose="02040503050406030204" pitchFamily="18" charset="0"/>
+                          </a:rPr>
+                        </m:ctrlPr>
+                      </m:funcPr>
+                      <m:fName>
+                        <m:r>
+                          <m:rPr>
+                            <m:sty m:val="p"/>
+                          </m:rPr>
+                          <a:rPr lang="en-US" b="0" i="0" smtClean="0">
+                            <a:latin typeface="Cambria Math" panose="02040503050406030204" pitchFamily="18" charset="0"/>
+                            <a:ea typeface="Cambria Math" panose="02040503050406030204" pitchFamily="18" charset="0"/>
+                          </a:rPr>
+                          <m:t>deg</m:t>
+                        </m:r>
+                      </m:fName>
+                      <m:e>
+                        <m:d>
+                          <m:dPr>
+                            <m:ctrlPr>
+                              <a:rPr lang="en-US" b="0" i="1" smtClean="0">
+                                <a:latin typeface="Cambria Math" panose="02040503050406030204" pitchFamily="18" charset="0"/>
+                                <a:ea typeface="Cambria Math" panose="02040503050406030204" pitchFamily="18" charset="0"/>
+                              </a:rPr>
+                            </m:ctrlPr>
+                          </m:dPr>
+                          <m:e>
+                            <m:sSub>
+                              <m:sSubPr>
+                                <m:ctrlPr>
+                                  <a:rPr lang="en-US" i="1">
+                                    <a:latin typeface="Cambria Math" panose="02040503050406030204" pitchFamily="18" charset="0"/>
+                                  </a:rPr>
+                                </m:ctrlPr>
+                              </m:sSubPr>
+                              <m:e>
+                                <m:r>
+                                  <a:rPr lang="en-US" i="1">
+                                    <a:latin typeface="Cambria Math" panose="02040503050406030204" pitchFamily="18" charset="0"/>
+                                  </a:rPr>
+                                  <m:t>𝑟</m:t>
+                                </m:r>
+                              </m:e>
+                              <m:sub>
+                                <m:r>
+                                  <a:rPr lang="en-US" i="1">
+                                    <a:latin typeface="Cambria Math" panose="02040503050406030204" pitchFamily="18" charset="0"/>
+                                  </a:rPr>
+                                  <m:t>1</m:t>
+                                </m:r>
+                              </m:sub>
+                            </m:sSub>
+                            <m:r>
+                              <a:rPr lang="en-US" i="1">
+                                <a:latin typeface="Cambria Math" panose="02040503050406030204" pitchFamily="18" charset="0"/>
+                              </a:rPr>
+                              <m:t>−</m:t>
+                            </m:r>
+                            <m:sSub>
+                              <m:sSubPr>
+                                <m:ctrlPr>
+                                  <a:rPr lang="en-US" i="1">
+                                    <a:latin typeface="Cambria Math" panose="02040503050406030204" pitchFamily="18" charset="0"/>
+                                  </a:rPr>
+                                </m:ctrlPr>
+                              </m:sSubPr>
+                              <m:e>
+                                <m:r>
+                                  <a:rPr lang="en-US" i="1">
+                                    <a:latin typeface="Cambria Math" panose="02040503050406030204" pitchFamily="18" charset="0"/>
+                                  </a:rPr>
+                                  <m:t>𝑟</m:t>
+                                </m:r>
+                              </m:e>
+                              <m:sub>
+                                <m:r>
+                                  <a:rPr lang="en-US" i="1">
+                                    <a:latin typeface="Cambria Math" panose="02040503050406030204" pitchFamily="18" charset="0"/>
+                                  </a:rPr>
+                                  <m:t>2</m:t>
+                                </m:r>
+                              </m:sub>
+                            </m:sSub>
+                          </m:e>
+                        </m:d>
+                      </m:e>
+                    </m:func>
+                    <m:r>
+                      <a:rPr lang="en-US" b="0" i="1" smtClean="0">
+                        <a:latin typeface="Cambria Math" panose="02040503050406030204" pitchFamily="18" charset="0"/>
+                        <a:ea typeface="Cambria Math" panose="02040503050406030204" pitchFamily="18" charset="0"/>
+                      </a:rPr>
+                      <m:t>=</m:t>
+                    </m:r>
+                    <m:func>
+                      <m:funcPr>
+                        <m:ctrlPr>
+                          <a:rPr lang="en-US" b="0" i="1" smtClean="0">
+                            <a:latin typeface="Cambria Math" panose="02040503050406030204" pitchFamily="18" charset="0"/>
+                            <a:ea typeface="Cambria Math" panose="02040503050406030204" pitchFamily="18" charset="0"/>
+                          </a:rPr>
+                        </m:ctrlPr>
+                      </m:funcPr>
+                      <m:fName>
+                        <m:r>
+                          <m:rPr>
+                            <m:sty m:val="p"/>
+                          </m:rPr>
+                          <a:rPr lang="en-US" b="0" i="0" smtClean="0">
+                            <a:latin typeface="Cambria Math" panose="02040503050406030204" pitchFamily="18" charset="0"/>
+                            <a:ea typeface="Cambria Math" panose="02040503050406030204" pitchFamily="18" charset="0"/>
+                          </a:rPr>
+                          <m:t>deg</m:t>
+                        </m:r>
+                      </m:fName>
+                      <m:e>
+                        <m:d>
+                          <m:dPr>
+                            <m:ctrlPr>
+                              <a:rPr lang="en-US" b="0" i="1" smtClean="0">
+                                <a:latin typeface="Cambria Math" panose="02040503050406030204" pitchFamily="18" charset="0"/>
+                                <a:ea typeface="Cambria Math" panose="02040503050406030204" pitchFamily="18" charset="0"/>
+                              </a:rPr>
+                            </m:ctrlPr>
+                          </m:dPr>
+                          <m:e>
+                            <m:sSub>
+                              <m:sSubPr>
+                                <m:ctrlPr>
+                                  <a:rPr lang="en-US" i="1">
+                                    <a:latin typeface="Cambria Math" panose="02040503050406030204" pitchFamily="18" charset="0"/>
+                                  </a:rPr>
+                                </m:ctrlPr>
+                              </m:sSubPr>
+                              <m:e>
+                                <m:r>
+                                  <a:rPr lang="en-US" i="1">
+                                    <a:latin typeface="Cambria Math" panose="02040503050406030204" pitchFamily="18" charset="0"/>
+                                  </a:rPr>
+                                  <m:t>𝑞</m:t>
+                                </m:r>
+                              </m:e>
+                              <m:sub>
+                                <m:r>
+                                  <a:rPr lang="en-US" i="1">
+                                    <a:latin typeface="Cambria Math" panose="02040503050406030204" pitchFamily="18" charset="0"/>
+                                  </a:rPr>
+                                  <m:t>2</m:t>
+                                </m:r>
+                              </m:sub>
+                            </m:sSub>
+                            <m:r>
+                              <a:rPr lang="en-US" i="1">
+                                <a:latin typeface="Cambria Math" panose="02040503050406030204" pitchFamily="18" charset="0"/>
+                              </a:rPr>
+                              <m:t>−</m:t>
+                            </m:r>
+                            <m:sSub>
+                              <m:sSubPr>
+                                <m:ctrlPr>
+                                  <a:rPr lang="en-US" i="1">
+                                    <a:latin typeface="Cambria Math" panose="02040503050406030204" pitchFamily="18" charset="0"/>
+                                  </a:rPr>
+                                </m:ctrlPr>
+                              </m:sSubPr>
+                              <m:e>
+                                <m:r>
+                                  <a:rPr lang="en-US" i="1">
+                                    <a:latin typeface="Cambria Math" panose="02040503050406030204" pitchFamily="18" charset="0"/>
+                                  </a:rPr>
+                                  <m:t>𝑞</m:t>
+                                </m:r>
+                              </m:e>
+                              <m:sub>
+                                <m:r>
+                                  <a:rPr lang="en-US" i="1">
+                                    <a:latin typeface="Cambria Math" panose="02040503050406030204" pitchFamily="18" charset="0"/>
+                                  </a:rPr>
+                                  <m:t>1</m:t>
+                                </m:r>
+                              </m:sub>
+                            </m:sSub>
+                          </m:e>
+                        </m:d>
+                      </m:e>
+                    </m:func>
+                    <m:r>
+                      <a:rPr lang="en-US" b="0" i="1" smtClean="0">
+                        <a:latin typeface="Cambria Math" panose="02040503050406030204" pitchFamily="18" charset="0"/>
+                        <a:ea typeface="Cambria Math" panose="02040503050406030204" pitchFamily="18" charset="0"/>
+                      </a:rPr>
+                      <m:t>+</m:t>
+                    </m:r>
+                    <m:func>
+                      <m:funcPr>
+                        <m:ctrlPr>
+                          <a:rPr lang="en-US" b="0" i="1" smtClean="0">
+                            <a:latin typeface="Cambria Math" panose="02040503050406030204" pitchFamily="18" charset="0"/>
+                            <a:ea typeface="Cambria Math" panose="02040503050406030204" pitchFamily="18" charset="0"/>
+                          </a:rPr>
+                        </m:ctrlPr>
+                      </m:funcPr>
+                      <m:fName>
+                        <m:r>
+                          <m:rPr>
+                            <m:sty m:val="p"/>
+                          </m:rPr>
+                          <a:rPr lang="en-US" b="0" i="0" smtClean="0">
+                            <a:latin typeface="Cambria Math" panose="02040503050406030204" pitchFamily="18" charset="0"/>
+                            <a:ea typeface="Cambria Math" panose="02040503050406030204" pitchFamily="18" charset="0"/>
+                          </a:rPr>
+                          <m:t>deg</m:t>
+                        </m:r>
+                      </m:fName>
+                      <m:e>
+                        <m:r>
+                          <a:rPr lang="en-US" b="0" i="1" smtClean="0">
+                            <a:latin typeface="Cambria Math" panose="02040503050406030204" pitchFamily="18" charset="0"/>
+                            <a:ea typeface="Cambria Math" panose="02040503050406030204" pitchFamily="18" charset="0"/>
+                          </a:rPr>
+                          <m:t>𝑔</m:t>
+                        </m:r>
+                      </m:e>
+                    </m:func>
+                    <m:r>
+                      <a:rPr lang="en-US" b="0" i="1" smtClean="0">
+                        <a:latin typeface="Cambria Math" panose="02040503050406030204" pitchFamily="18" charset="0"/>
+                        <a:ea typeface="Cambria Math" panose="02040503050406030204" pitchFamily="18" charset="0"/>
+                      </a:rPr>
+                      <m:t>≥</m:t>
+                    </m:r>
+                    <m:func>
+                      <m:funcPr>
+                        <m:ctrlPr>
+                          <a:rPr lang="en-US" b="0" i="1" smtClean="0">
+                            <a:latin typeface="Cambria Math" panose="02040503050406030204" pitchFamily="18" charset="0"/>
+                            <a:ea typeface="Cambria Math" panose="02040503050406030204" pitchFamily="18" charset="0"/>
+                          </a:rPr>
+                        </m:ctrlPr>
+                      </m:funcPr>
+                      <m:fName>
+                        <m:r>
+                          <m:rPr>
+                            <m:sty m:val="p"/>
+                          </m:rPr>
+                          <a:rPr lang="en-US" b="0" i="0" smtClean="0">
+                            <a:latin typeface="Cambria Math" panose="02040503050406030204" pitchFamily="18" charset="0"/>
+                            <a:ea typeface="Cambria Math" panose="02040503050406030204" pitchFamily="18" charset="0"/>
+                          </a:rPr>
+                          <m:t>deg</m:t>
+                        </m:r>
+                      </m:fName>
+                      <m:e>
+                        <m:r>
+                          <a:rPr lang="en-US" b="0" i="1" smtClean="0">
+                            <a:latin typeface="Cambria Math" panose="02040503050406030204" pitchFamily="18" charset="0"/>
+                            <a:ea typeface="Cambria Math" panose="02040503050406030204" pitchFamily="18" charset="0"/>
+                          </a:rPr>
+                          <m:t>𝑔</m:t>
+                        </m:r>
+                      </m:e>
+                    </m:func>
+                  </m:oMath>
+                </a14:m>
+                <a:r>
+                  <a:rPr lang="ru-RU" dirty="0"/>
+                  <a:t>, что неверно </a:t>
+                </a:r>
+                <a14:m>
+                  <m:oMath xmlns:m="http://schemas.openxmlformats.org/officeDocument/2006/math">
+                    <m:r>
+                      <a:rPr lang="ru-RU" i="1">
+                        <a:latin typeface="Cambria Math" panose="02040503050406030204" pitchFamily="18" charset="0"/>
+                        <a:ea typeface="Cambria Math" panose="02040503050406030204" pitchFamily="18" charset="0"/>
+                      </a:rPr>
+                      <m:t>⇒</m:t>
+                    </m:r>
+                  </m:oMath>
+                </a14:m>
+                <a:endParaRPr lang="ru-RU" dirty="0"/>
+              </a:p>
+              <a:p>
+                <a14:m>
+                  <m:oMath xmlns:m="http://schemas.openxmlformats.org/officeDocument/2006/math">
+                    <m:r>
+                      <a:rPr lang="ru-RU" b="0" i="1" smtClean="0">
+                        <a:latin typeface="Cambria Math" panose="02040503050406030204" pitchFamily="18" charset="0"/>
+                        <a:ea typeface="Cambria Math" panose="02040503050406030204" pitchFamily="18" charset="0"/>
+                      </a:rPr>
+                      <m:t>⇒</m:t>
+                    </m:r>
+                  </m:oMath>
+                </a14:m>
+                <a:r>
+                  <a:rPr lang="ru-RU" dirty="0"/>
+                  <a:t> </a:t>
+                </a:r>
+                <a14:m>
+                  <m:oMath xmlns:m="http://schemas.openxmlformats.org/officeDocument/2006/math">
+                    <m:sSub>
+                      <m:sSubPr>
+                        <m:ctrlPr>
+                          <a:rPr lang="en-US" i="1">
+                            <a:latin typeface="Cambria Math" panose="02040503050406030204" pitchFamily="18" charset="0"/>
+                          </a:rPr>
+                        </m:ctrlPr>
+                      </m:sSubPr>
+                      <m:e>
+                        <m:r>
+                          <a:rPr lang="en-US" i="1">
+                            <a:latin typeface="Cambria Math" panose="02040503050406030204" pitchFamily="18" charset="0"/>
+                          </a:rPr>
+                          <m:t>𝑞</m:t>
+                        </m:r>
+                      </m:e>
+                      <m:sub>
+                        <m:r>
+                          <a:rPr lang="en-US" i="1">
+                            <a:latin typeface="Cambria Math" panose="02040503050406030204" pitchFamily="18" charset="0"/>
+                          </a:rPr>
+                          <m:t>1</m:t>
+                        </m:r>
+                      </m:sub>
+                    </m:sSub>
+                    <m:r>
+                      <a:rPr lang="ru-RU" b="0" i="0" smtClean="0">
+                        <a:latin typeface="Cambria Math" panose="02040503050406030204" pitchFamily="18" charset="0"/>
+                      </a:rPr>
+                      <m:t>=</m:t>
+                    </m:r>
+                    <m:sSub>
+                      <m:sSubPr>
+                        <m:ctrlPr>
+                          <a:rPr lang="en-US" i="1">
+                            <a:latin typeface="Cambria Math" panose="02040503050406030204" pitchFamily="18" charset="0"/>
+                          </a:rPr>
+                        </m:ctrlPr>
+                      </m:sSubPr>
+                      <m:e>
+                        <m:r>
+                          <a:rPr lang="en-US" i="1">
+                            <a:latin typeface="Cambria Math" panose="02040503050406030204" pitchFamily="18" charset="0"/>
+                          </a:rPr>
+                          <m:t>𝑞</m:t>
+                        </m:r>
+                      </m:e>
+                      <m:sub>
+                        <m:r>
+                          <a:rPr lang="en-US" i="1">
+                            <a:latin typeface="Cambria Math" panose="02040503050406030204" pitchFamily="18" charset="0"/>
+                          </a:rPr>
+                          <m:t>2</m:t>
+                        </m:r>
+                      </m:sub>
+                    </m:sSub>
+                  </m:oMath>
+                </a14:m>
+                <a:r>
+                  <a:rPr lang="ru-RU" dirty="0"/>
+                  <a:t> и </a:t>
+                </a:r>
+                <a14:m>
+                  <m:oMath xmlns:m="http://schemas.openxmlformats.org/officeDocument/2006/math">
+                    <m:sSub>
+                      <m:sSubPr>
+                        <m:ctrlPr>
+                          <a:rPr lang="ru-RU" i="1" smtClean="0">
+                            <a:latin typeface="Cambria Math" panose="02040503050406030204" pitchFamily="18" charset="0"/>
+                          </a:rPr>
+                        </m:ctrlPr>
+                      </m:sSubPr>
+                      <m:e>
+                        <m:r>
+                          <a:rPr lang="en-US" b="0" i="1" smtClean="0">
+                            <a:latin typeface="Cambria Math" panose="02040503050406030204" pitchFamily="18" charset="0"/>
+                          </a:rPr>
+                          <m:t>𝑟</m:t>
+                        </m:r>
+                      </m:e>
+                      <m:sub>
+                        <m:r>
+                          <a:rPr lang="en-US" b="0" i="1" smtClean="0">
+                            <a:latin typeface="Cambria Math" panose="02040503050406030204" pitchFamily="18" charset="0"/>
+                          </a:rPr>
+                          <m:t>1</m:t>
+                        </m:r>
+                      </m:sub>
+                    </m:sSub>
+                    <m:r>
+                      <a:rPr lang="en-US" b="0" i="1" smtClean="0">
+                        <a:latin typeface="Cambria Math" panose="02040503050406030204" pitchFamily="18" charset="0"/>
+                      </a:rPr>
+                      <m:t>=</m:t>
+                    </m:r>
+                    <m:sSub>
+                      <m:sSubPr>
+                        <m:ctrlPr>
+                          <a:rPr lang="en-US" b="0" i="1" smtClean="0">
+                            <a:latin typeface="Cambria Math" panose="02040503050406030204" pitchFamily="18" charset="0"/>
+                          </a:rPr>
+                        </m:ctrlPr>
+                      </m:sSubPr>
+                      <m:e>
+                        <m:r>
+                          <a:rPr lang="en-US" b="0" i="1" smtClean="0">
+                            <a:latin typeface="Cambria Math" panose="02040503050406030204" pitchFamily="18" charset="0"/>
+                          </a:rPr>
+                          <m:t>𝑟</m:t>
+                        </m:r>
+                      </m:e>
+                      <m:sub>
+                        <m:r>
+                          <a:rPr lang="en-US" b="0" i="1" smtClean="0">
+                            <a:latin typeface="Cambria Math" panose="02040503050406030204" pitchFamily="18" charset="0"/>
+                          </a:rPr>
+                          <m:t>2</m:t>
+                        </m:r>
+                      </m:sub>
+                    </m:sSub>
+                  </m:oMath>
+                </a14:m>
+                <a:r>
+                  <a:rPr lang="ru-RU" dirty="0"/>
+                  <a:t>■</a:t>
+                </a:r>
+                <a:endParaRPr lang="en-US" dirty="0"/>
+              </a:p>
+              <a:p>
+                <a:endParaRPr lang="en-US" dirty="0"/>
+              </a:p>
+              <a:p>
+                <a:r>
+                  <a:rPr lang="ru-RU" dirty="0"/>
+                  <a:t>Два многочлена </a:t>
+                </a:r>
+                <a14:m>
+                  <m:oMath xmlns:m="http://schemas.openxmlformats.org/officeDocument/2006/math">
+                    <m:r>
+                      <a:rPr lang="ru-RU" i="1" dirty="0" smtClean="0">
+                        <a:latin typeface="Cambria Math" panose="02040503050406030204" pitchFamily="18" charset="0"/>
+                      </a:rPr>
+                      <m:t>𝑝</m:t>
+                    </m:r>
+                    <m:r>
+                      <a:rPr lang="ru-RU" i="1" dirty="0" smtClean="0">
+                        <a:latin typeface="Cambria Math" panose="02040503050406030204" pitchFamily="18" charset="0"/>
+                      </a:rPr>
+                      <m:t>(</m:t>
+                    </m:r>
+                    <m:r>
+                      <a:rPr lang="ru-RU" i="1" dirty="0" smtClean="0">
+                        <a:latin typeface="Cambria Math" panose="02040503050406030204" pitchFamily="18" charset="0"/>
+                      </a:rPr>
+                      <m:t>𝑥</m:t>
+                    </m:r>
+                    <m:r>
+                      <a:rPr lang="ru-RU" i="1" dirty="0" smtClean="0">
+                        <a:latin typeface="Cambria Math" panose="02040503050406030204" pitchFamily="18" charset="0"/>
+                      </a:rPr>
+                      <m:t>)</m:t>
+                    </m:r>
+                  </m:oMath>
+                </a14:m>
+                <a:r>
+                  <a:rPr lang="ru-RU" dirty="0"/>
+                  <a:t> и </a:t>
+                </a:r>
+                <a14:m>
+                  <m:oMath xmlns:m="http://schemas.openxmlformats.org/officeDocument/2006/math">
+                    <m:r>
+                      <a:rPr lang="ru-RU" i="1" dirty="0" smtClean="0">
+                        <a:latin typeface="Cambria Math" panose="02040503050406030204" pitchFamily="18" charset="0"/>
+                      </a:rPr>
+                      <m:t>𝑞</m:t>
+                    </m:r>
+                    <m:r>
+                      <a:rPr lang="ru-RU" i="1" dirty="0" smtClean="0">
+                        <a:latin typeface="Cambria Math" panose="02040503050406030204" pitchFamily="18" charset="0"/>
+                      </a:rPr>
+                      <m:t>(</m:t>
+                    </m:r>
+                    <m:r>
+                      <a:rPr lang="ru-RU" i="1" dirty="0" smtClean="0">
+                        <a:latin typeface="Cambria Math" panose="02040503050406030204" pitchFamily="18" charset="0"/>
+                      </a:rPr>
+                      <m:t>𝑥</m:t>
+                    </m:r>
+                    <m:r>
+                      <a:rPr lang="ru-RU" i="1" dirty="0" smtClean="0">
+                        <a:latin typeface="Cambria Math" panose="02040503050406030204" pitchFamily="18" charset="0"/>
+                      </a:rPr>
+                      <m:t>)</m:t>
+                    </m:r>
+                  </m:oMath>
+                </a14:m>
+                <a:r>
+                  <a:rPr lang="ru-RU" dirty="0"/>
+                  <a:t> называются </a:t>
+                </a:r>
+                <a:r>
+                  <a:rPr lang="ru-RU" b="1" dirty="0"/>
+                  <a:t>ассоциированными</a:t>
+                </a:r>
+                <a:r>
+                  <a:rPr lang="en-US" b="1" dirty="0"/>
+                  <a:t> </a:t>
+                </a:r>
+                <a:r>
+                  <a:rPr lang="ru-RU" dirty="0"/>
+                  <a:t>(пишут </a:t>
+                </a:r>
+                <a14:m>
+                  <m:oMath xmlns:m="http://schemas.openxmlformats.org/officeDocument/2006/math">
+                    <m:r>
+                      <a:rPr lang="en-US" i="1" dirty="0" smtClean="0">
+                        <a:latin typeface="Cambria Math" panose="02040503050406030204" pitchFamily="18" charset="0"/>
+                      </a:rPr>
+                      <m:t>𝑝</m:t>
+                    </m:r>
+                    <m:r>
+                      <a:rPr lang="en-US" i="1" dirty="0">
+                        <a:latin typeface="Cambria Math" panose="02040503050406030204" pitchFamily="18" charset="0"/>
+                      </a:rPr>
+                      <m:t>(</m:t>
+                    </m:r>
+                    <m:r>
+                      <a:rPr lang="en-US" i="1" dirty="0">
+                        <a:latin typeface="Cambria Math" panose="02040503050406030204" pitchFamily="18" charset="0"/>
+                      </a:rPr>
+                      <m:t>𝑥</m:t>
+                    </m:r>
+                    <m:r>
+                      <a:rPr lang="en-US" i="1" dirty="0">
+                        <a:latin typeface="Cambria Math" panose="02040503050406030204" pitchFamily="18" charset="0"/>
+                      </a:rPr>
+                      <m:t>) ∼ </m:t>
+                    </m:r>
+                    <m:r>
+                      <a:rPr lang="en-US" i="1" dirty="0">
+                        <a:latin typeface="Cambria Math" panose="02040503050406030204" pitchFamily="18" charset="0"/>
+                      </a:rPr>
+                      <m:t>𝑞</m:t>
+                    </m:r>
+                    <m:r>
+                      <a:rPr lang="en-US" i="1" dirty="0">
+                        <a:latin typeface="Cambria Math" panose="02040503050406030204" pitchFamily="18" charset="0"/>
+                      </a:rPr>
+                      <m:t>(</m:t>
+                    </m:r>
+                    <m:r>
+                      <a:rPr lang="en-US" i="1" dirty="0" smtClean="0">
+                        <a:latin typeface="Cambria Math" panose="02040503050406030204" pitchFamily="18" charset="0"/>
+                      </a:rPr>
+                      <m:t>𝑥</m:t>
+                    </m:r>
+                    <m:r>
+                      <a:rPr lang="ru-RU" i="1" dirty="0" smtClean="0">
+                        <a:latin typeface="Cambria Math" panose="02040503050406030204" pitchFamily="18" charset="0"/>
+                      </a:rPr>
+                      <m:t>) </m:t>
+                    </m:r>
+                  </m:oMath>
+                </a14:m>
+                <a:r>
+                  <a:rPr lang="ru-RU" dirty="0"/>
+                  <a:t>), если</a:t>
+                </a:r>
+              </a:p>
+              <a:p>
+                <a:pPr/>
+                <a14:m>
+                  <m:oMathPara xmlns:m="http://schemas.openxmlformats.org/officeDocument/2006/math">
+                    <m:oMathParaPr>
+                      <m:jc m:val="centerGroup"/>
+                    </m:oMathParaPr>
+                    <m:oMath xmlns:m="http://schemas.openxmlformats.org/officeDocument/2006/math">
+                      <m:r>
                         <a:rPr lang="ru-RU" i="1" dirty="0" smtClean="0">
                           <a:latin typeface="Cambria Math" panose="02040503050406030204" pitchFamily="18" charset="0"/>
                         </a:rPr>
@@ -19260,15 +22596,39 @@
                 <a14:m>
                   <m:oMath xmlns:m="http://schemas.openxmlformats.org/officeDocument/2006/math">
                     <m:r>
+                      <a:rPr lang="en-US" b="0" i="1" dirty="0" smtClean="0">
+                        <a:latin typeface="Cambria Math" panose="02040503050406030204" pitchFamily="18" charset="0"/>
+                      </a:rPr>
+                      <m:t>𝑓</m:t>
+                    </m:r>
+                    <m:r>
                       <a:rPr lang="ru-RU" i="1" dirty="0" smtClean="0">
                         <a:latin typeface="Cambria Math" panose="02040503050406030204" pitchFamily="18" charset="0"/>
                       </a:rPr>
-                      <m:t>𝑝</m:t>
+                      <m:t>(</m:t>
                     </m:r>
                     <m:r>
                       <a:rPr lang="ru-RU" i="1" dirty="0" smtClean="0">
                         <a:latin typeface="Cambria Math" panose="02040503050406030204" pitchFamily="18" charset="0"/>
                       </a:rPr>
+                      <m:t>𝑥</m:t>
+                    </m:r>
+                    <m:r>
+                      <a:rPr lang="ru-RU" i="1" dirty="0" smtClean="0">
+                        <a:latin typeface="Cambria Math" panose="02040503050406030204" pitchFamily="18" charset="0"/>
+                      </a:rPr>
+                      <m:t>)⋮</m:t>
+                    </m:r>
+                    <m:r>
+                      <a:rPr lang="en-US" b="0" i="1" dirty="0" smtClean="0">
+                        <a:latin typeface="Cambria Math" panose="02040503050406030204" pitchFamily="18" charset="0"/>
+                      </a:rPr>
+                      <m:t>𝑔</m:t>
+                    </m:r>
+                    <m:r>
+                      <a:rPr lang="ru-RU" i="1" dirty="0" smtClean="0">
+                        <a:latin typeface="Cambria Math" panose="02040503050406030204" pitchFamily="18" charset="0"/>
+                      </a:rPr>
                       <m:t>(</m:t>
                     </m:r>
                     <m:r>
@@ -19281,61 +22641,37 @@
                       <a:rPr lang="ru-RU" i="1" dirty="0" smtClean="0">
                         <a:latin typeface="Cambria Math" panose="02040503050406030204" pitchFamily="18" charset="0"/>
                       </a:rPr>
+                      <m:t>) и </m:t>
+                    </m:r>
+                    <m:r>
+                      <a:rPr lang="en-US" b="0" i="1" dirty="0" smtClean="0">
+                        <a:latin typeface="Cambria Math" panose="02040503050406030204" pitchFamily="18" charset="0"/>
+                      </a:rPr>
+                      <m:t>𝑔</m:t>
+                    </m:r>
+                    <m:r>
+                      <a:rPr lang="ru-RU" i="1" dirty="0" smtClean="0">
+                        <a:latin typeface="Cambria Math" panose="02040503050406030204" pitchFamily="18" charset="0"/>
+                      </a:rPr>
+                      <m:t>(</m:t>
+                    </m:r>
+                    <m:r>
+                      <a:rPr lang="ru-RU" i="1" dirty="0" smtClean="0">
+                        <a:latin typeface="Cambria Math" panose="02040503050406030204" pitchFamily="18" charset="0"/>
+                      </a:rPr>
+                      <m:t>𝑥</m:t>
+                    </m:r>
+                    <m:r>
+                      <a:rPr lang="ru-RU" i="1" dirty="0" smtClean="0">
+                        <a:latin typeface="Cambria Math" panose="02040503050406030204" pitchFamily="18" charset="0"/>
+                      </a:rPr>
                       <m:t>)⋮</m:t>
                     </m:r>
                     <m:r>
-                      <a:rPr lang="ru-RU" i="1" dirty="0" smtClean="0">
-                        <a:latin typeface="Cambria Math" panose="02040503050406030204" pitchFamily="18" charset="0"/>
-                      </a:rPr>
-                      <m:t>𝑞</m:t>
-                    </m:r>
-                    <m:r>
-                      <a:rPr lang="ru-RU" i="1" dirty="0" smtClean="0">
-                        <a:latin typeface="Cambria Math" panose="02040503050406030204" pitchFamily="18" charset="0"/>
-                      </a:rPr>
-                      <m:t>(</m:t>
-                    </m:r>
-                    <m:r>
-                      <a:rPr lang="ru-RU" i="1" dirty="0" smtClean="0">
-                        <a:latin typeface="Cambria Math" panose="02040503050406030204" pitchFamily="18" charset="0"/>
-                      </a:rPr>
-                      <m:t>𝑥</m:t>
-                    </m:r>
-                    <m:r>
-                      <a:rPr lang="ru-RU" i="1" dirty="0" smtClean="0">
-                        <a:latin typeface="Cambria Math" panose="02040503050406030204" pitchFamily="18" charset="0"/>
-                      </a:rPr>
-                      <m:t>) и </m:t>
-                    </m:r>
-                    <m:r>
-                      <a:rPr lang="ru-RU" i="1" dirty="0" smtClean="0">
-                        <a:latin typeface="Cambria Math" panose="02040503050406030204" pitchFamily="18" charset="0"/>
-                      </a:rPr>
-                      <m:t>𝑞</m:t>
-                    </m:r>
-                    <m:r>
-                      <a:rPr lang="ru-RU" i="1" dirty="0" smtClean="0">
-                        <a:latin typeface="Cambria Math" panose="02040503050406030204" pitchFamily="18" charset="0"/>
-                      </a:rPr>
-                      <m:t>(</m:t>
-                    </m:r>
-                    <m:r>
-                      <a:rPr lang="ru-RU" i="1" dirty="0" smtClean="0">
-                        <a:latin typeface="Cambria Math" panose="02040503050406030204" pitchFamily="18" charset="0"/>
-                      </a:rPr>
-                      <m:t>𝑥</m:t>
-                    </m:r>
-                    <m:r>
-                      <a:rPr lang="ru-RU" i="1" dirty="0" smtClean="0">
-                        <a:latin typeface="Cambria Math" panose="02040503050406030204" pitchFamily="18" charset="0"/>
-                      </a:rPr>
-                      <m:t>)⋮</m:t>
-                    </m:r>
-                    <m:r>
-                      <a:rPr lang="ru-RU" i="1" dirty="0" smtClean="0">
-                        <a:latin typeface="Cambria Math" panose="02040503050406030204" pitchFamily="18" charset="0"/>
-                      </a:rPr>
-                      <m:t>𝑝</m:t>
+                      <a:rPr lang="en-US" b="0" i="1" dirty="0" smtClean="0">
+                        <a:latin typeface="Cambria Math" panose="02040503050406030204" pitchFamily="18" charset="0"/>
+                      </a:rPr>
+                      <m:t>𝑓</m:t>
                     </m:r>
                     <m:r>
                       <a:rPr lang="ru-RU" i="1" dirty="0" smtClean="0">
@@ -19364,34 +22700,34 @@
                 <a14:m>
                   <m:oMath xmlns:m="http://schemas.openxmlformats.org/officeDocument/2006/math">
                     <m:r>
+                      <a:rPr lang="en-US" b="0" i="1" dirty="0" smtClean="0">
+                        <a:latin typeface="Cambria Math" panose="02040503050406030204" pitchFamily="18" charset="0"/>
+                      </a:rPr>
+                      <m:t>𝑓</m:t>
+                    </m:r>
+                    <m:r>
                       <a:rPr lang="ru-RU" i="1" dirty="0" smtClean="0">
                         <a:latin typeface="Cambria Math" panose="02040503050406030204" pitchFamily="18" charset="0"/>
                       </a:rPr>
-                      <m:t>𝑝</m:t>
+                      <m:t>(</m:t>
                     </m:r>
                     <m:r>
                       <a:rPr lang="ru-RU" i="1" dirty="0" smtClean="0">
                         <a:latin typeface="Cambria Math" panose="02040503050406030204" pitchFamily="18" charset="0"/>
                       </a:rPr>
-                      <m:t>(</m:t>
+                      <m:t>𝑥</m:t>
                     </m:r>
                     <m:r>
                       <a:rPr lang="ru-RU" i="1" dirty="0" smtClean="0">
                         <a:latin typeface="Cambria Math" panose="02040503050406030204" pitchFamily="18" charset="0"/>
                       </a:rPr>
-                      <m:t>𝑥</m:t>
-                    </m:r>
-                    <m:r>
-                      <a:rPr lang="ru-RU" i="1" dirty="0" smtClean="0">
-                        <a:latin typeface="Cambria Math" panose="02040503050406030204" pitchFamily="18" charset="0"/>
-                      </a:rPr>
-                      <m:t>) ∼ </m:t>
-                    </m:r>
-                    <m:r>
-                      <a:rPr lang="ru-RU" i="1" dirty="0" smtClean="0">
-                        <a:latin typeface="Cambria Math" panose="02040503050406030204" pitchFamily="18" charset="0"/>
-                      </a:rPr>
-                      <m:t>𝑞</m:t>
+                      <m:t>) ∼</m:t>
+                    </m:r>
+                    <m:r>
+                      <a:rPr lang="en-US" b="0" i="1" dirty="0" smtClean="0">
+                        <a:latin typeface="Cambria Math" panose="02040503050406030204" pitchFamily="18" charset="0"/>
+                      </a:rPr>
+                      <m:t>𝑔</m:t>
                     </m:r>
                     <m:r>
                       <a:rPr lang="ru-RU" i="1" dirty="0" smtClean="0">
@@ -19445,7 +22781,7 @@
               <a:blipFill>
                 <a:blip r:embed="rId2"/>
                 <a:stretch>
-                  <a:fillRect l="-522" r="-174"/>
+                  <a:fillRect l="-522" t="-1056" r="-174"/>
                 </a:stretch>
               </a:blipFill>
             </p:spPr>
@@ -19466,10 +22802,10 @@
       </mc:AlternateContent>
       <p:pic>
         <p:nvPicPr>
-          <p:cNvPr id="5" name="Рисунок 4">
+          <p:cNvPr id="7" name="Рисунок 6">
             <a:extLst>
               <a:ext uri="{FF2B5EF4-FFF2-40B4-BE49-F238E27FC236}">
-                <a16:creationId xmlns:a16="http://schemas.microsoft.com/office/drawing/2014/main" id="{DF76EC15-8DD3-4615-BAF6-FE93FD5F9155}"/>
+                <a16:creationId xmlns:a16="http://schemas.microsoft.com/office/drawing/2014/main" id="{A121BE4D-637B-411E-8E11-02EE01705AC2}"/>
               </a:ext>
             </a:extLst>
           </p:cNvPr>
@@ -19486,37 +22822,7 @@
         </p:blipFill>
         <p:spPr>
           <a:xfrm>
-            <a:off x="685060" y="993775"/>
-            <a:ext cx="10821880" cy="3392842"/>
-          </a:xfrm>
-          <a:prstGeom prst="rect">
-            <a:avLst/>
-          </a:prstGeom>
-        </p:spPr>
-      </p:pic>
-      <p:pic>
-        <p:nvPicPr>
-          <p:cNvPr id="7" name="Рисунок 6">
-            <a:extLst>
-              <a:ext uri="{FF2B5EF4-FFF2-40B4-BE49-F238E27FC236}">
-                <a16:creationId xmlns:a16="http://schemas.microsoft.com/office/drawing/2014/main" id="{A121BE4D-637B-411E-8E11-02EE01705AC2}"/>
-              </a:ext>
-            </a:extLst>
-          </p:cNvPr>
-          <p:cNvPicPr>
-            <a:picLocks noChangeAspect="1"/>
-          </p:cNvPicPr>
-          <p:nvPr/>
-        </p:nvPicPr>
-        <p:blipFill>
-          <a:blip r:embed="rId4"/>
-          <a:stretch>
-            <a:fillRect/>
-          </a:stretch>
-        </p:blipFill>
-        <p:spPr>
-          <a:xfrm>
-            <a:off x="838200" y="5269452"/>
+            <a:off x="838200" y="4598243"/>
             <a:ext cx="8058150" cy="1485900"/>
           </a:xfrm>
           <a:prstGeom prst="rect">
@@ -19524,6 +22830,47 @@
           </a:prstGeom>
         </p:spPr>
       </p:pic>
+      <p:cxnSp>
+        <p:nvCxnSpPr>
+          <p:cNvPr id="6" name="Прямая соединительная линия 5">
+            <a:extLst>
+              <a:ext uri="{FF2B5EF4-FFF2-40B4-BE49-F238E27FC236}">
+                <a16:creationId xmlns:a16="http://schemas.microsoft.com/office/drawing/2014/main" id="{4E566B4C-DB9A-B564-B83B-A29116EEE601}"/>
+              </a:ext>
+            </a:extLst>
+          </p:cNvPr>
+          <p:cNvCxnSpPr/>
+          <p:nvPr/>
+        </p:nvCxnSpPr>
+        <p:spPr>
+          <a:xfrm>
+            <a:off x="3978613" y="2159541"/>
+            <a:ext cx="2208178" cy="0"/>
+          </a:xfrm>
+          <a:prstGeom prst="line">
+            <a:avLst/>
+          </a:prstGeom>
+          <a:ln>
+            <a:solidFill>
+              <a:schemeClr val="tx1"/>
+            </a:solidFill>
+          </a:ln>
+        </p:spPr>
+        <p:style>
+          <a:lnRef idx="1">
+            <a:schemeClr val="accent1"/>
+          </a:lnRef>
+          <a:fillRef idx="0">
+            <a:schemeClr val="accent1"/>
+          </a:fillRef>
+          <a:effectRef idx="0">
+            <a:schemeClr val="accent1"/>
+          </a:effectRef>
+          <a:fontRef idx="minor">
+            <a:schemeClr val="tx1"/>
+          </a:fontRef>
+        </p:style>
+      </p:cxnSp>
     </p:spTree>
     <p:extLst>
       <p:ext uri="{BB962C8B-B14F-4D97-AF65-F5344CB8AC3E}">
@@ -19554,6 +22901,1103 @@
           <a:chExt cx="0" cy="0"/>
         </a:xfrm>
       </p:grpSpPr>
+      <mc:AlternateContent xmlns:mc="http://schemas.openxmlformats.org/markup-compatibility/2006" xmlns:a14="http://schemas.microsoft.com/office/drawing/2010/main">
+        <mc:Choice Requires="a14">
+          <p:sp>
+            <p:nvSpPr>
+              <p:cNvPr id="3" name="Текст 2">
+                <a:extLst>
+                  <a:ext uri="{FF2B5EF4-FFF2-40B4-BE49-F238E27FC236}">
+                    <a16:creationId xmlns:a16="http://schemas.microsoft.com/office/drawing/2014/main" id="{4471AA3C-69FE-CB50-FFE0-077391FA432F}"/>
+                  </a:ext>
+                </a:extLst>
+              </p:cNvPr>
+              <p:cNvSpPr>
+                <a:spLocks noGrp="1"/>
+              </p:cNvSpPr>
+              <p:nvPr>
+                <p:ph type="body" sz="quarter" idx="13"/>
+              </p:nvPr>
+            </p:nvSpPr>
+            <p:spPr/>
+            <p:txBody>
+              <a:bodyPr>
+                <a:normAutofit lnSpcReduction="10000"/>
+              </a:bodyPr>
+              <a:lstStyle/>
+              <a:p>
+                <a:r>
+                  <a:rPr lang="ru-RU" b="1" dirty="0"/>
+                  <a:t>Степенью</a:t>
+                </a:r>
+                <a:r>
+                  <a:rPr lang="ru-RU" dirty="0"/>
+                  <a:t> </a:t>
+                </a:r>
+                <a14:m>
+                  <m:oMath xmlns:m="http://schemas.openxmlformats.org/officeDocument/2006/math">
+                    <m:r>
+                      <m:rPr>
+                        <m:sty m:val="p"/>
+                      </m:rPr>
+                      <a:rPr lang="en-US" i="1" dirty="0" smtClean="0">
+                        <a:latin typeface="Cambria Math" panose="02040503050406030204" pitchFamily="18" charset="0"/>
+                      </a:rPr>
+                      <m:t>deg</m:t>
+                    </m:r>
+                    <m:r>
+                      <a:rPr lang="en-US" i="1" dirty="0" smtClean="0">
+                        <a:latin typeface="Cambria Math" panose="02040503050406030204" pitchFamily="18" charset="0"/>
+                      </a:rPr>
+                      <m:t>⁡(</m:t>
+                    </m:r>
+                    <m:r>
+                      <a:rPr lang="en-US" i="1" dirty="0" smtClean="0">
+                        <a:latin typeface="Cambria Math" panose="02040503050406030204" pitchFamily="18" charset="0"/>
+                      </a:rPr>
+                      <m:t>𝑝</m:t>
+                    </m:r>
+                    <m:r>
+                      <a:rPr lang="en-US" i="1" dirty="0" smtClean="0">
+                        <a:latin typeface="Cambria Math" panose="02040503050406030204" pitchFamily="18" charset="0"/>
+                      </a:rPr>
+                      <m:t>)</m:t>
+                    </m:r>
+                  </m:oMath>
+                </a14:m>
+                <a:r>
+                  <a:rPr lang="en-US" dirty="0"/>
+                  <a:t> </a:t>
+                </a:r>
+                <a:r>
+                  <a:rPr lang="ru-RU" b="1" dirty="0"/>
+                  <a:t>многочлена</a:t>
+                </a:r>
+                <a:r>
+                  <a:rPr lang="ru-RU" dirty="0"/>
+                  <a:t> </a:t>
+                </a:r>
+                <a14:m>
+                  <m:oMath xmlns:m="http://schemas.openxmlformats.org/officeDocument/2006/math">
+                    <m:r>
+                      <a:rPr lang="en-US" i="1" dirty="0" smtClean="0">
+                        <a:latin typeface="Cambria Math" panose="02040503050406030204" pitchFamily="18" charset="0"/>
+                      </a:rPr>
+                      <m:t>𝑝</m:t>
+                    </m:r>
+                    <m:r>
+                      <a:rPr lang="en-US" i="1" dirty="0" smtClean="0">
+                        <a:latin typeface="Cambria Math" panose="02040503050406030204" pitchFamily="18" charset="0"/>
+                      </a:rPr>
+                      <m:t> ∈ </m:t>
+                    </m:r>
+                    <m:r>
+                      <a:rPr lang="en-US" i="1" dirty="0" smtClean="0">
+                        <a:latin typeface="Cambria Math" panose="02040503050406030204" pitchFamily="18" charset="0"/>
+                      </a:rPr>
+                      <m:t>𝑅</m:t>
+                    </m:r>
+                    <m:r>
+                      <a:rPr lang="en-US" i="1" dirty="0" smtClean="0">
+                        <a:latin typeface="Cambria Math" panose="02040503050406030204" pitchFamily="18" charset="0"/>
+                      </a:rPr>
+                      <m:t>[</m:t>
+                    </m:r>
+                    <m:r>
+                      <a:rPr lang="en-US" i="1" dirty="0" smtClean="0">
+                        <a:latin typeface="Cambria Math" panose="02040503050406030204" pitchFamily="18" charset="0"/>
+                      </a:rPr>
+                      <m:t>𝑡</m:t>
+                    </m:r>
+                    <m:r>
+                      <a:rPr lang="en-US" i="1" dirty="0" smtClean="0">
+                        <a:latin typeface="Cambria Math" panose="02040503050406030204" pitchFamily="18" charset="0"/>
+                      </a:rPr>
+                      <m:t>] </m:t>
+                    </m:r>
+                  </m:oMath>
+                </a14:m>
+                <a:r>
+                  <a:rPr lang="ru-RU" dirty="0"/>
+                  <a:t>называется максимальный номер его ненулевого коэффициента. </a:t>
+                </a:r>
+                <a:endParaRPr lang="en-US" dirty="0"/>
+              </a:p>
+              <a:p>
+                <a:r>
+                  <a:rPr lang="ru-RU" dirty="0"/>
+                  <a:t>Если </a:t>
+                </a:r>
+                <a14:m>
+                  <m:oMath xmlns:m="http://schemas.openxmlformats.org/officeDocument/2006/math">
+                    <m:r>
+                      <m:rPr>
+                        <m:sty m:val="p"/>
+                      </m:rPr>
+                      <a:rPr lang="en-US" i="1" dirty="0" smtClean="0">
+                        <a:latin typeface="Cambria Math" panose="02040503050406030204" pitchFamily="18" charset="0"/>
+                      </a:rPr>
+                      <m:t>deg</m:t>
+                    </m:r>
+                    <m:r>
+                      <a:rPr lang="en-US" i="1" dirty="0" smtClean="0">
+                        <a:latin typeface="Cambria Math" panose="02040503050406030204" pitchFamily="18" charset="0"/>
+                      </a:rPr>
+                      <m:t>⁡(</m:t>
+                    </m:r>
+                    <m:r>
+                      <a:rPr lang="en-US" i="1" dirty="0" smtClean="0">
+                        <a:latin typeface="Cambria Math" panose="02040503050406030204" pitchFamily="18" charset="0"/>
+                      </a:rPr>
+                      <m:t>𝑝</m:t>
+                    </m:r>
+                    <m:r>
+                      <a:rPr lang="ru-RU" b="0" i="1" dirty="0" smtClean="0">
+                        <a:latin typeface="Cambria Math" panose="02040503050406030204" pitchFamily="18" charset="0"/>
+                      </a:rPr>
+                      <m:t>)</m:t>
+                    </m:r>
+                    <m:r>
+                      <a:rPr lang="en-US" i="1" dirty="0" smtClean="0">
+                        <a:latin typeface="Cambria Math" panose="02040503050406030204" pitchFamily="18" charset="0"/>
+                      </a:rPr>
+                      <m:t> = </m:t>
+                    </m:r>
+                    <m:r>
+                      <a:rPr lang="en-US" i="1" dirty="0" smtClean="0">
+                        <a:latin typeface="Cambria Math" panose="02040503050406030204" pitchFamily="18" charset="0"/>
+                      </a:rPr>
+                      <m:t>𝑛</m:t>
+                    </m:r>
+                    <m:r>
+                      <a:rPr lang="en-US" i="1" dirty="0" smtClean="0">
+                        <a:latin typeface="Cambria Math" panose="02040503050406030204" pitchFamily="18" charset="0"/>
+                      </a:rPr>
+                      <m:t> ∈ </m:t>
+                    </m:r>
+                    <m:sSub>
+                      <m:sSubPr>
+                        <m:ctrlPr>
+                          <a:rPr lang="en-US" i="1" dirty="0" smtClean="0">
+                            <a:latin typeface="Cambria Math" panose="02040503050406030204" pitchFamily="18" charset="0"/>
+                          </a:rPr>
+                        </m:ctrlPr>
+                      </m:sSubPr>
+                      <m:e>
+                        <m:r>
+                          <a:rPr lang="en-US" i="1" dirty="0" smtClean="0">
+                            <a:latin typeface="Cambria Math" panose="02040503050406030204" pitchFamily="18" charset="0"/>
+                            <a:ea typeface="Cambria Math" panose="02040503050406030204" pitchFamily="18" charset="0"/>
+                          </a:rPr>
+                          <m:t>ℕ</m:t>
+                        </m:r>
+                      </m:e>
+                      <m:sub>
+                        <m:r>
+                          <a:rPr lang="ru-RU" b="0" i="1" dirty="0" smtClean="0">
+                            <a:latin typeface="Cambria Math" panose="02040503050406030204" pitchFamily="18" charset="0"/>
+                          </a:rPr>
+                          <m:t>0</m:t>
+                        </m:r>
+                      </m:sub>
+                    </m:sSub>
+                  </m:oMath>
+                </a14:m>
+                <a:r>
+                  <a:rPr lang="en-US" dirty="0"/>
+                  <a:t> </a:t>
+                </a:r>
+                <a:r>
+                  <a:rPr lang="ru-RU" dirty="0"/>
+                  <a:t>то коэффициент </a:t>
+                </a:r>
+                <a14:m>
+                  <m:oMath xmlns:m="http://schemas.openxmlformats.org/officeDocument/2006/math">
+                    <m:sSub>
+                      <m:sSubPr>
+                        <m:ctrlPr>
+                          <a:rPr lang="en-US" i="1" dirty="0" smtClean="0">
+                            <a:latin typeface="Cambria Math" panose="02040503050406030204" pitchFamily="18" charset="0"/>
+                          </a:rPr>
+                        </m:ctrlPr>
+                      </m:sSubPr>
+                      <m:e>
+                        <m:r>
+                          <a:rPr lang="en-US" b="0" i="1" dirty="0" smtClean="0">
+                            <a:latin typeface="Cambria Math" panose="02040503050406030204" pitchFamily="18" charset="0"/>
+                          </a:rPr>
+                          <m:t>𝑎</m:t>
+                        </m:r>
+                      </m:e>
+                      <m:sub>
+                        <m:r>
+                          <a:rPr lang="en-US" b="0" i="1" dirty="0" smtClean="0">
+                            <a:latin typeface="Cambria Math" panose="02040503050406030204" pitchFamily="18" charset="0"/>
+                          </a:rPr>
+                          <m:t>𝑛</m:t>
+                        </m:r>
+                      </m:sub>
+                    </m:sSub>
+                  </m:oMath>
+                </a14:m>
+                <a:r>
+                  <a:rPr lang="ru-RU" dirty="0"/>
+                  <a:t> называется </a:t>
+                </a:r>
+                <a:r>
+                  <a:rPr lang="ru-RU" b="1" dirty="0"/>
+                  <a:t>старшим коэффициентом многочлена </a:t>
+                </a:r>
+                <a14:m>
+                  <m:oMath xmlns:m="http://schemas.openxmlformats.org/officeDocument/2006/math">
+                    <m:r>
+                      <a:rPr lang="en-US" i="1" dirty="0">
+                        <a:latin typeface="Cambria Math" panose="02040503050406030204" pitchFamily="18" charset="0"/>
+                      </a:rPr>
+                      <m:t>𝑝</m:t>
+                    </m:r>
+                    <m:r>
+                      <a:rPr lang="en-US" i="1" dirty="0">
+                        <a:latin typeface="Cambria Math" panose="02040503050406030204" pitchFamily="18" charset="0"/>
+                      </a:rPr>
+                      <m:t> </m:t>
+                    </m:r>
+                  </m:oMath>
+                </a14:m>
+                <a:r>
+                  <a:rPr lang="en-US" dirty="0"/>
+                  <a:t>.</a:t>
+                </a:r>
+              </a:p>
+              <a:p>
+                <a:r>
+                  <a:rPr lang="ru-RU" dirty="0"/>
+                  <a:t>Для нулевого многочлена </a:t>
+                </a:r>
+                <a14:m>
+                  <m:oMath xmlns:m="http://schemas.openxmlformats.org/officeDocument/2006/math">
+                    <m:r>
+                      <a:rPr lang="el-GR" i="1" dirty="0" smtClean="0">
+                        <a:latin typeface="Cambria Math" panose="02040503050406030204" pitchFamily="18" charset="0"/>
+                      </a:rPr>
+                      <m:t>𝜃</m:t>
+                    </m:r>
+                    <m:r>
+                      <a:rPr lang="el-GR" i="1" dirty="0" smtClean="0">
+                        <a:latin typeface="Cambria Math" panose="02040503050406030204" pitchFamily="18" charset="0"/>
+                      </a:rPr>
+                      <m:t>(</m:t>
+                    </m:r>
+                    <m:r>
+                      <a:rPr lang="en-US" i="1" dirty="0" smtClean="0">
+                        <a:latin typeface="Cambria Math" panose="02040503050406030204" pitchFamily="18" charset="0"/>
+                      </a:rPr>
+                      <m:t>𝑡</m:t>
+                    </m:r>
+                    <m:r>
+                      <a:rPr lang="en-US" i="1" dirty="0" smtClean="0">
+                        <a:latin typeface="Cambria Math" panose="02040503050406030204" pitchFamily="18" charset="0"/>
+                      </a:rPr>
+                      <m:t>) </m:t>
+                    </m:r>
+                  </m:oMath>
+                </a14:m>
+                <a:r>
+                  <a:rPr lang="ru-RU" dirty="0"/>
+                  <a:t>положим </a:t>
+                </a:r>
+                <a14:m>
+                  <m:oMath xmlns:m="http://schemas.openxmlformats.org/officeDocument/2006/math">
+                    <m:r>
+                      <m:rPr>
+                        <m:sty m:val="p"/>
+                      </m:rPr>
+                      <a:rPr lang="en-US" i="1" dirty="0" smtClean="0">
+                        <a:latin typeface="Cambria Math" panose="02040503050406030204" pitchFamily="18" charset="0"/>
+                      </a:rPr>
+                      <m:t>deg</m:t>
+                    </m:r>
+                    <m:r>
+                      <a:rPr lang="en-US" i="1" dirty="0" smtClean="0">
+                        <a:latin typeface="Cambria Math" panose="02040503050406030204" pitchFamily="18" charset="0"/>
+                      </a:rPr>
+                      <m:t>⁡(</m:t>
+                    </m:r>
+                    <m:r>
+                      <a:rPr lang="el-GR" i="1" dirty="0" smtClean="0">
+                        <a:latin typeface="Cambria Math" panose="02040503050406030204" pitchFamily="18" charset="0"/>
+                      </a:rPr>
+                      <m:t>𝜃</m:t>
+                    </m:r>
+                    <m:r>
+                      <a:rPr lang="el-GR" i="1" dirty="0" smtClean="0">
+                        <a:latin typeface="Cambria Math" panose="02040503050406030204" pitchFamily="18" charset="0"/>
+                      </a:rPr>
+                      <m:t>) = −∞</m:t>
+                    </m:r>
+                  </m:oMath>
+                </a14:m>
+                <a:r>
+                  <a:rPr lang="el-GR" dirty="0"/>
+                  <a:t>.</a:t>
+                </a:r>
+              </a:p>
+              <a:p>
+                <a:r>
+                  <a:rPr lang="ru-RU" b="1" dirty="0"/>
+                  <a:t>Лемма</a:t>
+                </a:r>
+                <a:r>
+                  <a:rPr lang="ru-RU" dirty="0"/>
+                  <a:t> Пусть </a:t>
+                </a:r>
+                <a14:m>
+                  <m:oMath xmlns:m="http://schemas.openxmlformats.org/officeDocument/2006/math">
+                    <m:r>
+                      <a:rPr lang="en-US" i="1" dirty="0" smtClean="0">
+                        <a:latin typeface="Cambria Math" panose="02040503050406030204" pitchFamily="18" charset="0"/>
+                      </a:rPr>
+                      <m:t>𝑝</m:t>
+                    </m:r>
+                    <m:r>
+                      <a:rPr lang="en-US" i="1" dirty="0" smtClean="0">
+                        <a:latin typeface="Cambria Math" panose="02040503050406030204" pitchFamily="18" charset="0"/>
+                      </a:rPr>
+                      <m:t>, </m:t>
+                    </m:r>
+                    <m:r>
+                      <a:rPr lang="en-US" i="1" dirty="0" smtClean="0">
+                        <a:latin typeface="Cambria Math" panose="02040503050406030204" pitchFamily="18" charset="0"/>
+                      </a:rPr>
+                      <m:t>𝑞</m:t>
+                    </m:r>
+                    <m:r>
+                      <a:rPr lang="en-US" i="1" dirty="0" smtClean="0">
+                        <a:latin typeface="Cambria Math" panose="02040503050406030204" pitchFamily="18" charset="0"/>
+                      </a:rPr>
+                      <m:t> ∈ </m:t>
+                    </m:r>
+                    <m:r>
+                      <a:rPr lang="en-US" i="1" dirty="0" smtClean="0">
+                        <a:latin typeface="Cambria Math" panose="02040503050406030204" pitchFamily="18" charset="0"/>
+                      </a:rPr>
+                      <m:t>𝑅</m:t>
+                    </m:r>
+                    <m:d>
+                      <m:dPr>
+                        <m:begChr m:val="["/>
+                        <m:endChr m:val="]"/>
+                        <m:ctrlPr>
+                          <a:rPr lang="en-US" i="1" dirty="0" smtClean="0">
+                            <a:latin typeface="Cambria Math" panose="02040503050406030204" pitchFamily="18" charset="0"/>
+                          </a:rPr>
+                        </m:ctrlPr>
+                      </m:dPr>
+                      <m:e>
+                        <m:r>
+                          <a:rPr lang="en-US" i="1" dirty="0" smtClean="0">
+                            <a:latin typeface="Cambria Math" panose="02040503050406030204" pitchFamily="18" charset="0"/>
+                          </a:rPr>
+                          <m:t>𝑥</m:t>
+                        </m:r>
+                      </m:e>
+                    </m:d>
+                  </m:oMath>
+                </a14:m>
+                <a:r>
+                  <a:rPr lang="ru-RU" dirty="0"/>
+                  <a:t>,</a:t>
+                </a:r>
+                <a:r>
+                  <a:rPr lang="en-US" dirty="0"/>
+                  <a:t> </a:t>
+                </a:r>
+                <a:r>
+                  <a:rPr lang="ru-RU" dirty="0"/>
+                  <a:t>тогда имеют место следующие свойства:</a:t>
+                </a:r>
+              </a:p>
+              <a:p>
+                <a:pPr/>
+                <a14:m>
+                  <m:oMathPara xmlns:m="http://schemas.openxmlformats.org/officeDocument/2006/math">
+                    <m:oMathParaPr>
+                      <m:jc m:val="centerGroup"/>
+                    </m:oMathParaPr>
+                    <m:oMath xmlns:m="http://schemas.openxmlformats.org/officeDocument/2006/math">
+                      <m:r>
+                        <m:rPr>
+                          <m:sty m:val="p"/>
+                        </m:rPr>
+                        <a:rPr lang="en-US" i="1" dirty="0" smtClean="0">
+                          <a:latin typeface="Cambria Math" panose="02040503050406030204" pitchFamily="18" charset="0"/>
+                        </a:rPr>
+                        <m:t>deg</m:t>
+                      </m:r>
+                      <m:r>
+                        <a:rPr lang="en-US" i="1" dirty="0" smtClean="0">
+                          <a:latin typeface="Cambria Math" panose="02040503050406030204" pitchFamily="18" charset="0"/>
+                        </a:rPr>
+                        <m:t>⁡(</m:t>
+                      </m:r>
+                      <m:r>
+                        <a:rPr lang="en-US" i="1" dirty="0" err="1" smtClean="0">
+                          <a:latin typeface="Cambria Math" panose="02040503050406030204" pitchFamily="18" charset="0"/>
+                        </a:rPr>
+                        <m:t>𝑝</m:t>
+                      </m:r>
+                      <m:r>
+                        <a:rPr lang="en-US" i="1" dirty="0" smtClean="0">
+                          <a:latin typeface="Cambria Math" panose="02040503050406030204" pitchFamily="18" charset="0"/>
+                          <a:ea typeface="Cambria Math" panose="02040503050406030204" pitchFamily="18" charset="0"/>
+                        </a:rPr>
+                        <m:t>∙</m:t>
+                      </m:r>
+                      <m:r>
+                        <a:rPr lang="en-US" i="1" dirty="0" err="1" smtClean="0">
+                          <a:latin typeface="Cambria Math" panose="02040503050406030204" pitchFamily="18" charset="0"/>
+                        </a:rPr>
+                        <m:t>𝑞</m:t>
+                      </m:r>
+                      <m:r>
+                        <a:rPr lang="en-US" i="1" dirty="0" smtClean="0">
+                          <a:latin typeface="Cambria Math" panose="02040503050406030204" pitchFamily="18" charset="0"/>
+                        </a:rPr>
+                        <m:t>) = </m:t>
+                      </m:r>
+                      <m:r>
+                        <m:rPr>
+                          <m:sty m:val="p"/>
+                        </m:rPr>
+                        <a:rPr lang="en-US" i="1" dirty="0" smtClean="0">
+                          <a:latin typeface="Cambria Math" panose="02040503050406030204" pitchFamily="18" charset="0"/>
+                        </a:rPr>
+                        <m:t>deg</m:t>
+                      </m:r>
+                      <m:r>
+                        <a:rPr lang="en-US" i="1" dirty="0" smtClean="0">
+                          <a:latin typeface="Cambria Math" panose="02040503050406030204" pitchFamily="18" charset="0"/>
+                        </a:rPr>
+                        <m:t>⁡(</m:t>
+                      </m:r>
+                      <m:r>
+                        <a:rPr lang="en-US" i="1" dirty="0" smtClean="0">
+                          <a:latin typeface="Cambria Math" panose="02040503050406030204" pitchFamily="18" charset="0"/>
+                        </a:rPr>
+                        <m:t>𝑝</m:t>
+                      </m:r>
+                      <m:r>
+                        <a:rPr lang="en-US" i="1" dirty="0" smtClean="0">
+                          <a:latin typeface="Cambria Math" panose="02040503050406030204" pitchFamily="18" charset="0"/>
+                        </a:rPr>
+                        <m:t>) + </m:t>
+                      </m:r>
+                      <m:r>
+                        <m:rPr>
+                          <m:sty m:val="p"/>
+                        </m:rPr>
+                        <a:rPr lang="en-US" i="1" dirty="0" smtClean="0">
+                          <a:latin typeface="Cambria Math" panose="02040503050406030204" pitchFamily="18" charset="0"/>
+                        </a:rPr>
+                        <m:t>deg</m:t>
+                      </m:r>
+                      <m:r>
+                        <a:rPr lang="en-US" i="1" dirty="0" smtClean="0">
+                          <a:latin typeface="Cambria Math" panose="02040503050406030204" pitchFamily="18" charset="0"/>
+                        </a:rPr>
+                        <m:t>⁡(</m:t>
+                      </m:r>
+                      <m:r>
+                        <a:rPr lang="en-US" i="1" dirty="0" smtClean="0">
+                          <a:latin typeface="Cambria Math" panose="02040503050406030204" pitchFamily="18" charset="0"/>
+                        </a:rPr>
+                        <m:t>𝑞</m:t>
+                      </m:r>
+                      <m:r>
+                        <a:rPr lang="en-US" i="1" dirty="0" smtClean="0">
+                          <a:latin typeface="Cambria Math" panose="02040503050406030204" pitchFamily="18" charset="0"/>
+                        </a:rPr>
+                        <m:t>),  </m:t>
+                      </m:r>
+                      <m:r>
+                        <m:rPr>
+                          <m:sty m:val="p"/>
+                        </m:rPr>
+                        <a:rPr lang="en-US" i="1" dirty="0" smtClean="0">
+                          <a:latin typeface="Cambria Math" panose="02040503050406030204" pitchFamily="18" charset="0"/>
+                        </a:rPr>
+                        <m:t>deg</m:t>
+                      </m:r>
+                      <m:r>
+                        <a:rPr lang="en-US" i="1" dirty="0" smtClean="0">
+                          <a:latin typeface="Cambria Math" panose="02040503050406030204" pitchFamily="18" charset="0"/>
+                        </a:rPr>
+                        <m:t>⁡(</m:t>
+                      </m:r>
+                      <m:r>
+                        <a:rPr lang="en-US" i="1" dirty="0" smtClean="0">
+                          <a:latin typeface="Cambria Math" panose="02040503050406030204" pitchFamily="18" charset="0"/>
+                        </a:rPr>
+                        <m:t>𝑝</m:t>
+                      </m:r>
+                      <m:r>
+                        <a:rPr lang="en-US" i="1" dirty="0" smtClean="0">
+                          <a:latin typeface="Cambria Math" panose="02040503050406030204" pitchFamily="18" charset="0"/>
+                        </a:rPr>
+                        <m:t> + </m:t>
+                      </m:r>
+                      <m:r>
+                        <a:rPr lang="en-US" i="1" dirty="0" smtClean="0">
+                          <a:latin typeface="Cambria Math" panose="02040503050406030204" pitchFamily="18" charset="0"/>
+                        </a:rPr>
+                        <m:t>𝑞</m:t>
+                      </m:r>
+                      <m:r>
+                        <a:rPr lang="en-US" i="1" dirty="0" smtClean="0">
+                          <a:latin typeface="Cambria Math" panose="02040503050406030204" pitchFamily="18" charset="0"/>
+                        </a:rPr>
+                        <m:t>) ⩽ </m:t>
+                      </m:r>
+                      <m:r>
+                        <m:rPr>
+                          <m:sty m:val="p"/>
+                        </m:rPr>
+                        <a:rPr lang="en-US" i="1" dirty="0" smtClean="0">
+                          <a:latin typeface="Cambria Math" panose="02040503050406030204" pitchFamily="18" charset="0"/>
+                        </a:rPr>
+                        <m:t>max</m:t>
+                      </m:r>
+                      <m:r>
+                        <a:rPr lang="en-US" i="1" dirty="0" smtClean="0">
+                          <a:latin typeface="Cambria Math" panose="02040503050406030204" pitchFamily="18" charset="0"/>
+                        </a:rPr>
+                        <m:t>⁡{</m:t>
+                      </m:r>
+                      <m:r>
+                        <m:rPr>
+                          <m:sty m:val="p"/>
+                        </m:rPr>
+                        <a:rPr lang="en-US" i="1" dirty="0" smtClean="0">
+                          <a:latin typeface="Cambria Math" panose="02040503050406030204" pitchFamily="18" charset="0"/>
+                        </a:rPr>
+                        <m:t>deg</m:t>
+                      </m:r>
+                      <m:r>
+                        <a:rPr lang="en-US" i="1" dirty="0" smtClean="0">
+                          <a:latin typeface="Cambria Math" panose="02040503050406030204" pitchFamily="18" charset="0"/>
+                        </a:rPr>
+                        <m:t>⁡(</m:t>
+                      </m:r>
+                      <m:r>
+                        <a:rPr lang="en-US" i="1" dirty="0" smtClean="0">
+                          <a:latin typeface="Cambria Math" panose="02040503050406030204" pitchFamily="18" charset="0"/>
+                        </a:rPr>
+                        <m:t>𝑝</m:t>
+                      </m:r>
+                      <m:r>
+                        <a:rPr lang="en-US" i="1" dirty="0" smtClean="0">
+                          <a:latin typeface="Cambria Math" panose="02040503050406030204" pitchFamily="18" charset="0"/>
+                        </a:rPr>
+                        <m:t>), </m:t>
+                      </m:r>
+                      <m:r>
+                        <m:rPr>
+                          <m:sty m:val="p"/>
+                        </m:rPr>
+                        <a:rPr lang="en-US" i="1" dirty="0" smtClean="0">
+                          <a:latin typeface="Cambria Math" panose="02040503050406030204" pitchFamily="18" charset="0"/>
+                        </a:rPr>
+                        <m:t>deg</m:t>
+                      </m:r>
+                      <m:r>
+                        <a:rPr lang="en-US" i="1" dirty="0" smtClean="0">
+                          <a:latin typeface="Cambria Math" panose="02040503050406030204" pitchFamily="18" charset="0"/>
+                        </a:rPr>
+                        <m:t>⁡(</m:t>
+                      </m:r>
+                      <m:r>
+                        <a:rPr lang="en-US" i="1" dirty="0" smtClean="0">
+                          <a:latin typeface="Cambria Math" panose="02040503050406030204" pitchFamily="18" charset="0"/>
+                        </a:rPr>
+                        <m:t>𝑞</m:t>
+                      </m:r>
+                      <m:r>
+                        <a:rPr lang="en-US" i="1" dirty="0" smtClean="0">
+                          <a:latin typeface="Cambria Math" panose="02040503050406030204" pitchFamily="18" charset="0"/>
+                        </a:rPr>
+                        <m:t>)}</m:t>
+                      </m:r>
+                    </m:oMath>
+                  </m:oMathPara>
+                </a14:m>
+                <a:endParaRPr lang="ru-RU" dirty="0"/>
+              </a:p>
+              <a:p>
+                <a:r>
+                  <a:rPr lang="ru-RU" dirty="0"/>
+                  <a:t>Доказательство:</a:t>
+                </a:r>
+              </a:p>
+              <a:p>
+                <a:r>
+                  <a:rPr lang="ru-RU" dirty="0"/>
+                  <a:t>Пусть					        Тогда при перемножении максимальную </a:t>
+                </a:r>
+              </a:p>
+              <a:p>
+                <a:endParaRPr lang="ru-RU" dirty="0"/>
+              </a:p>
+              <a:p>
+                <a:r>
+                  <a:rPr lang="ru-RU" dirty="0"/>
+                  <a:t>Степень будет иметь 		  и так как в поле нет делителей нуля, то </a:t>
+                </a:r>
+                <a:r>
+                  <a:rPr lang="en-US" dirty="0"/>
+                  <a:t>	      , </a:t>
+                </a:r>
+                <a:r>
+                  <a:rPr lang="ru-RU" dirty="0"/>
+                  <a:t>а значит </a:t>
+                </a:r>
+                <a14:m>
+                  <m:oMath xmlns:m="http://schemas.openxmlformats.org/officeDocument/2006/math">
+                    <m:r>
+                      <m:rPr>
+                        <m:sty m:val="p"/>
+                      </m:rPr>
+                      <a:rPr lang="en-US" i="1" dirty="0" smtClean="0">
+                        <a:latin typeface="Cambria Math" panose="02040503050406030204" pitchFamily="18" charset="0"/>
+                      </a:rPr>
+                      <m:t>deg</m:t>
+                    </m:r>
+                    <m:r>
+                      <a:rPr lang="en-US" i="1" dirty="0" smtClean="0">
+                        <a:latin typeface="Cambria Math" panose="02040503050406030204" pitchFamily="18" charset="0"/>
+                      </a:rPr>
+                      <m:t>⁡(</m:t>
+                    </m:r>
+                    <m:r>
+                      <a:rPr lang="en-US" i="1" dirty="0" err="1" smtClean="0">
+                        <a:latin typeface="Cambria Math" panose="02040503050406030204" pitchFamily="18" charset="0"/>
+                      </a:rPr>
+                      <m:t>𝑝</m:t>
+                    </m:r>
+                    <m:r>
+                      <a:rPr lang="en-US" i="1" dirty="0" smtClean="0">
+                        <a:latin typeface="Cambria Math" panose="02040503050406030204" pitchFamily="18" charset="0"/>
+                        <a:ea typeface="Cambria Math" panose="02040503050406030204" pitchFamily="18" charset="0"/>
+                      </a:rPr>
+                      <m:t>∙</m:t>
+                    </m:r>
+                    <m:r>
+                      <a:rPr lang="en-US" i="1" dirty="0" err="1" smtClean="0">
+                        <a:latin typeface="Cambria Math" panose="02040503050406030204" pitchFamily="18" charset="0"/>
+                      </a:rPr>
+                      <m:t>𝑞</m:t>
+                    </m:r>
+                    <m:r>
+                      <a:rPr lang="en-US" i="1" dirty="0" smtClean="0">
+                        <a:latin typeface="Cambria Math" panose="02040503050406030204" pitchFamily="18" charset="0"/>
+                      </a:rPr>
+                      <m:t>) = </m:t>
+                    </m:r>
+                    <m:r>
+                      <m:rPr>
+                        <m:sty m:val="p"/>
+                      </m:rPr>
+                      <a:rPr lang="en-US" i="1" dirty="0" smtClean="0">
+                        <a:latin typeface="Cambria Math" panose="02040503050406030204" pitchFamily="18" charset="0"/>
+                      </a:rPr>
+                      <m:t>deg</m:t>
+                    </m:r>
+                    <m:r>
+                      <a:rPr lang="en-US" i="1" dirty="0" smtClean="0">
+                        <a:latin typeface="Cambria Math" panose="02040503050406030204" pitchFamily="18" charset="0"/>
+                      </a:rPr>
+                      <m:t>⁡(</m:t>
+                    </m:r>
+                    <m:r>
+                      <a:rPr lang="en-US" i="1" dirty="0" smtClean="0">
+                        <a:latin typeface="Cambria Math" panose="02040503050406030204" pitchFamily="18" charset="0"/>
+                      </a:rPr>
+                      <m:t>𝑝</m:t>
+                    </m:r>
+                    <m:r>
+                      <a:rPr lang="en-US" i="1" dirty="0" smtClean="0">
+                        <a:latin typeface="Cambria Math" panose="02040503050406030204" pitchFamily="18" charset="0"/>
+                      </a:rPr>
+                      <m:t>) + </m:t>
+                    </m:r>
+                    <m:r>
+                      <m:rPr>
+                        <m:sty m:val="p"/>
+                      </m:rPr>
+                      <a:rPr lang="en-US" i="1" dirty="0" smtClean="0">
+                        <a:latin typeface="Cambria Math" panose="02040503050406030204" pitchFamily="18" charset="0"/>
+                      </a:rPr>
+                      <m:t>deg</m:t>
+                    </m:r>
+                    <m:r>
+                      <a:rPr lang="en-US" i="1" dirty="0" smtClean="0">
+                        <a:latin typeface="Cambria Math" panose="02040503050406030204" pitchFamily="18" charset="0"/>
+                      </a:rPr>
+                      <m:t>⁡(</m:t>
+                    </m:r>
+                    <m:r>
+                      <a:rPr lang="en-US" i="1" dirty="0" smtClean="0">
+                        <a:latin typeface="Cambria Math" panose="02040503050406030204" pitchFamily="18" charset="0"/>
+                      </a:rPr>
+                      <m:t>𝑞</m:t>
+                    </m:r>
+                    <m:r>
+                      <a:rPr lang="en-US" i="1" dirty="0" smtClean="0">
+                        <a:latin typeface="Cambria Math" panose="02040503050406030204" pitchFamily="18" charset="0"/>
+                      </a:rPr>
+                      <m:t>)</m:t>
+                    </m:r>
+                  </m:oMath>
+                </a14:m>
+                <a:endParaRPr lang="ru-RU" dirty="0"/>
+              </a:p>
+              <a:p>
+                <a:r>
+                  <a:rPr lang="ru-RU" dirty="0"/>
+                  <a:t>Второе свойство очевидно.</a:t>
+                </a:r>
+                <a:r>
+                  <a:rPr lang="ru-RU" sz="1800" b="0" kern="1200" dirty="0">
+                    <a:solidFill>
+                      <a:srgbClr val="000000"/>
+                    </a:solidFill>
+                    <a:effectLst/>
+                    <a:latin typeface="+mn-ea"/>
+                    <a:ea typeface="+mn-ea"/>
+                    <a:cs typeface="+mn-cs"/>
+                  </a:rPr>
+                  <a:t> ■</a:t>
+                </a:r>
+              </a:p>
+              <a:p>
+                <a:r>
+                  <a:rPr lang="ru-RU" b="1" dirty="0"/>
+                  <a:t>Лемма </a:t>
+                </a:r>
+                <a:r>
+                  <a:rPr lang="ru-RU" dirty="0"/>
+                  <a:t>Свойства степени при делении многочленов:</a:t>
+                </a:r>
+              </a:p>
+              <a:p>
+                <a:pPr marL="285750" indent="-285750">
+                  <a:buFont typeface="Arial" panose="020B0604020202020204" pitchFamily="34" charset="0"/>
+                  <a:buChar char="•"/>
+                </a:pPr>
+                <a14:m>
+                  <m:oMath xmlns:m="http://schemas.openxmlformats.org/officeDocument/2006/math">
+                    <m:r>
+                      <a:rPr lang="ru-RU" i="1" dirty="0" smtClean="0">
+                        <a:latin typeface="Cambria Math" panose="02040503050406030204" pitchFamily="18" charset="0"/>
+                      </a:rPr>
+                      <m:t>если </m:t>
+                    </m:r>
+                    <m:r>
+                      <a:rPr lang="en-US" i="1" dirty="0" err="1" smtClean="0">
+                        <a:latin typeface="Cambria Math" panose="02040503050406030204" pitchFamily="18" charset="0"/>
+                      </a:rPr>
+                      <m:t>𝑓</m:t>
+                    </m:r>
+                    <m:r>
+                      <a:rPr lang="ru-RU" b="0" i="1" dirty="0" smtClean="0">
+                        <a:latin typeface="Cambria Math" panose="02040503050406030204" pitchFamily="18" charset="0"/>
+                      </a:rPr>
+                      <m:t> </m:t>
+                    </m:r>
+                    <m:r>
+                      <a:rPr lang="en-US" i="1" dirty="0" smtClean="0">
+                        <a:latin typeface="Cambria Math" panose="02040503050406030204" pitchFamily="18" charset="0"/>
+                        <a:ea typeface="Cambria Math" panose="02040503050406030204" pitchFamily="18" charset="0"/>
+                      </a:rPr>
+                      <m:t>⋮</m:t>
+                    </m:r>
+                    <m:r>
+                      <a:rPr lang="ru-RU" b="0" i="1" dirty="0" smtClean="0">
+                        <a:latin typeface="Cambria Math" panose="02040503050406030204" pitchFamily="18" charset="0"/>
+                        <a:ea typeface="Cambria Math" panose="02040503050406030204" pitchFamily="18" charset="0"/>
+                      </a:rPr>
+                      <m:t> </m:t>
+                    </m:r>
+                    <m:r>
+                      <a:rPr lang="en-US" i="1" dirty="0" err="1" smtClean="0">
+                        <a:latin typeface="Cambria Math" panose="02040503050406030204" pitchFamily="18" charset="0"/>
+                      </a:rPr>
+                      <m:t>𝑔</m:t>
+                    </m:r>
+                    <m:r>
+                      <a:rPr lang="en-US" i="1" dirty="0" smtClean="0">
+                        <a:latin typeface="Cambria Math" panose="02040503050406030204" pitchFamily="18" charset="0"/>
+                      </a:rPr>
+                      <m:t>, </m:t>
+                    </m:r>
+                    <m:r>
+                      <a:rPr lang="ru-RU" b="0" i="1" dirty="0" smtClean="0">
+                        <a:latin typeface="Cambria Math" panose="02040503050406030204" pitchFamily="18" charset="0"/>
+                      </a:rPr>
+                      <m:t> </m:t>
+                    </m:r>
+                    <m:r>
+                      <a:rPr lang="en-US" i="1" dirty="0" smtClean="0">
+                        <a:latin typeface="Cambria Math" panose="02040503050406030204" pitchFamily="18" charset="0"/>
+                      </a:rPr>
+                      <m:t>𝑓</m:t>
+                    </m:r>
+                    <m:r>
+                      <a:rPr lang="en-US" i="1" dirty="0" smtClean="0">
+                        <a:latin typeface="Cambria Math" panose="02040503050406030204" pitchFamily="18" charset="0"/>
+                      </a:rPr>
+                      <m:t>, </m:t>
+                    </m:r>
+                    <m:r>
+                      <a:rPr lang="en-US" i="1" dirty="0" smtClean="0">
+                        <a:latin typeface="Cambria Math" panose="02040503050406030204" pitchFamily="18" charset="0"/>
+                      </a:rPr>
+                      <m:t>𝑔</m:t>
+                    </m:r>
+                    <m:r>
+                      <a:rPr lang="en-US" i="1" dirty="0" smtClean="0">
+                        <a:latin typeface="Cambria Math" panose="02040503050406030204" pitchFamily="18" charset="0"/>
+                      </a:rPr>
+                      <m:t> ≠ 0 ⇒ </m:t>
+                    </m:r>
+                    <m:r>
+                      <m:rPr>
+                        <m:sty m:val="p"/>
+                      </m:rPr>
+                      <a:rPr lang="en-US" i="1" dirty="0" smtClean="0">
+                        <a:latin typeface="Cambria Math" panose="02040503050406030204" pitchFamily="18" charset="0"/>
+                      </a:rPr>
+                      <m:t>deg</m:t>
+                    </m:r>
+                    <m:r>
+                      <a:rPr lang="en-US" i="1" dirty="0" smtClean="0">
+                        <a:latin typeface="Cambria Math" panose="02040503050406030204" pitchFamily="18" charset="0"/>
+                      </a:rPr>
+                      <m:t>⁡(</m:t>
+                    </m:r>
+                    <m:r>
+                      <a:rPr lang="en-US" i="1" dirty="0" smtClean="0">
+                        <a:latin typeface="Cambria Math" panose="02040503050406030204" pitchFamily="18" charset="0"/>
+                      </a:rPr>
+                      <m:t>𝑓</m:t>
+                    </m:r>
+                    <m:r>
+                      <a:rPr lang="en-US" i="1" dirty="0" smtClean="0">
+                        <a:latin typeface="Cambria Math" panose="02040503050406030204" pitchFamily="18" charset="0"/>
+                      </a:rPr>
+                      <m:t>) ⩾ </m:t>
+                    </m:r>
+                    <m:r>
+                      <m:rPr>
+                        <m:sty m:val="p"/>
+                      </m:rPr>
+                      <a:rPr lang="en-US" i="1" dirty="0" smtClean="0">
+                        <a:latin typeface="Cambria Math" panose="02040503050406030204" pitchFamily="18" charset="0"/>
+                      </a:rPr>
+                      <m:t>deg</m:t>
+                    </m:r>
+                    <m:r>
+                      <a:rPr lang="en-US" i="1" dirty="0" smtClean="0">
+                        <a:latin typeface="Cambria Math" panose="02040503050406030204" pitchFamily="18" charset="0"/>
+                      </a:rPr>
+                      <m:t>⁡(</m:t>
+                    </m:r>
+                    <m:r>
+                      <a:rPr lang="en-US" i="1" dirty="0" smtClean="0">
+                        <a:latin typeface="Cambria Math" panose="02040503050406030204" pitchFamily="18" charset="0"/>
+                      </a:rPr>
+                      <m:t>𝑔</m:t>
+                    </m:r>
+                    <m:r>
+                      <a:rPr lang="en-US" i="1" dirty="0" smtClean="0">
+                        <a:latin typeface="Cambria Math" panose="02040503050406030204" pitchFamily="18" charset="0"/>
+                      </a:rPr>
+                      <m:t>)</m:t>
+                    </m:r>
+                  </m:oMath>
+                </a14:m>
+                <a:r>
+                  <a:rPr lang="en-US" dirty="0"/>
+                  <a:t>;</a:t>
+                </a:r>
+                <a:endParaRPr lang="ru-RU" dirty="0"/>
+              </a:p>
+              <a:p>
+                <a:pPr marL="285750" indent="-285750">
+                  <a:buFont typeface="Arial" panose="020B0604020202020204" pitchFamily="34" charset="0"/>
+                  <a:buChar char="•"/>
+                </a:pPr>
+                <a14:m>
+                  <m:oMath xmlns:m="http://schemas.openxmlformats.org/officeDocument/2006/math">
+                    <m:r>
+                      <a:rPr lang="ru-RU" i="1" dirty="0" smtClean="0">
+                        <a:latin typeface="Cambria Math" panose="02040503050406030204" pitchFamily="18" charset="0"/>
+                      </a:rPr>
+                      <m:t>если </m:t>
+                    </m:r>
+                    <m:r>
+                      <a:rPr lang="en-US" i="1" dirty="0" smtClean="0">
+                        <a:latin typeface="Cambria Math" panose="02040503050406030204" pitchFamily="18" charset="0"/>
+                      </a:rPr>
+                      <m:t>𝑓</m:t>
+                    </m:r>
+                    <m:r>
+                      <a:rPr lang="en-US" i="1" dirty="0" smtClean="0">
+                        <a:latin typeface="Cambria Math" panose="02040503050406030204" pitchFamily="18" charset="0"/>
+                        <a:ea typeface="Cambria Math" panose="02040503050406030204" pitchFamily="18" charset="0"/>
+                      </a:rPr>
+                      <m:t> ⋮</m:t>
+                    </m:r>
+                    <m:r>
+                      <a:rPr lang="en-US" i="1" dirty="0" smtClean="0">
+                        <a:latin typeface="Cambria Math" panose="02040503050406030204" pitchFamily="18" charset="0"/>
+                      </a:rPr>
+                      <m:t> </m:t>
+                    </m:r>
+                    <m:r>
+                      <a:rPr lang="en-US" i="1" dirty="0" smtClean="0">
+                        <a:latin typeface="Cambria Math" panose="02040503050406030204" pitchFamily="18" charset="0"/>
+                      </a:rPr>
+                      <m:t>𝑔</m:t>
+                    </m:r>
+                    <m:r>
+                      <a:rPr lang="en-US" i="1" dirty="0" smtClean="0">
+                        <a:latin typeface="Cambria Math" panose="02040503050406030204" pitchFamily="18" charset="0"/>
+                      </a:rPr>
+                      <m:t>,  </m:t>
+                    </m:r>
+                    <m:r>
+                      <m:rPr>
+                        <m:sty m:val="p"/>
+                      </m:rPr>
+                      <a:rPr lang="en-US" i="1" dirty="0" smtClean="0">
+                        <a:latin typeface="Cambria Math" panose="02040503050406030204" pitchFamily="18" charset="0"/>
+                      </a:rPr>
+                      <m:t>deg</m:t>
+                    </m:r>
+                    <m:r>
+                      <a:rPr lang="en-US" i="1" dirty="0" smtClean="0">
+                        <a:latin typeface="Cambria Math" panose="02040503050406030204" pitchFamily="18" charset="0"/>
+                      </a:rPr>
+                      <m:t>⁡(</m:t>
+                    </m:r>
+                    <m:r>
+                      <a:rPr lang="en-US" i="1" dirty="0" smtClean="0">
+                        <a:latin typeface="Cambria Math" panose="02040503050406030204" pitchFamily="18" charset="0"/>
+                      </a:rPr>
+                      <m:t>𝑓</m:t>
+                    </m:r>
+                    <m:r>
+                      <a:rPr lang="en-US" i="1" dirty="0" smtClean="0">
+                        <a:latin typeface="Cambria Math" panose="02040503050406030204" pitchFamily="18" charset="0"/>
+                      </a:rPr>
+                      <m:t>) = </m:t>
+                    </m:r>
+                    <m:r>
+                      <m:rPr>
+                        <m:sty m:val="p"/>
+                      </m:rPr>
+                      <a:rPr lang="en-US" i="1" dirty="0" smtClean="0">
+                        <a:latin typeface="Cambria Math" panose="02040503050406030204" pitchFamily="18" charset="0"/>
+                      </a:rPr>
+                      <m:t>deg</m:t>
+                    </m:r>
+                    <m:r>
+                      <a:rPr lang="en-US" i="1" dirty="0" smtClean="0">
+                        <a:latin typeface="Cambria Math" panose="02040503050406030204" pitchFamily="18" charset="0"/>
+                      </a:rPr>
+                      <m:t>⁡(</m:t>
+                    </m:r>
+                    <m:r>
+                      <a:rPr lang="en-US" i="1" dirty="0" smtClean="0">
+                        <a:latin typeface="Cambria Math" panose="02040503050406030204" pitchFamily="18" charset="0"/>
+                      </a:rPr>
+                      <m:t>𝑔</m:t>
+                    </m:r>
+                    <m:r>
+                      <a:rPr lang="en-US" i="1" dirty="0" smtClean="0">
+                        <a:latin typeface="Cambria Math" panose="02040503050406030204" pitchFamily="18" charset="0"/>
+                      </a:rPr>
+                      <m:t>) ⇒ </m:t>
+                    </m:r>
+                    <m:r>
+                      <a:rPr lang="en-US" i="1" dirty="0" smtClean="0">
+                        <a:latin typeface="Cambria Math" panose="02040503050406030204" pitchFamily="18" charset="0"/>
+                      </a:rPr>
+                      <m:t>𝑓</m:t>
+                    </m:r>
+                    <m:r>
+                      <a:rPr lang="en-US" i="1" dirty="0" smtClean="0">
+                        <a:latin typeface="Cambria Math" panose="02040503050406030204" pitchFamily="18" charset="0"/>
+                      </a:rPr>
+                      <m:t> ∼ </m:t>
+                    </m:r>
+                    <m:r>
+                      <a:rPr lang="en-US" i="1" dirty="0" smtClean="0">
+                        <a:latin typeface="Cambria Math" panose="02040503050406030204" pitchFamily="18" charset="0"/>
+                      </a:rPr>
+                      <m:t>𝑔</m:t>
+                    </m:r>
+                  </m:oMath>
+                </a14:m>
+                <a:r>
+                  <a:rPr lang="en-US" dirty="0"/>
+                  <a:t>.</a:t>
+                </a:r>
+                <a:endParaRPr lang="ru-RU" dirty="0"/>
+              </a:p>
+            </p:txBody>
+          </p:sp>
+        </mc:Choice>
+        <mc:Fallback xmlns="">
+          <p:sp>
+            <p:nvSpPr>
+              <p:cNvPr id="3" name="Текст 2">
+                <a:extLst>
+                  <a:ext uri="{FF2B5EF4-FFF2-40B4-BE49-F238E27FC236}">
+                    <a16:creationId xmlns:a16="http://schemas.microsoft.com/office/drawing/2014/main" id="{4471AA3C-69FE-CB50-FFE0-077391FA432F}"/>
+                  </a:ext>
+                </a:extLst>
+              </p:cNvPr>
+              <p:cNvSpPr>
+                <a:spLocks noGrp="1" noRot="1" noChangeAspect="1" noMove="1" noResize="1" noEditPoints="1" noAdjustHandles="1" noChangeArrowheads="1" noChangeShapeType="1" noTextEdit="1"/>
+              </p:cNvSpPr>
+              <p:nvPr>
+                <p:ph type="body" sz="quarter" idx="13"/>
+              </p:nvPr>
+            </p:nvSpPr>
+            <p:spPr>
+              <a:blipFill>
+                <a:blip r:embed="rId4"/>
+                <a:stretch>
+                  <a:fillRect l="-522" t="-1526"/>
+                </a:stretch>
+              </a:blipFill>
+            </p:spPr>
+            <p:txBody>
+              <a:bodyPr/>
+              <a:lstStyle/>
+              <a:p>
+                <a:r>
+                  <a:rPr lang="ru-RU">
+                    <a:noFill/>
+                  </a:rPr>
+                  <a:t> </a:t>
+                </a:r>
+              </a:p>
+            </p:txBody>
+          </p:sp>
+        </mc:Fallback>
+      </mc:AlternateContent>
       <p:pic>
         <p:nvPicPr>
           <p:cNvPr id="11" name="Рисунок 10">
@@ -19569,15 +24013,14 @@
           <p:nvPr/>
         </p:nvPicPr>
         <p:blipFill>
-          <a:blip r:embed="rId2"/>
-          <a:stretch>
-            <a:fillRect/>
-          </a:stretch>
+          <a:blip r:embed="rId5"/>
+          <a:srcRect t="17522" r="7752" b="13590"/>
+          <a:stretch/>
         </p:blipFill>
         <p:spPr>
           <a:xfrm>
-            <a:off x="9410744" y="4022554"/>
-            <a:ext cx="1076325" cy="428625"/>
+            <a:off x="9420075" y="4088324"/>
+            <a:ext cx="992889" cy="295275"/>
           </a:xfrm>
           <a:prstGeom prst="rect">
             <a:avLst/>
@@ -19599,15 +24042,14 @@
           <p:nvPr/>
         </p:nvPicPr>
         <p:blipFill>
-          <a:blip r:embed="rId3"/>
-          <a:stretch>
-            <a:fillRect/>
-          </a:stretch>
+          <a:blip r:embed="rId6"/>
+          <a:srcRect l="8544" t="12075" r="6250" b="11934"/>
+          <a:stretch/>
         </p:blipFill>
         <p:spPr>
           <a:xfrm>
-            <a:off x="1201541" y="3402366"/>
-            <a:ext cx="5048250" cy="800100"/>
+            <a:off x="1632857" y="3373595"/>
+            <a:ext cx="4301412" cy="608006"/>
           </a:xfrm>
           <a:prstGeom prst="rect">
             <a:avLst/>
@@ -19648,1104 +24090,6 @@
           </a:p>
         </p:txBody>
       </p:sp>
-      <mc:AlternateContent xmlns:mc="http://schemas.openxmlformats.org/markup-compatibility/2006" xmlns:a14="http://schemas.microsoft.com/office/drawing/2010/main">
-        <mc:Choice Requires="a14">
-          <p:sp>
-            <p:nvSpPr>
-              <p:cNvPr id="3" name="Текст 2">
-                <a:extLst>
-                  <a:ext uri="{FF2B5EF4-FFF2-40B4-BE49-F238E27FC236}">
-                    <a16:creationId xmlns:a16="http://schemas.microsoft.com/office/drawing/2014/main" id="{4471AA3C-69FE-CB50-FFE0-077391FA432F}"/>
-                  </a:ext>
-                </a:extLst>
-              </p:cNvPr>
-              <p:cNvSpPr>
-                <a:spLocks noGrp="1"/>
-              </p:cNvSpPr>
-              <p:nvPr>
-                <p:ph type="body" sz="quarter" idx="13"/>
-              </p:nvPr>
-            </p:nvSpPr>
-            <p:spPr/>
-            <p:txBody>
-              <a:bodyPr>
-                <a:normAutofit lnSpcReduction="10000"/>
-              </a:bodyPr>
-              <a:lstStyle/>
-              <a:p>
-                <a:r>
-                  <a:rPr lang="ru-RU" b="1" dirty="0"/>
-                  <a:t>Степенью</a:t>
-                </a:r>
-                <a:r>
-                  <a:rPr lang="ru-RU" dirty="0"/>
-                  <a:t> </a:t>
-                </a:r>
-                <a14:m>
-                  <m:oMath xmlns:m="http://schemas.openxmlformats.org/officeDocument/2006/math">
-                    <m:r>
-                      <m:rPr>
-                        <m:sty m:val="p"/>
-                      </m:rPr>
-                      <a:rPr lang="en-US" i="1" dirty="0" smtClean="0">
-                        <a:latin typeface="Cambria Math" panose="02040503050406030204" pitchFamily="18" charset="0"/>
-                      </a:rPr>
-                      <m:t>deg</m:t>
-                    </m:r>
-                    <m:r>
-                      <a:rPr lang="en-US" i="1" dirty="0" smtClean="0">
-                        <a:latin typeface="Cambria Math" panose="02040503050406030204" pitchFamily="18" charset="0"/>
-                      </a:rPr>
-                      <m:t>⁡(</m:t>
-                    </m:r>
-                    <m:r>
-                      <a:rPr lang="en-US" i="1" dirty="0" smtClean="0">
-                        <a:latin typeface="Cambria Math" panose="02040503050406030204" pitchFamily="18" charset="0"/>
-                      </a:rPr>
-                      <m:t>𝑝</m:t>
-                    </m:r>
-                    <m:r>
-                      <a:rPr lang="en-US" i="1" dirty="0" smtClean="0">
-                        <a:latin typeface="Cambria Math" panose="02040503050406030204" pitchFamily="18" charset="0"/>
-                      </a:rPr>
-                      <m:t>)</m:t>
-                    </m:r>
-                  </m:oMath>
-                </a14:m>
-                <a:r>
-                  <a:rPr lang="en-US" dirty="0"/>
-                  <a:t> </a:t>
-                </a:r>
-                <a:r>
-                  <a:rPr lang="ru-RU" b="1" dirty="0"/>
-                  <a:t>многочлена</a:t>
-                </a:r>
-                <a:r>
-                  <a:rPr lang="ru-RU" dirty="0"/>
-                  <a:t> </a:t>
-                </a:r>
-                <a14:m>
-                  <m:oMath xmlns:m="http://schemas.openxmlformats.org/officeDocument/2006/math">
-                    <m:r>
-                      <a:rPr lang="en-US" i="1" dirty="0" smtClean="0">
-                        <a:latin typeface="Cambria Math" panose="02040503050406030204" pitchFamily="18" charset="0"/>
-                      </a:rPr>
-                      <m:t>𝑝</m:t>
-                    </m:r>
-                    <m:r>
-                      <a:rPr lang="en-US" i="1" dirty="0" smtClean="0">
-                        <a:latin typeface="Cambria Math" panose="02040503050406030204" pitchFamily="18" charset="0"/>
-                      </a:rPr>
-                      <m:t> ∈ </m:t>
-                    </m:r>
-                    <m:r>
-                      <a:rPr lang="en-US" i="1" dirty="0" smtClean="0">
-                        <a:latin typeface="Cambria Math" panose="02040503050406030204" pitchFamily="18" charset="0"/>
-                      </a:rPr>
-                      <m:t>𝑅</m:t>
-                    </m:r>
-                    <m:r>
-                      <a:rPr lang="en-US" i="1" dirty="0" smtClean="0">
-                        <a:latin typeface="Cambria Math" panose="02040503050406030204" pitchFamily="18" charset="0"/>
-                      </a:rPr>
-                      <m:t>[</m:t>
-                    </m:r>
-                    <m:r>
-                      <a:rPr lang="en-US" i="1" dirty="0" smtClean="0">
-                        <a:latin typeface="Cambria Math" panose="02040503050406030204" pitchFamily="18" charset="0"/>
-                      </a:rPr>
-                      <m:t>𝑡</m:t>
-                    </m:r>
-                    <m:r>
-                      <a:rPr lang="en-US" i="1" dirty="0" smtClean="0">
-                        <a:latin typeface="Cambria Math" panose="02040503050406030204" pitchFamily="18" charset="0"/>
-                      </a:rPr>
-                      <m:t>] </m:t>
-                    </m:r>
-                  </m:oMath>
-                </a14:m>
-                <a:r>
-                  <a:rPr lang="ru-RU" dirty="0"/>
-                  <a:t>называется максимальный номер его ненулевого коэффициента. </a:t>
-                </a:r>
-                <a:endParaRPr lang="en-US" dirty="0"/>
-              </a:p>
-              <a:p>
-                <a:r>
-                  <a:rPr lang="ru-RU" dirty="0"/>
-                  <a:t>Если </a:t>
-                </a:r>
-                <a14:m>
-                  <m:oMath xmlns:m="http://schemas.openxmlformats.org/officeDocument/2006/math">
-                    <m:r>
-                      <m:rPr>
-                        <m:sty m:val="p"/>
-                      </m:rPr>
-                      <a:rPr lang="en-US" i="1" dirty="0" smtClean="0">
-                        <a:latin typeface="Cambria Math" panose="02040503050406030204" pitchFamily="18" charset="0"/>
-                      </a:rPr>
-                      <m:t>deg</m:t>
-                    </m:r>
-                    <m:r>
-                      <a:rPr lang="en-US" i="1" dirty="0" smtClean="0">
-                        <a:latin typeface="Cambria Math" panose="02040503050406030204" pitchFamily="18" charset="0"/>
-                      </a:rPr>
-                      <m:t>⁡(</m:t>
-                    </m:r>
-                    <m:r>
-                      <a:rPr lang="en-US" i="1" dirty="0" smtClean="0">
-                        <a:latin typeface="Cambria Math" panose="02040503050406030204" pitchFamily="18" charset="0"/>
-                      </a:rPr>
-                      <m:t>𝑝</m:t>
-                    </m:r>
-                    <m:r>
-                      <a:rPr lang="ru-RU" b="0" i="1" dirty="0" smtClean="0">
-                        <a:latin typeface="Cambria Math" panose="02040503050406030204" pitchFamily="18" charset="0"/>
-                      </a:rPr>
-                      <m:t>)</m:t>
-                    </m:r>
-                    <m:r>
-                      <a:rPr lang="en-US" i="1" dirty="0" smtClean="0">
-                        <a:latin typeface="Cambria Math" panose="02040503050406030204" pitchFamily="18" charset="0"/>
-                      </a:rPr>
-                      <m:t> = </m:t>
-                    </m:r>
-                    <m:r>
-                      <a:rPr lang="en-US" i="1" dirty="0" smtClean="0">
-                        <a:latin typeface="Cambria Math" panose="02040503050406030204" pitchFamily="18" charset="0"/>
-                      </a:rPr>
-                      <m:t>𝑛</m:t>
-                    </m:r>
-                    <m:r>
-                      <a:rPr lang="en-US" i="1" dirty="0" smtClean="0">
-                        <a:latin typeface="Cambria Math" panose="02040503050406030204" pitchFamily="18" charset="0"/>
-                      </a:rPr>
-                      <m:t> ∈ </m:t>
-                    </m:r>
-                    <m:sSub>
-                      <m:sSubPr>
-                        <m:ctrlPr>
-                          <a:rPr lang="en-US" i="1" dirty="0" smtClean="0">
-                            <a:latin typeface="Cambria Math" panose="02040503050406030204" pitchFamily="18" charset="0"/>
-                          </a:rPr>
-                        </m:ctrlPr>
-                      </m:sSubPr>
-                      <m:e>
-                        <m:r>
-                          <a:rPr lang="en-US" i="1" dirty="0" smtClean="0">
-                            <a:latin typeface="Cambria Math" panose="02040503050406030204" pitchFamily="18" charset="0"/>
-                            <a:ea typeface="Cambria Math" panose="02040503050406030204" pitchFamily="18" charset="0"/>
-                          </a:rPr>
-                          <m:t>ℕ</m:t>
-                        </m:r>
-                      </m:e>
-                      <m:sub>
-                        <m:r>
-                          <a:rPr lang="ru-RU" b="0" i="1" dirty="0" smtClean="0">
-                            <a:latin typeface="Cambria Math" panose="02040503050406030204" pitchFamily="18" charset="0"/>
-                          </a:rPr>
-                          <m:t>0</m:t>
-                        </m:r>
-                      </m:sub>
-                    </m:sSub>
-                  </m:oMath>
-                </a14:m>
-                <a:r>
-                  <a:rPr lang="en-US" dirty="0"/>
-                  <a:t> </a:t>
-                </a:r>
-                <a:r>
-                  <a:rPr lang="ru-RU" dirty="0"/>
-                  <a:t>то коэффициент </a:t>
-                </a:r>
-                <a14:m>
-                  <m:oMath xmlns:m="http://schemas.openxmlformats.org/officeDocument/2006/math">
-                    <m:sSub>
-                      <m:sSubPr>
-                        <m:ctrlPr>
-                          <a:rPr lang="en-US" i="1" dirty="0" smtClean="0">
-                            <a:latin typeface="Cambria Math" panose="02040503050406030204" pitchFamily="18" charset="0"/>
-                          </a:rPr>
-                        </m:ctrlPr>
-                      </m:sSubPr>
-                      <m:e>
-                        <m:r>
-                          <a:rPr lang="en-US" b="0" i="1" dirty="0" smtClean="0">
-                            <a:latin typeface="Cambria Math" panose="02040503050406030204" pitchFamily="18" charset="0"/>
-                          </a:rPr>
-                          <m:t>𝑎</m:t>
-                        </m:r>
-                      </m:e>
-                      <m:sub>
-                        <m:r>
-                          <a:rPr lang="en-US" b="0" i="1" dirty="0" smtClean="0">
-                            <a:latin typeface="Cambria Math" panose="02040503050406030204" pitchFamily="18" charset="0"/>
-                          </a:rPr>
-                          <m:t>𝑛</m:t>
-                        </m:r>
-                      </m:sub>
-                    </m:sSub>
-                  </m:oMath>
-                </a14:m>
-                <a:r>
-                  <a:rPr lang="ru-RU" dirty="0"/>
-                  <a:t> называется </a:t>
-                </a:r>
-                <a:r>
-                  <a:rPr lang="ru-RU" b="1" dirty="0"/>
-                  <a:t>старшим коэффициентом многочлена </a:t>
-                </a:r>
-                <a14:m>
-                  <m:oMath xmlns:m="http://schemas.openxmlformats.org/officeDocument/2006/math">
-                    <m:r>
-                      <a:rPr lang="en-US" i="1" dirty="0">
-                        <a:latin typeface="Cambria Math" panose="02040503050406030204" pitchFamily="18" charset="0"/>
-                      </a:rPr>
-                      <m:t>𝑝</m:t>
-                    </m:r>
-                    <m:r>
-                      <a:rPr lang="en-US" i="1" dirty="0">
-                        <a:latin typeface="Cambria Math" panose="02040503050406030204" pitchFamily="18" charset="0"/>
-                      </a:rPr>
-                      <m:t> </m:t>
-                    </m:r>
-                  </m:oMath>
-                </a14:m>
-                <a:r>
-                  <a:rPr lang="en-US" dirty="0"/>
-                  <a:t>.</a:t>
-                </a:r>
-              </a:p>
-              <a:p>
-                <a:r>
-                  <a:rPr lang="ru-RU" dirty="0"/>
-                  <a:t>Для нулевого многочлена </a:t>
-                </a:r>
-                <a14:m>
-                  <m:oMath xmlns:m="http://schemas.openxmlformats.org/officeDocument/2006/math">
-                    <m:r>
-                      <a:rPr lang="el-GR" i="1" dirty="0" smtClean="0">
-                        <a:latin typeface="Cambria Math" panose="02040503050406030204" pitchFamily="18" charset="0"/>
-                      </a:rPr>
-                      <m:t>𝜃</m:t>
-                    </m:r>
-                    <m:r>
-                      <a:rPr lang="el-GR" i="1" dirty="0" smtClean="0">
-                        <a:latin typeface="Cambria Math" panose="02040503050406030204" pitchFamily="18" charset="0"/>
-                      </a:rPr>
-                      <m:t>(</m:t>
-                    </m:r>
-                    <m:r>
-                      <a:rPr lang="en-US" i="1" dirty="0" smtClean="0">
-                        <a:latin typeface="Cambria Math" panose="02040503050406030204" pitchFamily="18" charset="0"/>
-                      </a:rPr>
-                      <m:t>𝑡</m:t>
-                    </m:r>
-                    <m:r>
-                      <a:rPr lang="en-US" i="1" dirty="0" smtClean="0">
-                        <a:latin typeface="Cambria Math" panose="02040503050406030204" pitchFamily="18" charset="0"/>
-                      </a:rPr>
-                      <m:t>) </m:t>
-                    </m:r>
-                  </m:oMath>
-                </a14:m>
-                <a:r>
-                  <a:rPr lang="ru-RU" dirty="0"/>
-                  <a:t>положим </a:t>
-                </a:r>
-                <a14:m>
-                  <m:oMath xmlns:m="http://schemas.openxmlformats.org/officeDocument/2006/math">
-                    <m:r>
-                      <m:rPr>
-                        <m:sty m:val="p"/>
-                      </m:rPr>
-                      <a:rPr lang="en-US" i="1" dirty="0" smtClean="0">
-                        <a:latin typeface="Cambria Math" panose="02040503050406030204" pitchFamily="18" charset="0"/>
-                      </a:rPr>
-                      <m:t>deg</m:t>
-                    </m:r>
-                    <m:r>
-                      <a:rPr lang="en-US" i="1" dirty="0" smtClean="0">
-                        <a:latin typeface="Cambria Math" panose="02040503050406030204" pitchFamily="18" charset="0"/>
-                      </a:rPr>
-                      <m:t>⁡(</m:t>
-                    </m:r>
-                    <m:r>
-                      <a:rPr lang="el-GR" i="1" dirty="0" smtClean="0">
-                        <a:latin typeface="Cambria Math" panose="02040503050406030204" pitchFamily="18" charset="0"/>
-                      </a:rPr>
-                      <m:t>𝜃</m:t>
-                    </m:r>
-                    <m:r>
-                      <a:rPr lang="el-GR" i="1" dirty="0" smtClean="0">
-                        <a:latin typeface="Cambria Math" panose="02040503050406030204" pitchFamily="18" charset="0"/>
-                      </a:rPr>
-                      <m:t>) = −∞</m:t>
-                    </m:r>
-                  </m:oMath>
-                </a14:m>
-                <a:r>
-                  <a:rPr lang="el-GR" dirty="0"/>
-                  <a:t>.</a:t>
-                </a:r>
-              </a:p>
-              <a:p>
-                <a:r>
-                  <a:rPr lang="ru-RU" b="1" dirty="0"/>
-                  <a:t>Лемма</a:t>
-                </a:r>
-                <a:r>
-                  <a:rPr lang="ru-RU" dirty="0"/>
-                  <a:t> Пусть </a:t>
-                </a:r>
-                <a14:m>
-                  <m:oMath xmlns:m="http://schemas.openxmlformats.org/officeDocument/2006/math">
-                    <m:r>
-                      <a:rPr lang="en-US" i="1" dirty="0" smtClean="0">
-                        <a:latin typeface="Cambria Math" panose="02040503050406030204" pitchFamily="18" charset="0"/>
-                      </a:rPr>
-                      <m:t>𝑝</m:t>
-                    </m:r>
-                    <m:r>
-                      <a:rPr lang="en-US" i="1" dirty="0" smtClean="0">
-                        <a:latin typeface="Cambria Math" panose="02040503050406030204" pitchFamily="18" charset="0"/>
-                      </a:rPr>
-                      <m:t>, </m:t>
-                    </m:r>
-                    <m:r>
-                      <a:rPr lang="en-US" i="1" dirty="0" smtClean="0">
-                        <a:latin typeface="Cambria Math" panose="02040503050406030204" pitchFamily="18" charset="0"/>
-                      </a:rPr>
-                      <m:t>𝑞</m:t>
-                    </m:r>
-                    <m:r>
-                      <a:rPr lang="en-US" i="1" dirty="0" smtClean="0">
-                        <a:latin typeface="Cambria Math" panose="02040503050406030204" pitchFamily="18" charset="0"/>
-                      </a:rPr>
-                      <m:t> ∈ </m:t>
-                    </m:r>
-                    <m:r>
-                      <a:rPr lang="en-US" i="1" dirty="0" smtClean="0">
-                        <a:latin typeface="Cambria Math" panose="02040503050406030204" pitchFamily="18" charset="0"/>
-                      </a:rPr>
-                      <m:t>𝑅</m:t>
-                    </m:r>
-                    <m:d>
-                      <m:dPr>
-                        <m:begChr m:val="["/>
-                        <m:endChr m:val="]"/>
-                        <m:ctrlPr>
-                          <a:rPr lang="en-US" i="1" dirty="0" smtClean="0">
-                            <a:latin typeface="Cambria Math" panose="02040503050406030204" pitchFamily="18" charset="0"/>
-                          </a:rPr>
-                        </m:ctrlPr>
-                      </m:dPr>
-                      <m:e>
-                        <m:r>
-                          <a:rPr lang="en-US" i="1" dirty="0" smtClean="0">
-                            <a:latin typeface="Cambria Math" panose="02040503050406030204" pitchFamily="18" charset="0"/>
-                          </a:rPr>
-                          <m:t>𝑥</m:t>
-                        </m:r>
-                      </m:e>
-                    </m:d>
-                  </m:oMath>
-                </a14:m>
-                <a:r>
-                  <a:rPr lang="ru-RU" dirty="0"/>
-                  <a:t>,</a:t>
-                </a:r>
-                <a:r>
-                  <a:rPr lang="en-US" dirty="0"/>
-                  <a:t> </a:t>
-                </a:r>
-                <a:r>
-                  <a:rPr lang="ru-RU" dirty="0"/>
-                  <a:t>тогда имеют место следующие свойства:</a:t>
-                </a:r>
-              </a:p>
-              <a:p>
-                <a:pPr/>
-                <a14:m>
-                  <m:oMathPara xmlns:m="http://schemas.openxmlformats.org/officeDocument/2006/math">
-                    <m:oMathParaPr>
-                      <m:jc m:val="centerGroup"/>
-                    </m:oMathParaPr>
-                    <m:oMath xmlns:m="http://schemas.openxmlformats.org/officeDocument/2006/math">
-                      <m:r>
-                        <m:rPr>
-                          <m:sty m:val="p"/>
-                        </m:rPr>
-                        <a:rPr lang="en-US" i="1" dirty="0" smtClean="0">
-                          <a:latin typeface="Cambria Math" panose="02040503050406030204" pitchFamily="18" charset="0"/>
-                        </a:rPr>
-                        <m:t>deg</m:t>
-                      </m:r>
-                      <m:r>
-                        <a:rPr lang="en-US" i="1" dirty="0" smtClean="0">
-                          <a:latin typeface="Cambria Math" panose="02040503050406030204" pitchFamily="18" charset="0"/>
-                        </a:rPr>
-                        <m:t>⁡(</m:t>
-                      </m:r>
-                      <m:r>
-                        <a:rPr lang="en-US" i="1" dirty="0" err="1" smtClean="0">
-                          <a:latin typeface="Cambria Math" panose="02040503050406030204" pitchFamily="18" charset="0"/>
-                        </a:rPr>
-                        <m:t>𝑝</m:t>
-                      </m:r>
-                      <m:r>
-                        <a:rPr lang="en-US" i="1" dirty="0" smtClean="0">
-                          <a:latin typeface="Cambria Math" panose="02040503050406030204" pitchFamily="18" charset="0"/>
-                          <a:ea typeface="Cambria Math" panose="02040503050406030204" pitchFamily="18" charset="0"/>
-                        </a:rPr>
-                        <m:t>∙</m:t>
-                      </m:r>
-                      <m:r>
-                        <a:rPr lang="en-US" i="1" dirty="0" err="1" smtClean="0">
-                          <a:latin typeface="Cambria Math" panose="02040503050406030204" pitchFamily="18" charset="0"/>
-                        </a:rPr>
-                        <m:t>𝑞</m:t>
-                      </m:r>
-                      <m:r>
-                        <a:rPr lang="en-US" i="1" dirty="0" smtClean="0">
-                          <a:latin typeface="Cambria Math" panose="02040503050406030204" pitchFamily="18" charset="0"/>
-                        </a:rPr>
-                        <m:t>) = </m:t>
-                      </m:r>
-                      <m:r>
-                        <m:rPr>
-                          <m:sty m:val="p"/>
-                        </m:rPr>
-                        <a:rPr lang="en-US" i="1" dirty="0" smtClean="0">
-                          <a:latin typeface="Cambria Math" panose="02040503050406030204" pitchFamily="18" charset="0"/>
-                        </a:rPr>
-                        <m:t>deg</m:t>
-                      </m:r>
-                      <m:r>
-                        <a:rPr lang="en-US" i="1" dirty="0" smtClean="0">
-                          <a:latin typeface="Cambria Math" panose="02040503050406030204" pitchFamily="18" charset="0"/>
-                        </a:rPr>
-                        <m:t>⁡(</m:t>
-                      </m:r>
-                      <m:r>
-                        <a:rPr lang="en-US" i="1" dirty="0" smtClean="0">
-                          <a:latin typeface="Cambria Math" panose="02040503050406030204" pitchFamily="18" charset="0"/>
-                        </a:rPr>
-                        <m:t>𝑝</m:t>
-                      </m:r>
-                      <m:r>
-                        <a:rPr lang="en-US" i="1" dirty="0" smtClean="0">
-                          <a:latin typeface="Cambria Math" panose="02040503050406030204" pitchFamily="18" charset="0"/>
-                        </a:rPr>
-                        <m:t>) + </m:t>
-                      </m:r>
-                      <m:r>
-                        <m:rPr>
-                          <m:sty m:val="p"/>
-                        </m:rPr>
-                        <a:rPr lang="en-US" i="1" dirty="0" smtClean="0">
-                          <a:latin typeface="Cambria Math" panose="02040503050406030204" pitchFamily="18" charset="0"/>
-                        </a:rPr>
-                        <m:t>deg</m:t>
-                      </m:r>
-                      <m:r>
-                        <a:rPr lang="en-US" i="1" dirty="0" smtClean="0">
-                          <a:latin typeface="Cambria Math" panose="02040503050406030204" pitchFamily="18" charset="0"/>
-                        </a:rPr>
-                        <m:t>⁡(</m:t>
-                      </m:r>
-                      <m:r>
-                        <a:rPr lang="en-US" i="1" dirty="0" smtClean="0">
-                          <a:latin typeface="Cambria Math" panose="02040503050406030204" pitchFamily="18" charset="0"/>
-                        </a:rPr>
-                        <m:t>𝑞</m:t>
-                      </m:r>
-                      <m:r>
-                        <a:rPr lang="en-US" i="1" dirty="0" smtClean="0">
-                          <a:latin typeface="Cambria Math" panose="02040503050406030204" pitchFamily="18" charset="0"/>
-                        </a:rPr>
-                        <m:t>),  </m:t>
-                      </m:r>
-                      <m:r>
-                        <m:rPr>
-                          <m:sty m:val="p"/>
-                        </m:rPr>
-                        <a:rPr lang="en-US" i="1" dirty="0" smtClean="0">
-                          <a:latin typeface="Cambria Math" panose="02040503050406030204" pitchFamily="18" charset="0"/>
-                        </a:rPr>
-                        <m:t>deg</m:t>
-                      </m:r>
-                      <m:r>
-                        <a:rPr lang="en-US" i="1" dirty="0" smtClean="0">
-                          <a:latin typeface="Cambria Math" panose="02040503050406030204" pitchFamily="18" charset="0"/>
-                        </a:rPr>
-                        <m:t>⁡(</m:t>
-                      </m:r>
-                      <m:r>
-                        <a:rPr lang="en-US" i="1" dirty="0" smtClean="0">
-                          <a:latin typeface="Cambria Math" panose="02040503050406030204" pitchFamily="18" charset="0"/>
-                        </a:rPr>
-                        <m:t>𝑝</m:t>
-                      </m:r>
-                      <m:r>
-                        <a:rPr lang="en-US" i="1" dirty="0" smtClean="0">
-                          <a:latin typeface="Cambria Math" panose="02040503050406030204" pitchFamily="18" charset="0"/>
-                        </a:rPr>
-                        <m:t> + </m:t>
-                      </m:r>
-                      <m:r>
-                        <a:rPr lang="en-US" i="1" dirty="0" smtClean="0">
-                          <a:latin typeface="Cambria Math" panose="02040503050406030204" pitchFamily="18" charset="0"/>
-                        </a:rPr>
-                        <m:t>𝑞</m:t>
-                      </m:r>
-                      <m:r>
-                        <a:rPr lang="en-US" i="1" dirty="0" smtClean="0">
-                          <a:latin typeface="Cambria Math" panose="02040503050406030204" pitchFamily="18" charset="0"/>
-                        </a:rPr>
-                        <m:t>) ⩽ </m:t>
-                      </m:r>
-                      <m:r>
-                        <m:rPr>
-                          <m:sty m:val="p"/>
-                        </m:rPr>
-                        <a:rPr lang="en-US" i="1" dirty="0" smtClean="0">
-                          <a:latin typeface="Cambria Math" panose="02040503050406030204" pitchFamily="18" charset="0"/>
-                        </a:rPr>
-                        <m:t>max</m:t>
-                      </m:r>
-                      <m:r>
-                        <a:rPr lang="en-US" i="1" dirty="0" smtClean="0">
-                          <a:latin typeface="Cambria Math" panose="02040503050406030204" pitchFamily="18" charset="0"/>
-                        </a:rPr>
-                        <m:t>⁡{</m:t>
-                      </m:r>
-                      <m:r>
-                        <m:rPr>
-                          <m:sty m:val="p"/>
-                        </m:rPr>
-                        <a:rPr lang="en-US" i="1" dirty="0" smtClean="0">
-                          <a:latin typeface="Cambria Math" panose="02040503050406030204" pitchFamily="18" charset="0"/>
-                        </a:rPr>
-                        <m:t>deg</m:t>
-                      </m:r>
-                      <m:r>
-                        <a:rPr lang="en-US" i="1" dirty="0" smtClean="0">
-                          <a:latin typeface="Cambria Math" panose="02040503050406030204" pitchFamily="18" charset="0"/>
-                        </a:rPr>
-                        <m:t>⁡(</m:t>
-                      </m:r>
-                      <m:r>
-                        <a:rPr lang="en-US" i="1" dirty="0" smtClean="0">
-                          <a:latin typeface="Cambria Math" panose="02040503050406030204" pitchFamily="18" charset="0"/>
-                        </a:rPr>
-                        <m:t>𝑝</m:t>
-                      </m:r>
-                      <m:r>
-                        <a:rPr lang="en-US" i="1" dirty="0" smtClean="0">
-                          <a:latin typeface="Cambria Math" panose="02040503050406030204" pitchFamily="18" charset="0"/>
-                        </a:rPr>
-                        <m:t>), </m:t>
-                      </m:r>
-                      <m:r>
-                        <m:rPr>
-                          <m:sty m:val="p"/>
-                        </m:rPr>
-                        <a:rPr lang="en-US" i="1" dirty="0" smtClean="0">
-                          <a:latin typeface="Cambria Math" panose="02040503050406030204" pitchFamily="18" charset="0"/>
-                        </a:rPr>
-                        <m:t>deg</m:t>
-                      </m:r>
-                      <m:r>
-                        <a:rPr lang="en-US" i="1" dirty="0" smtClean="0">
-                          <a:latin typeface="Cambria Math" panose="02040503050406030204" pitchFamily="18" charset="0"/>
-                        </a:rPr>
-                        <m:t>⁡(</m:t>
-                      </m:r>
-                      <m:r>
-                        <a:rPr lang="en-US" i="1" dirty="0" smtClean="0">
-                          <a:latin typeface="Cambria Math" panose="02040503050406030204" pitchFamily="18" charset="0"/>
-                        </a:rPr>
-                        <m:t>𝑞</m:t>
-                      </m:r>
-                      <m:r>
-                        <a:rPr lang="en-US" i="1" dirty="0" smtClean="0">
-                          <a:latin typeface="Cambria Math" panose="02040503050406030204" pitchFamily="18" charset="0"/>
-                        </a:rPr>
-                        <m:t>)}</m:t>
-                      </m:r>
-                    </m:oMath>
-                  </m:oMathPara>
-                </a14:m>
-                <a:endParaRPr lang="ru-RU" dirty="0"/>
-              </a:p>
-              <a:p>
-                <a:r>
-                  <a:rPr lang="ru-RU" dirty="0"/>
-                  <a:t>Доказательство:</a:t>
-                </a:r>
-              </a:p>
-              <a:p>
-                <a:r>
-                  <a:rPr lang="ru-RU" dirty="0"/>
-                  <a:t>Пусть					        Тогда при перемножении максимальную </a:t>
-                </a:r>
-              </a:p>
-              <a:p>
-                <a:endParaRPr lang="ru-RU" dirty="0"/>
-              </a:p>
-              <a:p>
-                <a:r>
-                  <a:rPr lang="ru-RU" dirty="0"/>
-                  <a:t>Степень будет иметь 		  и так как в поле нет делителей нуля, то </a:t>
-                </a:r>
-                <a:r>
-                  <a:rPr lang="en-US" dirty="0"/>
-                  <a:t>	      , </a:t>
-                </a:r>
-                <a:r>
-                  <a:rPr lang="ru-RU" dirty="0"/>
-                  <a:t>а значит </a:t>
-                </a:r>
-                <a14:m>
-                  <m:oMath xmlns:m="http://schemas.openxmlformats.org/officeDocument/2006/math">
-                    <m:r>
-                      <m:rPr>
-                        <m:sty m:val="p"/>
-                      </m:rPr>
-                      <a:rPr lang="en-US" i="1" dirty="0" smtClean="0">
-                        <a:latin typeface="Cambria Math" panose="02040503050406030204" pitchFamily="18" charset="0"/>
-                      </a:rPr>
-                      <m:t>deg</m:t>
-                    </m:r>
-                    <m:r>
-                      <a:rPr lang="en-US" i="1" dirty="0" smtClean="0">
-                        <a:latin typeface="Cambria Math" panose="02040503050406030204" pitchFamily="18" charset="0"/>
-                      </a:rPr>
-                      <m:t>⁡(</m:t>
-                    </m:r>
-                    <m:r>
-                      <a:rPr lang="en-US" i="1" dirty="0" err="1" smtClean="0">
-                        <a:latin typeface="Cambria Math" panose="02040503050406030204" pitchFamily="18" charset="0"/>
-                      </a:rPr>
-                      <m:t>𝑝</m:t>
-                    </m:r>
-                    <m:r>
-                      <a:rPr lang="en-US" i="1" dirty="0" smtClean="0">
-                        <a:latin typeface="Cambria Math" panose="02040503050406030204" pitchFamily="18" charset="0"/>
-                        <a:ea typeface="Cambria Math" panose="02040503050406030204" pitchFamily="18" charset="0"/>
-                      </a:rPr>
-                      <m:t>∙</m:t>
-                    </m:r>
-                    <m:r>
-                      <a:rPr lang="en-US" i="1" dirty="0" err="1" smtClean="0">
-                        <a:latin typeface="Cambria Math" panose="02040503050406030204" pitchFamily="18" charset="0"/>
-                      </a:rPr>
-                      <m:t>𝑞</m:t>
-                    </m:r>
-                    <m:r>
-                      <a:rPr lang="en-US" i="1" dirty="0" smtClean="0">
-                        <a:latin typeface="Cambria Math" panose="02040503050406030204" pitchFamily="18" charset="0"/>
-                      </a:rPr>
-                      <m:t>) = </m:t>
-                    </m:r>
-                    <m:r>
-                      <m:rPr>
-                        <m:sty m:val="p"/>
-                      </m:rPr>
-                      <a:rPr lang="en-US" i="1" dirty="0" smtClean="0">
-                        <a:latin typeface="Cambria Math" panose="02040503050406030204" pitchFamily="18" charset="0"/>
-                      </a:rPr>
-                      <m:t>deg</m:t>
-                    </m:r>
-                    <m:r>
-                      <a:rPr lang="en-US" i="1" dirty="0" smtClean="0">
-                        <a:latin typeface="Cambria Math" panose="02040503050406030204" pitchFamily="18" charset="0"/>
-                      </a:rPr>
-                      <m:t>⁡(</m:t>
-                    </m:r>
-                    <m:r>
-                      <a:rPr lang="en-US" i="1" dirty="0" smtClean="0">
-                        <a:latin typeface="Cambria Math" panose="02040503050406030204" pitchFamily="18" charset="0"/>
-                      </a:rPr>
-                      <m:t>𝑝</m:t>
-                    </m:r>
-                    <m:r>
-                      <a:rPr lang="en-US" i="1" dirty="0" smtClean="0">
-                        <a:latin typeface="Cambria Math" panose="02040503050406030204" pitchFamily="18" charset="0"/>
-                      </a:rPr>
-                      <m:t>) + </m:t>
-                    </m:r>
-                    <m:r>
-                      <m:rPr>
-                        <m:sty m:val="p"/>
-                      </m:rPr>
-                      <a:rPr lang="en-US" i="1" dirty="0" smtClean="0">
-                        <a:latin typeface="Cambria Math" panose="02040503050406030204" pitchFamily="18" charset="0"/>
-                      </a:rPr>
-                      <m:t>deg</m:t>
-                    </m:r>
-                    <m:r>
-                      <a:rPr lang="en-US" i="1" dirty="0" smtClean="0">
-                        <a:latin typeface="Cambria Math" panose="02040503050406030204" pitchFamily="18" charset="0"/>
-                      </a:rPr>
-                      <m:t>⁡(</m:t>
-                    </m:r>
-                    <m:r>
-                      <a:rPr lang="en-US" i="1" dirty="0" smtClean="0">
-                        <a:latin typeface="Cambria Math" panose="02040503050406030204" pitchFamily="18" charset="0"/>
-                      </a:rPr>
-                      <m:t>𝑞</m:t>
-                    </m:r>
-                    <m:r>
-                      <a:rPr lang="en-US" i="1" dirty="0" smtClean="0">
-                        <a:latin typeface="Cambria Math" panose="02040503050406030204" pitchFamily="18" charset="0"/>
-                      </a:rPr>
-                      <m:t>)</m:t>
-                    </m:r>
-                  </m:oMath>
-                </a14:m>
-                <a:endParaRPr lang="ru-RU" dirty="0"/>
-              </a:p>
-              <a:p>
-                <a:r>
-                  <a:rPr lang="ru-RU" dirty="0"/>
-                  <a:t>Второе свойство очевидно.</a:t>
-                </a:r>
-                <a:r>
-                  <a:rPr lang="ru-RU" sz="1800" b="0" kern="1200" dirty="0">
-                    <a:solidFill>
-                      <a:srgbClr val="000000"/>
-                    </a:solidFill>
-                    <a:effectLst/>
-                    <a:latin typeface="+mn-ea"/>
-                    <a:ea typeface="+mn-ea"/>
-                    <a:cs typeface="+mn-cs"/>
-                  </a:rPr>
-                  <a:t> ■</a:t>
-                </a:r>
-                <a:endParaRPr lang="ru-RU" dirty="0"/>
-              </a:p>
-              <a:p>
-                <a:r>
-                  <a:rPr lang="ru-RU" b="1" dirty="0"/>
-                  <a:t>Лемма </a:t>
-                </a:r>
-                <a:r>
-                  <a:rPr lang="ru-RU" dirty="0"/>
-                  <a:t>Свойства степени при делении многочленов:</a:t>
-                </a:r>
-              </a:p>
-              <a:p>
-                <a:pPr marL="285750" indent="-285750">
-                  <a:buFont typeface="Arial" panose="020B0604020202020204" pitchFamily="34" charset="0"/>
-                  <a:buChar char="•"/>
-                </a:pPr>
-                <a14:m>
-                  <m:oMath xmlns:m="http://schemas.openxmlformats.org/officeDocument/2006/math">
-                    <m:r>
-                      <a:rPr lang="ru-RU" i="1" dirty="0" smtClean="0">
-                        <a:latin typeface="Cambria Math" panose="02040503050406030204" pitchFamily="18" charset="0"/>
-                      </a:rPr>
-                      <m:t>если </m:t>
-                    </m:r>
-                    <m:r>
-                      <a:rPr lang="en-US" i="1" dirty="0" err="1" smtClean="0">
-                        <a:latin typeface="Cambria Math" panose="02040503050406030204" pitchFamily="18" charset="0"/>
-                      </a:rPr>
-                      <m:t>𝑓</m:t>
-                    </m:r>
-                    <m:r>
-                      <a:rPr lang="ru-RU" b="0" i="1" dirty="0" smtClean="0">
-                        <a:latin typeface="Cambria Math" panose="02040503050406030204" pitchFamily="18" charset="0"/>
-                      </a:rPr>
-                      <m:t> </m:t>
-                    </m:r>
-                    <m:r>
-                      <a:rPr lang="en-US" i="1" dirty="0" smtClean="0">
-                        <a:latin typeface="Cambria Math" panose="02040503050406030204" pitchFamily="18" charset="0"/>
-                        <a:ea typeface="Cambria Math" panose="02040503050406030204" pitchFamily="18" charset="0"/>
-                      </a:rPr>
-                      <m:t>⋮</m:t>
-                    </m:r>
-                    <m:r>
-                      <a:rPr lang="ru-RU" b="0" i="1" dirty="0" smtClean="0">
-                        <a:latin typeface="Cambria Math" panose="02040503050406030204" pitchFamily="18" charset="0"/>
-                        <a:ea typeface="Cambria Math" panose="02040503050406030204" pitchFamily="18" charset="0"/>
-                      </a:rPr>
-                      <m:t> </m:t>
-                    </m:r>
-                    <m:r>
-                      <a:rPr lang="en-US" i="1" dirty="0" err="1" smtClean="0">
-                        <a:latin typeface="Cambria Math" panose="02040503050406030204" pitchFamily="18" charset="0"/>
-                      </a:rPr>
-                      <m:t>𝑔</m:t>
-                    </m:r>
-                    <m:r>
-                      <a:rPr lang="en-US" i="1" dirty="0" smtClean="0">
-                        <a:latin typeface="Cambria Math" panose="02040503050406030204" pitchFamily="18" charset="0"/>
-                      </a:rPr>
-                      <m:t>, </m:t>
-                    </m:r>
-                    <m:r>
-                      <a:rPr lang="ru-RU" b="0" i="1" dirty="0" smtClean="0">
-                        <a:latin typeface="Cambria Math" panose="02040503050406030204" pitchFamily="18" charset="0"/>
-                      </a:rPr>
-                      <m:t> </m:t>
-                    </m:r>
-                    <m:r>
-                      <a:rPr lang="en-US" i="1" dirty="0" smtClean="0">
-                        <a:latin typeface="Cambria Math" panose="02040503050406030204" pitchFamily="18" charset="0"/>
-                      </a:rPr>
-                      <m:t>𝑓</m:t>
-                    </m:r>
-                    <m:r>
-                      <a:rPr lang="en-US" i="1" dirty="0" smtClean="0">
-                        <a:latin typeface="Cambria Math" panose="02040503050406030204" pitchFamily="18" charset="0"/>
-                      </a:rPr>
-                      <m:t>, </m:t>
-                    </m:r>
-                    <m:r>
-                      <a:rPr lang="en-US" i="1" dirty="0" smtClean="0">
-                        <a:latin typeface="Cambria Math" panose="02040503050406030204" pitchFamily="18" charset="0"/>
-                      </a:rPr>
-                      <m:t>𝑔</m:t>
-                    </m:r>
-                    <m:r>
-                      <a:rPr lang="en-US" i="1" dirty="0" smtClean="0">
-                        <a:latin typeface="Cambria Math" panose="02040503050406030204" pitchFamily="18" charset="0"/>
-                      </a:rPr>
-                      <m:t> ≠ 0 ⇒ </m:t>
-                    </m:r>
-                    <m:r>
-                      <m:rPr>
-                        <m:sty m:val="p"/>
-                      </m:rPr>
-                      <a:rPr lang="en-US" i="1" dirty="0" smtClean="0">
-                        <a:latin typeface="Cambria Math" panose="02040503050406030204" pitchFamily="18" charset="0"/>
-                      </a:rPr>
-                      <m:t>deg</m:t>
-                    </m:r>
-                    <m:r>
-                      <a:rPr lang="en-US" i="1" dirty="0" smtClean="0">
-                        <a:latin typeface="Cambria Math" panose="02040503050406030204" pitchFamily="18" charset="0"/>
-                      </a:rPr>
-                      <m:t>⁡(</m:t>
-                    </m:r>
-                    <m:r>
-                      <a:rPr lang="en-US" i="1" dirty="0" smtClean="0">
-                        <a:latin typeface="Cambria Math" panose="02040503050406030204" pitchFamily="18" charset="0"/>
-                      </a:rPr>
-                      <m:t>𝑓</m:t>
-                    </m:r>
-                    <m:r>
-                      <a:rPr lang="en-US" i="1" dirty="0" smtClean="0">
-                        <a:latin typeface="Cambria Math" panose="02040503050406030204" pitchFamily="18" charset="0"/>
-                      </a:rPr>
-                      <m:t>) ⩾ </m:t>
-                    </m:r>
-                    <m:r>
-                      <m:rPr>
-                        <m:sty m:val="p"/>
-                      </m:rPr>
-                      <a:rPr lang="en-US" i="1" dirty="0" smtClean="0">
-                        <a:latin typeface="Cambria Math" panose="02040503050406030204" pitchFamily="18" charset="0"/>
-                      </a:rPr>
-                      <m:t>deg</m:t>
-                    </m:r>
-                    <m:r>
-                      <a:rPr lang="en-US" i="1" dirty="0" smtClean="0">
-                        <a:latin typeface="Cambria Math" panose="02040503050406030204" pitchFamily="18" charset="0"/>
-                      </a:rPr>
-                      <m:t>⁡(</m:t>
-                    </m:r>
-                    <m:r>
-                      <a:rPr lang="en-US" i="1" dirty="0" smtClean="0">
-                        <a:latin typeface="Cambria Math" panose="02040503050406030204" pitchFamily="18" charset="0"/>
-                      </a:rPr>
-                      <m:t>𝑔</m:t>
-                    </m:r>
-                    <m:r>
-                      <a:rPr lang="en-US" i="1" dirty="0" smtClean="0">
-                        <a:latin typeface="Cambria Math" panose="02040503050406030204" pitchFamily="18" charset="0"/>
-                      </a:rPr>
-                      <m:t>)</m:t>
-                    </m:r>
-                  </m:oMath>
-                </a14:m>
-                <a:r>
-                  <a:rPr lang="en-US" dirty="0"/>
-                  <a:t>;</a:t>
-                </a:r>
-                <a:endParaRPr lang="ru-RU" dirty="0"/>
-              </a:p>
-              <a:p>
-                <a:pPr marL="285750" indent="-285750">
-                  <a:buFont typeface="Arial" panose="020B0604020202020204" pitchFamily="34" charset="0"/>
-                  <a:buChar char="•"/>
-                </a:pPr>
-                <a14:m>
-                  <m:oMath xmlns:m="http://schemas.openxmlformats.org/officeDocument/2006/math">
-                    <m:r>
-                      <a:rPr lang="ru-RU" i="1" dirty="0" smtClean="0">
-                        <a:latin typeface="Cambria Math" panose="02040503050406030204" pitchFamily="18" charset="0"/>
-                      </a:rPr>
-                      <m:t>если </m:t>
-                    </m:r>
-                    <m:r>
-                      <a:rPr lang="en-US" i="1" dirty="0" smtClean="0">
-                        <a:latin typeface="Cambria Math" panose="02040503050406030204" pitchFamily="18" charset="0"/>
-                      </a:rPr>
-                      <m:t>𝑓</m:t>
-                    </m:r>
-                    <m:r>
-                      <a:rPr lang="en-US" i="1" dirty="0" smtClean="0">
-                        <a:latin typeface="Cambria Math" panose="02040503050406030204" pitchFamily="18" charset="0"/>
-                        <a:ea typeface="Cambria Math" panose="02040503050406030204" pitchFamily="18" charset="0"/>
-                      </a:rPr>
-                      <m:t> ⋮</m:t>
-                    </m:r>
-                    <m:r>
-                      <a:rPr lang="en-US" i="1" dirty="0" smtClean="0">
-                        <a:latin typeface="Cambria Math" panose="02040503050406030204" pitchFamily="18" charset="0"/>
-                      </a:rPr>
-                      <m:t> </m:t>
-                    </m:r>
-                    <m:r>
-                      <a:rPr lang="en-US" i="1" dirty="0" smtClean="0">
-                        <a:latin typeface="Cambria Math" panose="02040503050406030204" pitchFamily="18" charset="0"/>
-                      </a:rPr>
-                      <m:t>𝑔</m:t>
-                    </m:r>
-                    <m:r>
-                      <a:rPr lang="en-US" i="1" dirty="0" smtClean="0">
-                        <a:latin typeface="Cambria Math" panose="02040503050406030204" pitchFamily="18" charset="0"/>
-                      </a:rPr>
-                      <m:t>,  </m:t>
-                    </m:r>
-                    <m:r>
-                      <m:rPr>
-                        <m:sty m:val="p"/>
-                      </m:rPr>
-                      <a:rPr lang="en-US" i="1" dirty="0" smtClean="0">
-                        <a:latin typeface="Cambria Math" panose="02040503050406030204" pitchFamily="18" charset="0"/>
-                      </a:rPr>
-                      <m:t>deg</m:t>
-                    </m:r>
-                    <m:r>
-                      <a:rPr lang="en-US" i="1" dirty="0" smtClean="0">
-                        <a:latin typeface="Cambria Math" panose="02040503050406030204" pitchFamily="18" charset="0"/>
-                      </a:rPr>
-                      <m:t>⁡(</m:t>
-                    </m:r>
-                    <m:r>
-                      <a:rPr lang="en-US" i="1" dirty="0" smtClean="0">
-                        <a:latin typeface="Cambria Math" panose="02040503050406030204" pitchFamily="18" charset="0"/>
-                      </a:rPr>
-                      <m:t>𝑓</m:t>
-                    </m:r>
-                    <m:r>
-                      <a:rPr lang="en-US" i="1" dirty="0" smtClean="0">
-                        <a:latin typeface="Cambria Math" panose="02040503050406030204" pitchFamily="18" charset="0"/>
-                      </a:rPr>
-                      <m:t>) = </m:t>
-                    </m:r>
-                    <m:r>
-                      <m:rPr>
-                        <m:sty m:val="p"/>
-                      </m:rPr>
-                      <a:rPr lang="en-US" i="1" dirty="0" smtClean="0">
-                        <a:latin typeface="Cambria Math" panose="02040503050406030204" pitchFamily="18" charset="0"/>
-                      </a:rPr>
-                      <m:t>deg</m:t>
-                    </m:r>
-                    <m:r>
-                      <a:rPr lang="en-US" i="1" dirty="0" smtClean="0">
-                        <a:latin typeface="Cambria Math" panose="02040503050406030204" pitchFamily="18" charset="0"/>
-                      </a:rPr>
-                      <m:t>⁡(</m:t>
-                    </m:r>
-                    <m:r>
-                      <a:rPr lang="en-US" i="1" dirty="0" smtClean="0">
-                        <a:latin typeface="Cambria Math" panose="02040503050406030204" pitchFamily="18" charset="0"/>
-                      </a:rPr>
-                      <m:t>𝑔</m:t>
-                    </m:r>
-                    <m:r>
-                      <a:rPr lang="en-US" i="1" dirty="0" smtClean="0">
-                        <a:latin typeface="Cambria Math" panose="02040503050406030204" pitchFamily="18" charset="0"/>
-                      </a:rPr>
-                      <m:t>) ⇒ </m:t>
-                    </m:r>
-                    <m:r>
-                      <a:rPr lang="en-US" i="1" dirty="0" smtClean="0">
-                        <a:latin typeface="Cambria Math" panose="02040503050406030204" pitchFamily="18" charset="0"/>
-                      </a:rPr>
-                      <m:t>𝑓</m:t>
-                    </m:r>
-                    <m:r>
-                      <a:rPr lang="en-US" i="1" dirty="0" smtClean="0">
-                        <a:latin typeface="Cambria Math" panose="02040503050406030204" pitchFamily="18" charset="0"/>
-                      </a:rPr>
-                      <m:t> ∼ </m:t>
-                    </m:r>
-                    <m:r>
-                      <a:rPr lang="en-US" i="1" dirty="0" smtClean="0">
-                        <a:latin typeface="Cambria Math" panose="02040503050406030204" pitchFamily="18" charset="0"/>
-                      </a:rPr>
-                      <m:t>𝑔</m:t>
-                    </m:r>
-                  </m:oMath>
-                </a14:m>
-                <a:r>
-                  <a:rPr lang="en-US" dirty="0"/>
-                  <a:t>.</a:t>
-                </a:r>
-                <a:endParaRPr lang="ru-RU" dirty="0"/>
-              </a:p>
-            </p:txBody>
-          </p:sp>
-        </mc:Choice>
-        <mc:Fallback xmlns="">
-          <p:sp>
-            <p:nvSpPr>
-              <p:cNvPr id="3" name="Текст 2">
-                <a:extLst>
-                  <a:ext uri="{FF2B5EF4-FFF2-40B4-BE49-F238E27FC236}">
-                    <a16:creationId xmlns:a16="http://schemas.microsoft.com/office/drawing/2014/main" id="{4471AA3C-69FE-CB50-FFE0-077391FA432F}"/>
-                  </a:ext>
-                </a:extLst>
-              </p:cNvPr>
-              <p:cNvSpPr>
-                <a:spLocks noGrp="1" noRot="1" noChangeAspect="1" noMove="1" noResize="1" noEditPoints="1" noAdjustHandles="1" noChangeArrowheads="1" noChangeShapeType="1" noTextEdit="1"/>
-              </p:cNvSpPr>
-              <p:nvPr>
-                <p:ph type="body" sz="quarter" idx="13"/>
-              </p:nvPr>
-            </p:nvSpPr>
-            <p:spPr>
-              <a:blipFill>
-                <a:blip r:embed="rId4"/>
-                <a:stretch>
-                  <a:fillRect l="-522" t="-1526"/>
-                </a:stretch>
-              </a:blipFill>
-            </p:spPr>
-            <p:txBody>
-              <a:bodyPr/>
-              <a:lstStyle/>
-              <a:p>
-                <a:r>
-                  <a:rPr lang="ru-RU">
-                    <a:noFill/>
-                  </a:rPr>
-                  <a:t> </a:t>
-                </a:r>
-              </a:p>
-            </p:txBody>
-          </p:sp>
-        </mc:Fallback>
-      </mc:AlternateContent>
       <p:pic>
         <p:nvPicPr>
           <p:cNvPr id="9" name="Рисунок 8">
@@ -20761,14 +24105,14 @@
           <p:nvPr/>
         </p:nvPicPr>
         <p:blipFill>
-          <a:blip r:embed="rId5"/>
+          <a:blip r:embed="rId7"/>
           <a:stretch>
             <a:fillRect/>
           </a:stretch>
         </p:blipFill>
         <p:spPr>
           <a:xfrm>
-            <a:off x="3431536" y="4106986"/>
+            <a:off x="3468860" y="4078993"/>
             <a:ext cx="1209675" cy="295275"/>
           </a:xfrm>
           <a:prstGeom prst="rect">
@@ -20778,10 +24122,10 @@
       </p:pic>
       <p:pic>
         <p:nvPicPr>
-          <p:cNvPr id="13" name="Рисунок 12">
+          <p:cNvPr id="6" name="Рисунок 5">
             <a:extLst>
               <a:ext uri="{FF2B5EF4-FFF2-40B4-BE49-F238E27FC236}">
-                <a16:creationId xmlns:a16="http://schemas.microsoft.com/office/drawing/2014/main" id="{40243927-8C96-400D-9841-EC6431A932E2}"/>
+                <a16:creationId xmlns:a16="http://schemas.microsoft.com/office/drawing/2014/main" id="{8C87E941-CB0A-156A-BFCB-FD93EF088845}"/>
               </a:ext>
             </a:extLst>
           </p:cNvPr>
@@ -20791,15 +24135,15 @@
           <p:nvPr/>
         </p:nvPicPr>
         <p:blipFill>
-          <a:blip r:embed="rId6"/>
+          <a:blip r:embed="rId8"/>
           <a:stretch>
             <a:fillRect/>
           </a:stretch>
         </p:blipFill>
         <p:spPr>
           <a:xfrm>
-            <a:off x="5745006" y="5311951"/>
-            <a:ext cx="6446993" cy="1195601"/>
+            <a:off x="5715000" y="5258172"/>
+            <a:ext cx="6477000" cy="1200150"/>
           </a:xfrm>
           <a:prstGeom prst="rect">
             <a:avLst/>
@@ -20836,6 +24180,459 @@
           <a:chExt cx="0" cy="0"/>
         </a:xfrm>
       </p:grpSpPr>
+      <mc:AlternateContent xmlns:mc="http://schemas.openxmlformats.org/markup-compatibility/2006" xmlns:a14="http://schemas.microsoft.com/office/drawing/2010/main">
+        <mc:Choice Requires="a14">
+          <p:sp>
+            <p:nvSpPr>
+              <p:cNvPr id="3" name="Текст 2">
+                <a:extLst>
+                  <a:ext uri="{FF2B5EF4-FFF2-40B4-BE49-F238E27FC236}">
+                    <a16:creationId xmlns:a16="http://schemas.microsoft.com/office/drawing/2014/main" id="{0980ED63-4796-4B52-8CF1-026FF2438770}"/>
+                  </a:ext>
+                </a:extLst>
+              </p:cNvPr>
+              <p:cNvSpPr>
+                <a:spLocks noGrp="1"/>
+              </p:cNvSpPr>
+              <p:nvPr>
+                <p:ph type="body" sz="quarter" idx="13"/>
+              </p:nvPr>
+            </p:nvSpPr>
+            <p:spPr/>
+            <p:txBody>
+              <a:bodyPr/>
+              <a:lstStyle/>
+              <a:p>
+                <a:r>
+                  <a:rPr lang="ru-RU" b="1" dirty="0"/>
+                  <a:t>Корнем многочлена </a:t>
+                </a:r>
+                <a:r>
+                  <a:rPr lang="ru-RU" dirty="0"/>
+                  <a:t>p(x) ∈ R[x] кратности m называется число </a:t>
+                </a:r>
+                <a14:m>
+                  <m:oMath xmlns:m="http://schemas.openxmlformats.org/officeDocument/2006/math">
+                    <m:sSub>
+                      <m:sSubPr>
+                        <m:ctrlPr>
+                          <a:rPr lang="ru-RU" i="1" dirty="0" smtClean="0">
+                            <a:latin typeface="Cambria Math" panose="02040503050406030204" pitchFamily="18" charset="0"/>
+                          </a:rPr>
+                        </m:ctrlPr>
+                      </m:sSubPr>
+                      <m:e>
+                        <m:r>
+                          <a:rPr lang="en-US" b="0" i="1" dirty="0" smtClean="0">
+                            <a:latin typeface="Cambria Math" panose="02040503050406030204" pitchFamily="18" charset="0"/>
+                          </a:rPr>
+                          <m:t>𝑥</m:t>
+                        </m:r>
+                      </m:e>
+                      <m:sub>
+                        <m:r>
+                          <a:rPr lang="en-US" b="0" i="1" dirty="0" smtClean="0">
+                            <a:latin typeface="Cambria Math" panose="02040503050406030204" pitchFamily="18" charset="0"/>
+                          </a:rPr>
+                          <m:t>0</m:t>
+                        </m:r>
+                      </m:sub>
+                    </m:sSub>
+                    <m:r>
+                      <a:rPr lang="ru-RU" i="1" dirty="0">
+                        <a:latin typeface="Cambria Math" panose="02040503050406030204" pitchFamily="18" charset="0"/>
+                      </a:rPr>
+                      <m:t> ∈ </m:t>
+                    </m:r>
+                    <m:r>
+                      <a:rPr lang="ru-RU" i="1" dirty="0">
+                        <a:latin typeface="Cambria Math" panose="02040503050406030204" pitchFamily="18" charset="0"/>
+                      </a:rPr>
+                      <m:t>𝑅</m:t>
+                    </m:r>
+                    <m:r>
+                      <a:rPr lang="ru-RU" i="1" dirty="0">
+                        <a:latin typeface="Cambria Math" panose="02040503050406030204" pitchFamily="18" charset="0"/>
+                      </a:rPr>
+                      <m:t> </m:t>
+                    </m:r>
+                  </m:oMath>
+                </a14:m>
+                <a:r>
+                  <a:rPr lang="ru-RU" dirty="0"/>
+                  <a:t>такое, что:</a:t>
+                </a:r>
+                <a:r>
+                  <a:rPr lang="en-US" sz="1800" dirty="0">
+                    <a:effectLst/>
+                    <a:latin typeface="Calibri" panose="020F0502020204030204" pitchFamily="34" charset="0"/>
+                    <a:ea typeface="Calibri" panose="020F0502020204030204" pitchFamily="34" charset="0"/>
+                    <a:cs typeface="Times New Roman" panose="02020603050405020304" pitchFamily="18" charset="0"/>
+                  </a:rPr>
+                  <a:t> </a:t>
+                </a:r>
+                <a:r>
+                  <a:rPr lang="ru-RU" sz="1800" dirty="0">
+                    <a:effectLst/>
+                    <a:latin typeface="Calibri" panose="020F0502020204030204" pitchFamily="34" charset="0"/>
+                    <a:ea typeface="Calibri" panose="020F0502020204030204" pitchFamily="34" charset="0"/>
+                    <a:cs typeface="Times New Roman" panose="02020603050405020304" pitchFamily="18" charset="0"/>
+                  </a:rPr>
+                  <a:t>      </a:t>
+                </a:r>
+                <a:r>
+                  <a:rPr lang="en-US" sz="1800" dirty="0">
+                    <a:effectLst/>
+                    <a:ea typeface="Calibri" panose="020F0502020204030204" pitchFamily="34" charset="0"/>
+                    <a:cs typeface="Times New Roman" panose="02020603050405020304" pitchFamily="18" charset="0"/>
+                  </a:rPr>
+                  <a:t>p</a:t>
+                </a:r>
+                <a:r>
+                  <a:rPr lang="ru-RU" sz="1800" dirty="0">
+                    <a:effectLst/>
+                    <a:ea typeface="Calibri" panose="020F0502020204030204" pitchFamily="34" charset="0"/>
+                    <a:cs typeface="Times New Roman" panose="02020603050405020304" pitchFamily="18" charset="0"/>
+                  </a:rPr>
+                  <a:t>(</a:t>
+                </a:r>
+                <a:r>
+                  <a:rPr lang="en-US" sz="1800" dirty="0">
+                    <a:effectLst/>
+                    <a:ea typeface="Calibri" panose="020F0502020204030204" pitchFamily="34" charset="0"/>
+                    <a:cs typeface="Times New Roman" panose="02020603050405020304" pitchFamily="18" charset="0"/>
+                  </a:rPr>
+                  <a:t>x</a:t>
+                </a:r>
+                <a:r>
+                  <a:rPr lang="ru-RU" sz="1800" dirty="0">
+                    <a:effectLst/>
+                    <a:ea typeface="Calibri" panose="020F0502020204030204" pitchFamily="34" charset="0"/>
+                    <a:cs typeface="Times New Roman" panose="02020603050405020304" pitchFamily="18" charset="0"/>
+                  </a:rPr>
+                  <a:t>) ⋮ (</a:t>
+                </a:r>
+                <a:r>
+                  <a:rPr lang="en-US" sz="1800" dirty="0">
+                    <a:effectLst/>
+                    <a:ea typeface="Calibri" panose="020F0502020204030204" pitchFamily="34" charset="0"/>
+                    <a:cs typeface="Times New Roman" panose="02020603050405020304" pitchFamily="18" charset="0"/>
+                  </a:rPr>
+                  <a:t>x </a:t>
+                </a:r>
+                <a:r>
+                  <a:rPr lang="ru-RU" sz="1800" dirty="0">
+                    <a:effectLst/>
+                    <a:ea typeface="Calibri" panose="020F0502020204030204" pitchFamily="34" charset="0"/>
+                    <a:cs typeface="Times New Roman" panose="02020603050405020304" pitchFamily="18" charset="0"/>
+                  </a:rPr>
+                  <a:t>– </a:t>
+                </a:r>
+                <a:r>
+                  <a:rPr lang="en-US" sz="1800" dirty="0">
+                    <a:effectLst/>
+                    <a:ea typeface="Calibri" panose="020F0502020204030204" pitchFamily="34" charset="0"/>
+                    <a:cs typeface="Times New Roman" panose="02020603050405020304" pitchFamily="18" charset="0"/>
+                  </a:rPr>
+                  <a:t>x</a:t>
+                </a:r>
+                <a:r>
+                  <a:rPr lang="ru-RU" sz="1800" baseline="-25000" dirty="0">
+                    <a:effectLst/>
+                    <a:ea typeface="Calibri" panose="020F0502020204030204" pitchFamily="34" charset="0"/>
+                    <a:cs typeface="Times New Roman" panose="02020603050405020304" pitchFamily="18" charset="0"/>
+                  </a:rPr>
+                  <a:t>0</a:t>
+                </a:r>
+                <a:r>
+                  <a:rPr lang="ru-RU" sz="1800" dirty="0">
+                    <a:effectLst/>
+                    <a:ea typeface="Calibri" panose="020F0502020204030204" pitchFamily="34" charset="0"/>
+                    <a:cs typeface="Times New Roman" panose="02020603050405020304" pitchFamily="18" charset="0"/>
+                  </a:rPr>
+                  <a:t>)</a:t>
+                </a:r>
+                <a:r>
+                  <a:rPr lang="en-US" sz="1800" baseline="30000" dirty="0">
+                    <a:effectLst/>
+                    <a:ea typeface="Calibri" panose="020F0502020204030204" pitchFamily="34" charset="0"/>
+                    <a:cs typeface="Times New Roman" panose="02020603050405020304" pitchFamily="18" charset="0"/>
+                  </a:rPr>
+                  <a:t>m</a:t>
+                </a:r>
+                <a:r>
+                  <a:rPr lang="ru-RU" dirty="0"/>
+                  <a:t>, p(x)  </a:t>
+                </a:r>
+                <a:r>
+                  <a:rPr lang="ru-RU" sz="1800" dirty="0">
+                    <a:effectLst/>
+                    <a:ea typeface="Calibri" panose="020F0502020204030204" pitchFamily="34" charset="0"/>
+                    <a:cs typeface="Times New Roman" panose="02020603050405020304" pitchFamily="18" charset="0"/>
+                  </a:rPr>
+                  <a:t>(</a:t>
+                </a:r>
+                <a:r>
+                  <a:rPr lang="en-US" sz="1800" dirty="0">
+                    <a:effectLst/>
+                    <a:ea typeface="Calibri" panose="020F0502020204030204" pitchFamily="34" charset="0"/>
+                    <a:cs typeface="Times New Roman" panose="02020603050405020304" pitchFamily="18" charset="0"/>
+                  </a:rPr>
+                  <a:t>x </a:t>
+                </a:r>
+                <a:r>
+                  <a:rPr lang="ru-RU" sz="1800" dirty="0">
+                    <a:effectLst/>
+                    <a:ea typeface="Calibri" panose="020F0502020204030204" pitchFamily="34" charset="0"/>
+                    <a:cs typeface="Times New Roman" panose="02020603050405020304" pitchFamily="18" charset="0"/>
+                  </a:rPr>
+                  <a:t>– </a:t>
+                </a:r>
+                <a:r>
+                  <a:rPr lang="en-US" sz="1800" dirty="0">
+                    <a:effectLst/>
+                    <a:ea typeface="Calibri" panose="020F0502020204030204" pitchFamily="34" charset="0"/>
+                    <a:cs typeface="Times New Roman" panose="02020603050405020304" pitchFamily="18" charset="0"/>
+                  </a:rPr>
+                  <a:t>x</a:t>
+                </a:r>
+                <a:r>
+                  <a:rPr lang="ru-RU" sz="1800" baseline="-25000" dirty="0">
+                    <a:effectLst/>
+                    <a:ea typeface="Calibri" panose="020F0502020204030204" pitchFamily="34" charset="0"/>
+                    <a:cs typeface="Times New Roman" panose="02020603050405020304" pitchFamily="18" charset="0"/>
+                  </a:rPr>
+                  <a:t>0</a:t>
+                </a:r>
+                <a:r>
+                  <a:rPr lang="ru-RU" sz="1800" dirty="0">
+                    <a:effectLst/>
+                    <a:ea typeface="Calibri" panose="020F0502020204030204" pitchFamily="34" charset="0"/>
+                    <a:cs typeface="Times New Roman" panose="02020603050405020304" pitchFamily="18" charset="0"/>
+                  </a:rPr>
+                  <a:t>)</a:t>
+                </a:r>
+                <a:r>
+                  <a:rPr lang="en-US" sz="1800" baseline="30000" dirty="0">
+                    <a:effectLst/>
+                    <a:ea typeface="Calibri" panose="020F0502020204030204" pitchFamily="34" charset="0"/>
+                    <a:cs typeface="Times New Roman" panose="02020603050405020304" pitchFamily="18" charset="0"/>
+                  </a:rPr>
+                  <a:t>m</a:t>
+                </a:r>
+                <a:r>
+                  <a:rPr lang="ru-RU" sz="1800" baseline="30000" dirty="0">
+                    <a:effectLst/>
+                    <a:ea typeface="Calibri" panose="020F0502020204030204" pitchFamily="34" charset="0"/>
+                    <a:cs typeface="Times New Roman" panose="02020603050405020304" pitchFamily="18" charset="0"/>
+                  </a:rPr>
+                  <a:t> + 1</a:t>
+                </a:r>
+                <a:r>
+                  <a:rPr lang="ru-RU" sz="1800" dirty="0">
+                    <a:effectLst/>
+                    <a:latin typeface="Calibri" panose="020F0502020204030204" pitchFamily="34" charset="0"/>
+                    <a:ea typeface="Calibri" panose="020F0502020204030204" pitchFamily="34" charset="0"/>
+                    <a:cs typeface="Times New Roman" panose="02020603050405020304" pitchFamily="18" charset="0"/>
+                  </a:rPr>
+                  <a:t> </a:t>
+                </a:r>
+                <a:endParaRPr lang="en-US" sz="1800" dirty="0">
+                  <a:effectLst/>
+                  <a:latin typeface="Calibri" panose="020F0502020204030204" pitchFamily="34" charset="0"/>
+                  <a:ea typeface="Calibri" panose="020F0502020204030204" pitchFamily="34" charset="0"/>
+                  <a:cs typeface="Times New Roman" panose="02020603050405020304" pitchFamily="18" charset="0"/>
+                </a:endParaRPr>
+              </a:p>
+              <a:p>
+                <a:endParaRPr lang="ru-RU" sz="1800" dirty="0">
+                  <a:effectLst/>
+                  <a:latin typeface="Calibri" panose="020F0502020204030204" pitchFamily="34" charset="0"/>
+                  <a:ea typeface="Calibri" panose="020F0502020204030204" pitchFamily="34" charset="0"/>
+                  <a:cs typeface="Times New Roman" panose="02020603050405020304" pitchFamily="18" charset="0"/>
+                </a:endParaRPr>
+              </a:p>
+              <a:p>
+                <a:r>
+                  <a:rPr lang="ru-RU" sz="1800" b="1" dirty="0">
+                    <a:effectLst/>
+                    <a:ea typeface="Calibri" panose="020F0502020204030204" pitchFamily="34" charset="0"/>
+                    <a:cs typeface="Times New Roman" panose="02020603050405020304" pitchFamily="18" charset="0"/>
+                  </a:rPr>
+                  <a:t>Теорема </a:t>
+                </a:r>
+                <a:r>
+                  <a:rPr lang="ru-RU" sz="1800" dirty="0">
+                    <a:effectLst/>
+                    <a:ea typeface="Calibri" panose="020F0502020204030204" pitchFamily="34" charset="0"/>
+                    <a:cs typeface="Times New Roman" panose="02020603050405020304" pitchFamily="18" charset="0"/>
+                  </a:rPr>
+                  <a:t>(Безу)</a:t>
+                </a:r>
+                <a:r>
+                  <a:rPr lang="ru-RU" b="1" dirty="0">
+                    <a:ea typeface="Calibri" panose="020F0502020204030204" pitchFamily="34" charset="0"/>
+                    <a:cs typeface="Times New Roman" panose="02020603050405020304" pitchFamily="18" charset="0"/>
+                  </a:rPr>
+                  <a:t> </a:t>
+                </a:r>
+                <a:r>
+                  <a:rPr lang="ru-RU" sz="1800" dirty="0">
+                    <a:effectLst/>
+                    <a:ea typeface="Calibri" panose="020F0502020204030204" pitchFamily="34" charset="0"/>
+                    <a:cs typeface="Times New Roman" panose="02020603050405020304" pitchFamily="18" charset="0"/>
+                  </a:rPr>
+                  <a:t>Остаток от деления </a:t>
+                </a:r>
+                <a:r>
+                  <a:rPr lang="en-US" sz="1800" dirty="0">
+                    <a:effectLst/>
+                    <a:ea typeface="Calibri" panose="020F0502020204030204" pitchFamily="34" charset="0"/>
+                    <a:cs typeface="Times New Roman" panose="02020603050405020304" pitchFamily="18" charset="0"/>
+                  </a:rPr>
+                  <a:t>p</a:t>
+                </a:r>
+                <a:r>
+                  <a:rPr lang="ru-RU" sz="1800" dirty="0">
+                    <a:effectLst/>
+                    <a:ea typeface="Calibri" panose="020F0502020204030204" pitchFamily="34" charset="0"/>
+                    <a:cs typeface="Times New Roman" panose="02020603050405020304" pitchFamily="18" charset="0"/>
+                  </a:rPr>
+                  <a:t>(</a:t>
+                </a:r>
+                <a:r>
+                  <a:rPr lang="en-US" sz="1800" dirty="0">
+                    <a:effectLst/>
+                    <a:ea typeface="Calibri" panose="020F0502020204030204" pitchFamily="34" charset="0"/>
+                    <a:cs typeface="Times New Roman" panose="02020603050405020304" pitchFamily="18" charset="0"/>
+                  </a:rPr>
+                  <a:t>x</a:t>
+                </a:r>
+                <a:r>
+                  <a:rPr lang="ru-RU" sz="1800" dirty="0">
+                    <a:effectLst/>
+                    <a:ea typeface="Calibri" panose="020F0502020204030204" pitchFamily="34" charset="0"/>
+                    <a:cs typeface="Times New Roman" panose="02020603050405020304" pitchFamily="18" charset="0"/>
+                  </a:rPr>
+                  <a:t>) </a:t>
+                </a:r>
+                <a:r>
+                  <a:rPr lang="ru-RU" dirty="0"/>
+                  <a:t>∈ R[x] </a:t>
+                </a:r>
+                <a:r>
+                  <a:rPr lang="ru-RU" sz="1800" dirty="0">
+                    <a:effectLst/>
+                    <a:ea typeface="Calibri" panose="020F0502020204030204" pitchFamily="34" charset="0"/>
+                    <a:cs typeface="Times New Roman" panose="02020603050405020304" pitchFamily="18" charset="0"/>
+                  </a:rPr>
+                  <a:t>на (x – x</a:t>
+                </a:r>
+                <a:r>
+                  <a:rPr lang="ru-RU" sz="1800" baseline="-25000" dirty="0">
+                    <a:effectLst/>
+                    <a:ea typeface="Calibri" panose="020F0502020204030204" pitchFamily="34" charset="0"/>
+                    <a:cs typeface="Times New Roman" panose="02020603050405020304" pitchFamily="18" charset="0"/>
+                  </a:rPr>
+                  <a:t>0</a:t>
+                </a:r>
+                <a:r>
+                  <a:rPr lang="ru-RU" sz="1800" dirty="0">
+                    <a:effectLst/>
+                    <a:ea typeface="Calibri" panose="020F0502020204030204" pitchFamily="34" charset="0"/>
+                    <a:cs typeface="Times New Roman" panose="02020603050405020304" pitchFamily="18" charset="0"/>
+                  </a:rPr>
+                  <a:t>) равен </a:t>
+                </a:r>
+                <a:r>
+                  <a:rPr lang="en-US" sz="1800" dirty="0">
+                    <a:effectLst/>
+                    <a:ea typeface="Calibri" panose="020F0502020204030204" pitchFamily="34" charset="0"/>
+                    <a:cs typeface="Times New Roman" panose="02020603050405020304" pitchFamily="18" charset="0"/>
+                  </a:rPr>
+                  <a:t>p</a:t>
+                </a:r>
+                <a:r>
+                  <a:rPr lang="ru-RU" sz="1800" dirty="0">
+                    <a:effectLst/>
+                    <a:ea typeface="Calibri" panose="020F0502020204030204" pitchFamily="34" charset="0"/>
+                    <a:cs typeface="Times New Roman" panose="02020603050405020304" pitchFamily="18" charset="0"/>
+                  </a:rPr>
+                  <a:t>(</a:t>
+                </a:r>
+                <a:r>
+                  <a:rPr lang="en-US" sz="1800" dirty="0">
+                    <a:effectLst/>
+                    <a:ea typeface="Calibri" panose="020F0502020204030204" pitchFamily="34" charset="0"/>
+                    <a:cs typeface="Times New Roman" panose="02020603050405020304" pitchFamily="18" charset="0"/>
+                  </a:rPr>
+                  <a:t>x</a:t>
+                </a:r>
+                <a:r>
+                  <a:rPr lang="ru-RU" sz="1800" baseline="-25000" dirty="0">
+                    <a:effectLst/>
+                    <a:ea typeface="Calibri" panose="020F0502020204030204" pitchFamily="34" charset="0"/>
+                    <a:cs typeface="Times New Roman" panose="02020603050405020304" pitchFamily="18" charset="0"/>
+                  </a:rPr>
+                  <a:t>0</a:t>
+                </a:r>
+                <a:r>
+                  <a:rPr lang="ru-RU" sz="1800" dirty="0">
+                    <a:effectLst/>
+                    <a:ea typeface="Calibri" panose="020F0502020204030204" pitchFamily="34" charset="0"/>
+                    <a:cs typeface="Times New Roman" panose="02020603050405020304" pitchFamily="18" charset="0"/>
+                  </a:rPr>
+                  <a:t>).</a:t>
+                </a:r>
+                <a:endParaRPr lang="ru-RU" sz="1800" b="1" dirty="0">
+                  <a:effectLst/>
+                  <a:ea typeface="Calibri" panose="020F0502020204030204" pitchFamily="34" charset="0"/>
+                  <a:cs typeface="Times New Roman" panose="02020603050405020304" pitchFamily="18" charset="0"/>
+                </a:endParaRPr>
+              </a:p>
+            </p:txBody>
+          </p:sp>
+        </mc:Choice>
+        <mc:Fallback xmlns="">
+          <p:sp>
+            <p:nvSpPr>
+              <p:cNvPr id="3" name="Текст 2">
+                <a:extLst>
+                  <a:ext uri="{FF2B5EF4-FFF2-40B4-BE49-F238E27FC236}">
+                    <a16:creationId xmlns:a16="http://schemas.microsoft.com/office/drawing/2014/main" id="{0980ED63-4796-4B52-8CF1-026FF2438770}"/>
+                  </a:ext>
+                </a:extLst>
+              </p:cNvPr>
+              <p:cNvSpPr>
+                <a:spLocks noGrp="1" noRot="1" noChangeAspect="1" noMove="1" noResize="1" noEditPoints="1" noAdjustHandles="1" noChangeArrowheads="1" noChangeShapeType="1" noTextEdit="1"/>
+              </p:cNvSpPr>
+              <p:nvPr>
+                <p:ph type="body" sz="quarter" idx="13"/>
+              </p:nvPr>
+            </p:nvSpPr>
+            <p:spPr>
+              <a:blipFill>
+                <a:blip r:embed="rId2"/>
+                <a:stretch>
+                  <a:fillRect l="-522" t="-1291"/>
+                </a:stretch>
+              </a:blipFill>
+            </p:spPr>
+            <p:txBody>
+              <a:bodyPr/>
+              <a:lstStyle/>
+              <a:p>
+                <a:r>
+                  <a:rPr lang="ru-RU">
+                    <a:noFill/>
+                  </a:rPr>
+                  <a:t> </a:t>
+                </a:r>
+              </a:p>
+            </p:txBody>
+          </p:sp>
+        </mc:Fallback>
+      </mc:AlternateContent>
       <p:pic>
         <p:nvPicPr>
           <p:cNvPr id="4" name="Рисунок 3">
@@ -20849,7 +24646,7 @@
           <p:nvPr/>
         </p:nvPicPr>
         <p:blipFill>
-          <a:blip r:embed="rId2" cstate="print">
+          <a:blip r:embed="rId3" cstate="print">
             <a:extLst>
               <a:ext uri="{28A0092B-C50C-407E-A947-70E740481C1C}">
                 <a14:useLocalDpi xmlns:a14="http://schemas.microsoft.com/office/drawing/2010/main" val="0"/>
@@ -20917,359 +24714,6 @@
           </a:p>
         </p:txBody>
       </p:sp>
-      <p:sp>
-        <p:nvSpPr>
-          <p:cNvPr id="3" name="Текст 2">
-            <a:extLst>
-              <a:ext uri="{FF2B5EF4-FFF2-40B4-BE49-F238E27FC236}">
-                <a16:creationId xmlns:a16="http://schemas.microsoft.com/office/drawing/2014/main" id="{0980ED63-4796-4B52-8CF1-026FF2438770}"/>
-              </a:ext>
-            </a:extLst>
-          </p:cNvPr>
-          <p:cNvSpPr>
-            <a:spLocks noGrp="1"/>
-          </p:cNvSpPr>
-          <p:nvPr>
-            <p:ph type="body" sz="quarter" idx="13"/>
-          </p:nvPr>
-        </p:nvSpPr>
-        <p:spPr/>
-        <p:txBody>
-          <a:bodyPr/>
-          <a:lstStyle/>
-          <a:p>
-            <a:r>
-              <a:rPr lang="ru-RU" b="1" dirty="0"/>
-              <a:t>Корнем многочлена </a:t>
-            </a:r>
-            <a:r>
-              <a:rPr lang="ru-RU" dirty="0"/>
-              <a:t>p(x) ∈ R[x] кратности m называется число </a:t>
-            </a:r>
-            <a:r>
-              <a:rPr lang="ru-RU" dirty="0" err="1"/>
-              <a:t>xo</a:t>
-            </a:r>
-            <a:r>
-              <a:rPr lang="ru-RU" dirty="0"/>
-              <a:t> ∈ R такое, что:</a:t>
-            </a:r>
-            <a:r>
-              <a:rPr lang="en-US" sz="1800" dirty="0">
-                <a:effectLst/>
-                <a:latin typeface="Calibri" panose="020F0502020204030204" pitchFamily="34" charset="0"/>
-                <a:ea typeface="Calibri" panose="020F0502020204030204" pitchFamily="34" charset="0"/>
-                <a:cs typeface="Times New Roman" panose="02020603050405020304" pitchFamily="18" charset="0"/>
-              </a:rPr>
-              <a:t> </a:t>
-            </a:r>
-            <a:r>
-              <a:rPr lang="ru-RU" sz="1800" dirty="0">
-                <a:effectLst/>
-                <a:latin typeface="Calibri" panose="020F0502020204030204" pitchFamily="34" charset="0"/>
-                <a:ea typeface="Calibri" panose="020F0502020204030204" pitchFamily="34" charset="0"/>
-                <a:cs typeface="Times New Roman" panose="02020603050405020304" pitchFamily="18" charset="0"/>
-              </a:rPr>
-              <a:t>      </a:t>
-            </a:r>
-            <a:r>
-              <a:rPr lang="en-US" sz="1800" dirty="0">
-                <a:effectLst/>
-                <a:ea typeface="Calibri" panose="020F0502020204030204" pitchFamily="34" charset="0"/>
-                <a:cs typeface="Times New Roman" panose="02020603050405020304" pitchFamily="18" charset="0"/>
-              </a:rPr>
-              <a:t>p</a:t>
-            </a:r>
-            <a:r>
-              <a:rPr lang="ru-RU" sz="1800" dirty="0">
-                <a:effectLst/>
-                <a:ea typeface="Calibri" panose="020F0502020204030204" pitchFamily="34" charset="0"/>
-                <a:cs typeface="Times New Roman" panose="02020603050405020304" pitchFamily="18" charset="0"/>
-              </a:rPr>
-              <a:t>(</a:t>
-            </a:r>
-            <a:r>
-              <a:rPr lang="en-US" sz="1800" dirty="0">
-                <a:effectLst/>
-                <a:ea typeface="Calibri" panose="020F0502020204030204" pitchFamily="34" charset="0"/>
-                <a:cs typeface="Times New Roman" panose="02020603050405020304" pitchFamily="18" charset="0"/>
-              </a:rPr>
-              <a:t>x</a:t>
-            </a:r>
-            <a:r>
-              <a:rPr lang="ru-RU" sz="1800" dirty="0">
-                <a:effectLst/>
-                <a:ea typeface="Calibri" panose="020F0502020204030204" pitchFamily="34" charset="0"/>
-                <a:cs typeface="Times New Roman" panose="02020603050405020304" pitchFamily="18" charset="0"/>
-              </a:rPr>
-              <a:t>) ⋮ (</a:t>
-            </a:r>
-            <a:r>
-              <a:rPr lang="en-US" sz="1800" dirty="0">
-                <a:effectLst/>
-                <a:ea typeface="Calibri" panose="020F0502020204030204" pitchFamily="34" charset="0"/>
-                <a:cs typeface="Times New Roman" panose="02020603050405020304" pitchFamily="18" charset="0"/>
-              </a:rPr>
-              <a:t>x </a:t>
-            </a:r>
-            <a:r>
-              <a:rPr lang="ru-RU" sz="1800" dirty="0">
-                <a:effectLst/>
-                <a:ea typeface="Calibri" panose="020F0502020204030204" pitchFamily="34" charset="0"/>
-                <a:cs typeface="Times New Roman" panose="02020603050405020304" pitchFamily="18" charset="0"/>
-              </a:rPr>
-              <a:t>– </a:t>
-            </a:r>
-            <a:r>
-              <a:rPr lang="en-US" sz="1800" dirty="0">
-                <a:effectLst/>
-                <a:ea typeface="Calibri" panose="020F0502020204030204" pitchFamily="34" charset="0"/>
-                <a:cs typeface="Times New Roman" panose="02020603050405020304" pitchFamily="18" charset="0"/>
-              </a:rPr>
-              <a:t>x</a:t>
-            </a:r>
-            <a:r>
-              <a:rPr lang="ru-RU" sz="1800" baseline="-25000" dirty="0">
-                <a:effectLst/>
-                <a:ea typeface="Calibri" panose="020F0502020204030204" pitchFamily="34" charset="0"/>
-                <a:cs typeface="Times New Roman" panose="02020603050405020304" pitchFamily="18" charset="0"/>
-              </a:rPr>
-              <a:t>0</a:t>
-            </a:r>
-            <a:r>
-              <a:rPr lang="ru-RU" sz="1800" dirty="0">
-                <a:effectLst/>
-                <a:ea typeface="Calibri" panose="020F0502020204030204" pitchFamily="34" charset="0"/>
-                <a:cs typeface="Times New Roman" panose="02020603050405020304" pitchFamily="18" charset="0"/>
-              </a:rPr>
-              <a:t>)</a:t>
-            </a:r>
-            <a:r>
-              <a:rPr lang="en-US" sz="1800" baseline="30000" dirty="0">
-                <a:effectLst/>
-                <a:ea typeface="Calibri" panose="020F0502020204030204" pitchFamily="34" charset="0"/>
-                <a:cs typeface="Times New Roman" panose="02020603050405020304" pitchFamily="18" charset="0"/>
-              </a:rPr>
-              <a:t>m</a:t>
-            </a:r>
-            <a:r>
-              <a:rPr lang="ru-RU" dirty="0"/>
-              <a:t>, p(x)  </a:t>
-            </a:r>
-            <a:r>
-              <a:rPr lang="ru-RU" sz="1800" dirty="0">
-                <a:effectLst/>
-                <a:ea typeface="Calibri" panose="020F0502020204030204" pitchFamily="34" charset="0"/>
-                <a:cs typeface="Times New Roman" panose="02020603050405020304" pitchFamily="18" charset="0"/>
-              </a:rPr>
-              <a:t>(</a:t>
-            </a:r>
-            <a:r>
-              <a:rPr lang="en-US" sz="1800" dirty="0">
-                <a:effectLst/>
-                <a:ea typeface="Calibri" panose="020F0502020204030204" pitchFamily="34" charset="0"/>
-                <a:cs typeface="Times New Roman" panose="02020603050405020304" pitchFamily="18" charset="0"/>
-              </a:rPr>
-              <a:t>x </a:t>
-            </a:r>
-            <a:r>
-              <a:rPr lang="ru-RU" sz="1800" dirty="0">
-                <a:effectLst/>
-                <a:ea typeface="Calibri" panose="020F0502020204030204" pitchFamily="34" charset="0"/>
-                <a:cs typeface="Times New Roman" panose="02020603050405020304" pitchFamily="18" charset="0"/>
-              </a:rPr>
-              <a:t>– </a:t>
-            </a:r>
-            <a:r>
-              <a:rPr lang="en-US" sz="1800" dirty="0">
-                <a:effectLst/>
-                <a:ea typeface="Calibri" panose="020F0502020204030204" pitchFamily="34" charset="0"/>
-                <a:cs typeface="Times New Roman" panose="02020603050405020304" pitchFamily="18" charset="0"/>
-              </a:rPr>
-              <a:t>x</a:t>
-            </a:r>
-            <a:r>
-              <a:rPr lang="ru-RU" sz="1800" baseline="-25000" dirty="0">
-                <a:effectLst/>
-                <a:ea typeface="Calibri" panose="020F0502020204030204" pitchFamily="34" charset="0"/>
-                <a:cs typeface="Times New Roman" panose="02020603050405020304" pitchFamily="18" charset="0"/>
-              </a:rPr>
-              <a:t>0</a:t>
-            </a:r>
-            <a:r>
-              <a:rPr lang="ru-RU" sz="1800" dirty="0">
-                <a:effectLst/>
-                <a:ea typeface="Calibri" panose="020F0502020204030204" pitchFamily="34" charset="0"/>
-                <a:cs typeface="Times New Roman" panose="02020603050405020304" pitchFamily="18" charset="0"/>
-              </a:rPr>
-              <a:t>)</a:t>
-            </a:r>
-            <a:r>
-              <a:rPr lang="en-US" sz="1800" baseline="30000" dirty="0">
-                <a:effectLst/>
-                <a:ea typeface="Calibri" panose="020F0502020204030204" pitchFamily="34" charset="0"/>
-                <a:cs typeface="Times New Roman" panose="02020603050405020304" pitchFamily="18" charset="0"/>
-              </a:rPr>
-              <a:t>m</a:t>
-            </a:r>
-            <a:r>
-              <a:rPr lang="ru-RU" sz="1800" baseline="30000" dirty="0">
-                <a:effectLst/>
-                <a:ea typeface="Calibri" panose="020F0502020204030204" pitchFamily="34" charset="0"/>
-                <a:cs typeface="Times New Roman" panose="02020603050405020304" pitchFamily="18" charset="0"/>
-              </a:rPr>
-              <a:t> + 1</a:t>
-            </a:r>
-            <a:r>
-              <a:rPr lang="ru-RU" sz="1800" dirty="0">
-                <a:effectLst/>
-                <a:latin typeface="Calibri" panose="020F0502020204030204" pitchFamily="34" charset="0"/>
-                <a:ea typeface="Calibri" panose="020F0502020204030204" pitchFamily="34" charset="0"/>
-                <a:cs typeface="Times New Roman" panose="02020603050405020304" pitchFamily="18" charset="0"/>
-              </a:rPr>
-              <a:t> </a:t>
-            </a:r>
-          </a:p>
-          <a:p>
-            <a:r>
-              <a:rPr lang="ru-RU" sz="1800" b="1" dirty="0">
-                <a:effectLst/>
-                <a:ea typeface="Calibri" panose="020F0502020204030204" pitchFamily="34" charset="0"/>
-                <a:cs typeface="Times New Roman" panose="02020603050405020304" pitchFamily="18" charset="0"/>
-              </a:rPr>
-              <a:t>Теорема </a:t>
-            </a:r>
-            <a:r>
-              <a:rPr lang="ru-RU" sz="1800" dirty="0">
-                <a:effectLst/>
-                <a:ea typeface="Calibri" panose="020F0502020204030204" pitchFamily="34" charset="0"/>
-                <a:cs typeface="Times New Roman" panose="02020603050405020304" pitchFamily="18" charset="0"/>
-              </a:rPr>
-              <a:t>(Безу)</a:t>
-            </a:r>
-            <a:r>
-              <a:rPr lang="ru-RU" b="1" dirty="0">
-                <a:ea typeface="Calibri" panose="020F0502020204030204" pitchFamily="34" charset="0"/>
-                <a:cs typeface="Times New Roman" panose="02020603050405020304" pitchFamily="18" charset="0"/>
-              </a:rPr>
-              <a:t> </a:t>
-            </a:r>
-            <a:r>
-              <a:rPr lang="ru-RU" sz="1800" dirty="0">
-                <a:effectLst/>
-                <a:ea typeface="Calibri" panose="020F0502020204030204" pitchFamily="34" charset="0"/>
-                <a:cs typeface="Times New Roman" panose="02020603050405020304" pitchFamily="18" charset="0"/>
-              </a:rPr>
-              <a:t>Остаток от деления </a:t>
-            </a:r>
-            <a:r>
-              <a:rPr lang="en-US" sz="1800" dirty="0">
-                <a:effectLst/>
-                <a:ea typeface="Calibri" panose="020F0502020204030204" pitchFamily="34" charset="0"/>
-                <a:cs typeface="Times New Roman" panose="02020603050405020304" pitchFamily="18" charset="0"/>
-              </a:rPr>
-              <a:t>p</a:t>
-            </a:r>
-            <a:r>
-              <a:rPr lang="ru-RU" sz="1800" dirty="0">
-                <a:effectLst/>
-                <a:ea typeface="Calibri" panose="020F0502020204030204" pitchFamily="34" charset="0"/>
-                <a:cs typeface="Times New Roman" panose="02020603050405020304" pitchFamily="18" charset="0"/>
-              </a:rPr>
-              <a:t>(</a:t>
-            </a:r>
-            <a:r>
-              <a:rPr lang="en-US" sz="1800" dirty="0">
-                <a:effectLst/>
-                <a:ea typeface="Calibri" panose="020F0502020204030204" pitchFamily="34" charset="0"/>
-                <a:cs typeface="Times New Roman" panose="02020603050405020304" pitchFamily="18" charset="0"/>
-              </a:rPr>
-              <a:t>x</a:t>
-            </a:r>
-            <a:r>
-              <a:rPr lang="ru-RU" sz="1800" dirty="0">
-                <a:effectLst/>
-                <a:ea typeface="Calibri" panose="020F0502020204030204" pitchFamily="34" charset="0"/>
-                <a:cs typeface="Times New Roman" panose="02020603050405020304" pitchFamily="18" charset="0"/>
-              </a:rPr>
-              <a:t>) </a:t>
-            </a:r>
-            <a:r>
-              <a:rPr lang="ru-RU" dirty="0"/>
-              <a:t>∈ R[x] </a:t>
-            </a:r>
-            <a:r>
-              <a:rPr lang="ru-RU" sz="1800" dirty="0">
-                <a:effectLst/>
-                <a:ea typeface="Calibri" panose="020F0502020204030204" pitchFamily="34" charset="0"/>
-                <a:cs typeface="Times New Roman" panose="02020603050405020304" pitchFamily="18" charset="0"/>
-              </a:rPr>
-              <a:t>на (x – x</a:t>
-            </a:r>
-            <a:r>
-              <a:rPr lang="ru-RU" sz="1800" baseline="-25000" dirty="0">
-                <a:effectLst/>
-                <a:ea typeface="Calibri" panose="020F0502020204030204" pitchFamily="34" charset="0"/>
-                <a:cs typeface="Times New Roman" panose="02020603050405020304" pitchFamily="18" charset="0"/>
-              </a:rPr>
-              <a:t>0</a:t>
-            </a:r>
-            <a:r>
-              <a:rPr lang="ru-RU" sz="1800" dirty="0">
-                <a:effectLst/>
-                <a:ea typeface="Calibri" panose="020F0502020204030204" pitchFamily="34" charset="0"/>
-                <a:cs typeface="Times New Roman" panose="02020603050405020304" pitchFamily="18" charset="0"/>
-              </a:rPr>
-              <a:t>) равен </a:t>
-            </a:r>
-            <a:r>
-              <a:rPr lang="en-US" sz="1800" dirty="0">
-                <a:effectLst/>
-                <a:ea typeface="Calibri" panose="020F0502020204030204" pitchFamily="34" charset="0"/>
-                <a:cs typeface="Times New Roman" panose="02020603050405020304" pitchFamily="18" charset="0"/>
-              </a:rPr>
-              <a:t>p</a:t>
-            </a:r>
-            <a:r>
-              <a:rPr lang="ru-RU" sz="1800" dirty="0">
-                <a:effectLst/>
-                <a:ea typeface="Calibri" panose="020F0502020204030204" pitchFamily="34" charset="0"/>
-                <a:cs typeface="Times New Roman" panose="02020603050405020304" pitchFamily="18" charset="0"/>
-              </a:rPr>
-              <a:t>(</a:t>
-            </a:r>
-            <a:r>
-              <a:rPr lang="en-US" sz="1800" dirty="0">
-                <a:effectLst/>
-                <a:ea typeface="Calibri" panose="020F0502020204030204" pitchFamily="34" charset="0"/>
-                <a:cs typeface="Times New Roman" panose="02020603050405020304" pitchFamily="18" charset="0"/>
-              </a:rPr>
-              <a:t>x</a:t>
-            </a:r>
-            <a:r>
-              <a:rPr lang="ru-RU" sz="1800" baseline="-25000" dirty="0">
-                <a:effectLst/>
-                <a:ea typeface="Calibri" panose="020F0502020204030204" pitchFamily="34" charset="0"/>
-                <a:cs typeface="Times New Roman" panose="02020603050405020304" pitchFamily="18" charset="0"/>
-              </a:rPr>
-              <a:t>0</a:t>
-            </a:r>
-            <a:r>
-              <a:rPr lang="ru-RU" sz="1800" dirty="0">
-                <a:effectLst/>
-                <a:ea typeface="Calibri" panose="020F0502020204030204" pitchFamily="34" charset="0"/>
-                <a:cs typeface="Times New Roman" panose="02020603050405020304" pitchFamily="18" charset="0"/>
-              </a:rPr>
-              <a:t>).</a:t>
-            </a:r>
-            <a:endParaRPr lang="ru-RU" sz="1800" b="1" dirty="0">
-              <a:effectLst/>
-              <a:ea typeface="Calibri" panose="020F0502020204030204" pitchFamily="34" charset="0"/>
-              <a:cs typeface="Times New Roman" panose="02020603050405020304" pitchFamily="18" charset="0"/>
-            </a:endParaRPr>
-          </a:p>
-        </p:txBody>
-      </p:sp>
       <p:pic>
         <p:nvPicPr>
           <p:cNvPr id="6" name="Рисунок 5">
@@ -21285,14 +24729,14 @@
           <p:nvPr/>
         </p:nvPicPr>
         <p:blipFill>
-          <a:blip r:embed="rId3"/>
+          <a:blip r:embed="rId4"/>
           <a:stretch>
             <a:fillRect/>
           </a:stretch>
         </p:blipFill>
         <p:spPr>
           <a:xfrm>
-            <a:off x="838200" y="1952625"/>
+            <a:off x="838200" y="2325849"/>
             <a:ext cx="10858500" cy="2952750"/>
           </a:xfrm>
           <a:prstGeom prst="rect">
@@ -21370,8 +24814,8 @@
           </a:p>
         </p:txBody>
       </p:sp>
-      <mc:AlternateContent xmlns:mc="http://schemas.openxmlformats.org/markup-compatibility/2006">
-        <mc:Choice xmlns:a14="http://schemas.microsoft.com/office/drawing/2010/main" Requires="a14">
+      <mc:AlternateContent xmlns:mc="http://schemas.openxmlformats.org/markup-compatibility/2006" xmlns:a14="http://schemas.microsoft.com/office/drawing/2010/main">
+        <mc:Choice Requires="a14">
           <p:sp>
             <p:nvSpPr>
               <p:cNvPr id="3" name="Текст 2">
@@ -22181,7 +25625,7 @@
             </p:txBody>
           </p:sp>
         </mc:Choice>
-        <mc:Fallback>
+        <mc:Fallback xmlns="">
           <p:sp>
             <p:nvSpPr>
               <p:cNvPr id="3" name="Текст 2">
@@ -23328,12 +26772,8 @@
                   <a:t>или </a:t>
                 </a:r>
                 <a:r>
-                  <a:rPr lang="ru-RU" b="1" dirty="0" err="1"/>
-                  <a:t>столбцовой</a:t>
-                </a:r>
-                <a:r>
                   <a:rPr lang="ru-RU" b="1" dirty="0"/>
-                  <a:t> матрицей</a:t>
+                  <a:t>столбцовой матрицей</a:t>
                 </a:r>
                 <a:r>
                   <a:rPr lang="ru-RU" dirty="0"/>
@@ -23360,20 +26800,16 @@
                   <a:t>Квадратная матрица называется </a:t>
                 </a:r>
                 <a:r>
-                  <a:rPr lang="ru-RU" b="1" dirty="0" err="1"/>
+                  <a:rPr lang="ru-RU" b="1" dirty="0"/>
                   <a:t>верхнетреугольной</a:t>
                 </a:r>
                 <a:r>
+                  <a:rPr lang="en-US" b="1" dirty="0"/>
+                  <a:t> </a:t>
+                </a:r>
+                <a:r>
                   <a:rPr lang="ru-RU" b="1" dirty="0"/>
-                  <a:t>(</a:t>
-                </a:r>
-                <a:r>
-                  <a:rPr lang="ru-RU" b="1" dirty="0" err="1"/>
-                  <a:t>нижнетреугольной</a:t>
-                </a:r>
-                <a:r>
-                  <a:rPr lang="ru-RU" b="1" dirty="0"/>
-                  <a:t>)</a:t>
+                  <a:t>(нижнетреугольной)</a:t>
                 </a:r>
                 <a:r>
                   <a:rPr lang="ru-RU" dirty="0"/>
@@ -24762,16 +28198,22 @@
                       <m:t>(</m:t>
                     </m:r>
                     <m:r>
+                      <a:rPr lang="en-US" b="0" i="1" dirty="0" smtClean="0">
+                        <a:latin typeface="Cambria Math" panose="02040503050406030204" pitchFamily="18" charset="0"/>
+                      </a:rPr>
+                      <m:t>𝑛</m:t>
+                    </m:r>
+                    <m:r>
                       <a:rPr lang="en-US" i="1" dirty="0" err="1" smtClean="0">
                         <a:latin typeface="Cambria Math" panose="02040503050406030204" pitchFamily="18" charset="0"/>
                       </a:rPr>
-                      <m:t>𝑚</m:t>
-                    </m:r>
-                    <m:r>
-                      <a:rPr lang="en-US" i="1" dirty="0" err="1" smtClean="0">
-                        <a:latin typeface="Cambria Math" panose="02040503050406030204" pitchFamily="18" charset="0"/>
-                      </a:rPr>
                       <m:t>,</m:t>
+                    </m:r>
+                    <m:r>
+                      <a:rPr lang="en-US" b="0" i="1" dirty="0" smtClean="0">
+                        <a:latin typeface="Cambria Math" panose="02040503050406030204" pitchFamily="18" charset="0"/>
+                      </a:rPr>
+                      <m:t> </m:t>
                     </m:r>
                     <m:r>
                       <a:rPr lang="en-US" i="1" dirty="0" err="1" smtClean="0">
@@ -25474,7 +28916,7 @@
                 </a:solidFill>
                 <a:latin typeface="Montserrat" panose="00000500000000000000" pitchFamily="2" charset="-52"/>
               </a:rPr>
-              <a:t>Общий вид разложения по столбцу</a:t>
+              <a:t>Общий вид разложения по строке</a:t>
             </a:r>
             <a:r>
               <a:rPr lang="en-US" dirty="0">
@@ -25485,7 +28927,7 @@
                 </a:solidFill>
                 <a:latin typeface="Montserrat" panose="00000500000000000000" pitchFamily="2" charset="-52"/>
               </a:rPr>
-              <a:t>/</a:t>
+              <a:t> (</a:t>
             </a:r>
             <a:r>
               <a:rPr lang="ru-RU" dirty="0">
@@ -25496,7 +28938,7 @@
                 </a:solidFill>
                 <a:latin typeface="Montserrat" panose="00000500000000000000" pitchFamily="2" charset="-52"/>
               </a:rPr>
-              <a:t>строке</a:t>
+              <a:t>столбцу</a:t>
             </a:r>
             <a:r>
               <a:rPr lang="en-US" dirty="0">
@@ -25507,7 +28949,29 @@
                 </a:solidFill>
                 <a:latin typeface="Montserrat" panose="00000500000000000000" pitchFamily="2" charset="-52"/>
               </a:rPr>
+              <a:t>)</a:t>
+            </a:r>
+            <a:r>
+              <a:rPr lang="ru-RU" dirty="0">
+                <a:solidFill>
+                  <a:schemeClr val="bg1">
+                    <a:lumMod val="50000"/>
+                  </a:schemeClr>
+                </a:solidFill>
+                <a:latin typeface="Montserrat" panose="00000500000000000000" pitchFamily="2" charset="-52"/>
+              </a:rPr>
               <a:t> </a:t>
+            </a:r>
+            <a:r>
+              <a:rPr lang="en-US" dirty="0">
+                <a:solidFill>
+                  <a:schemeClr val="bg1">
+                    <a:lumMod val="50000"/>
+                  </a:schemeClr>
+                </a:solidFill>
+                <a:latin typeface="Montserrat" panose="00000500000000000000" pitchFamily="2" charset="-52"/>
+              </a:rPr>
+              <a:t>k </a:t>
             </a:r>
             <a:r>
               <a:rPr lang="ru-RU" dirty="0">
@@ -25586,7 +29050,7 @@
         </p:nvSpPr>
         <p:spPr>
           <a:xfrm>
-            <a:off x="6064119" y="3940284"/>
+            <a:off x="6096000" y="3940284"/>
             <a:ext cx="5522265" cy="646331"/>
           </a:xfrm>
           <a:prstGeom prst="rect">
@@ -26227,7 +29691,7 @@
                   <a:srgbClr val="FF0000"/>
                 </a:solidFill>
               </a:rPr>
-              <a:t>21. </a:t>
+              <a:t>*21. </a:t>
             </a:r>
             <a:r>
               <a:rPr lang="ru-RU" sz="2000" i="0" u="none" strike="noStrike" dirty="0">
@@ -26463,7 +29927,7 @@
                   <a:srgbClr val="FF0000"/>
                 </a:solidFill>
               </a:rPr>
-              <a:t>22. </a:t>
+              <a:t>*22. </a:t>
             </a:r>
             <a:r>
               <a:rPr lang="ru-RU" sz="2000" i="0" u="none" strike="noStrike" dirty="0">
@@ -26763,7 +30227,7 @@
                   <a:srgbClr val="FF0000"/>
                 </a:solidFill>
               </a:rPr>
-              <a:t>23. Минор и алгебраическое дополнение. Определитель треугольной матрицы.</a:t>
+              <a:t>*23. Минор и алгебраическое дополнение. Определитель треугольной матрицы.</a:t>
             </a:r>
             <a:endParaRPr lang="ru-RU" sz="2000" b="1" u="none" dirty="0">
               <a:solidFill>
@@ -28475,7 +31939,7 @@
                   <a:srgbClr val="FF0000"/>
                 </a:solidFill>
               </a:rPr>
-              <a:t>23. Минор и алгебраическое дополнение. Определитель треугольной матрицы.</a:t>
+              <a:t>*23. Минор и алгебраическое дополнение. Определитель треугольной матрицы.</a:t>
             </a:r>
             <a:endParaRPr lang="ru-RU" sz="2000" b="1" u="none" dirty="0">
               <a:solidFill>
@@ -28530,19 +31994,7 @@
               <a:rPr lang="ru-RU" sz="1800" b="0" i="0" u="none" strike="noStrike" baseline="0" dirty="0">
                 <a:latin typeface="Montserrat" panose="00000500000000000000" pitchFamily="2" charset="-52"/>
               </a:rPr>
-              <a:t>Определитель </a:t>
-            </a:r>
-            <a:r>
-              <a:rPr lang="ru-RU" sz="1800" b="0" i="0" u="none" strike="noStrike" baseline="0" dirty="0" err="1">
-                <a:latin typeface="Montserrat" panose="00000500000000000000" pitchFamily="2" charset="-52"/>
-              </a:rPr>
-              <a:t>верхнетреугольной</a:t>
-            </a:r>
-            <a:r>
-              <a:rPr lang="ru-RU" sz="1800" b="0" i="0" u="none" strike="noStrike" baseline="0" dirty="0">
-                <a:latin typeface="Montserrat" panose="00000500000000000000" pitchFamily="2" charset="-52"/>
-              </a:rPr>
-              <a:t> матрицы равен произведению</a:t>
+              <a:t>Определитель верхнетреугольной матрицы равен произведению</a:t>
             </a:r>
             <a:r>
               <a:rPr lang="en-US" sz="1800" b="0" i="0" u="none" strike="noStrike" baseline="0" dirty="0">
@@ -28641,19 +32093,7 @@
               <a:rPr lang="ru-RU" dirty="0">
                 <a:latin typeface="Montserrat" panose="00000500000000000000" pitchFamily="2" charset="-52"/>
               </a:rPr>
-              <a:t>Откуда, итеративно продолжая процесс приходим к тому, что определитель </a:t>
-            </a:r>
-            <a:r>
-              <a:rPr lang="ru-RU" dirty="0" err="1">
-                <a:latin typeface="Montserrat" panose="00000500000000000000" pitchFamily="2" charset="-52"/>
-              </a:rPr>
-              <a:t>верхнетреугольной</a:t>
-            </a:r>
-            <a:r>
-              <a:rPr lang="ru-RU" dirty="0">
-                <a:latin typeface="Montserrat" panose="00000500000000000000" pitchFamily="2" charset="-52"/>
-              </a:rPr>
-              <a:t> матрицы равен произведению диагональных элементов. </a:t>
+              <a:t>Откуда, итеративно продолжая процесс приходим к тому, что определитель верхнетреугольной матрицы равен произведению диагональных элементов. </a:t>
             </a:r>
             <a:r>
               <a:rPr lang="ru-RU" dirty="0"/>
@@ -28819,7 +32259,7 @@
                   <a:srgbClr val="FF0000"/>
                 </a:solidFill>
               </a:rPr>
-              <a:t>24. Обратная матрица. Критерий обратимости.</a:t>
+              <a:t>*24. Обратная матрица. Критерий обратимости.</a:t>
             </a:r>
             <a:endParaRPr lang="ru-RU" sz="2000" b="1" u="none" dirty="0">
               <a:solidFill>
@@ -29180,7 +32620,7 @@
                   <a:srgbClr val="FF0000"/>
                 </a:solidFill>
               </a:rPr>
-              <a:t>24. Обратная матрица. Критерий обратимости.</a:t>
+              <a:t>*24. Обратная матрица. Критерий обратимости.</a:t>
             </a:r>
             <a:endParaRPr lang="ru-RU" sz="2000" b="1" u="none" dirty="0">
               <a:solidFill>
@@ -29370,7 +32810,7 @@
                   <a:srgbClr val="FF0000"/>
                 </a:solidFill>
               </a:rPr>
-              <a:t>24. Обратная матрица. Критерий обратимости.</a:t>
+              <a:t>*24. Обратная матрица. Критерий обратимости.</a:t>
             </a:r>
             <a:endParaRPr lang="ru-RU" sz="2000" b="1" u="none" dirty="0">
               <a:solidFill>
@@ -29577,7 +33017,7 @@
                   <a:srgbClr val="FF0000"/>
                 </a:solidFill>
               </a:rPr>
-              <a:t>24. Обратная матрица. Критерий обратимости.</a:t>
+              <a:t>*24. Обратная матрица. Критерий обратимости.</a:t>
             </a:r>
             <a:endParaRPr lang="ru-RU" sz="2000" b="1" u="none" dirty="0">
               <a:solidFill>
@@ -30085,85 +33525,6 @@
           </a:prstGeom>
         </p:spPr>
       </p:pic>
-      <p:pic>
-        <p:nvPicPr>
-          <p:cNvPr id="6" name="Рисунок 5">
-            <a:extLst>
-              <a:ext uri="{FF2B5EF4-FFF2-40B4-BE49-F238E27FC236}">
-                <a16:creationId xmlns:a16="http://schemas.microsoft.com/office/drawing/2014/main" id="{DF4ABBF2-BF74-4E6C-90AF-6CEA69CEC2E9}"/>
-              </a:ext>
-            </a:extLst>
-          </p:cNvPr>
-          <p:cNvPicPr/>
-          <p:nvPr/>
-        </p:nvPicPr>
-        <p:blipFill>
-          <a:blip r:embed="rId3"/>
-          <a:stretch>
-            <a:fillRect/>
-          </a:stretch>
-        </p:blipFill>
-        <p:spPr>
-          <a:xfrm>
-            <a:off x="2045563" y="3241385"/>
-            <a:ext cx="6948386" cy="1687867"/>
-          </a:xfrm>
-          <a:prstGeom prst="rect">
-            <a:avLst/>
-          </a:prstGeom>
-        </p:spPr>
-      </p:pic>
-      <p:sp>
-        <p:nvSpPr>
-          <p:cNvPr id="7" name="TextBox 6">
-            <a:extLst>
-              <a:ext uri="{FF2B5EF4-FFF2-40B4-BE49-F238E27FC236}">
-                <a16:creationId xmlns:a16="http://schemas.microsoft.com/office/drawing/2014/main" id="{36E883CA-BD4C-4252-B4E3-FB8BF12DC274}"/>
-              </a:ext>
-            </a:extLst>
-          </p:cNvPr>
-          <p:cNvSpPr txBox="1"/>
-          <p:nvPr/>
-        </p:nvSpPr>
-        <p:spPr>
-          <a:xfrm>
-            <a:off x="2632248" y="4744586"/>
-            <a:ext cx="5775015" cy="369332"/>
-          </a:xfrm>
-          <a:prstGeom prst="rect">
-            <a:avLst/>
-          </a:prstGeom>
-          <a:noFill/>
-        </p:spPr>
-        <p:txBody>
-          <a:bodyPr wrap="square">
-            <a:spAutoFit/>
-          </a:bodyPr>
-          <a:lstStyle/>
-          <a:p>
-            <a:pPr algn="ctr"/>
-            <a:r>
-              <a:rPr lang="ru-RU" dirty="0">
-                <a:solidFill>
-                  <a:schemeClr val="bg1">
-                    <a:lumMod val="50000"/>
-                  </a:schemeClr>
-                </a:solidFill>
-                <a:latin typeface="Montserrat" panose="00000500000000000000" pitchFamily="2" charset="-52"/>
-              </a:rPr>
-              <a:t>СЛАУ записанная в матричном виде</a:t>
-            </a:r>
-            <a:endParaRPr lang="en-US" dirty="0">
-              <a:solidFill>
-                <a:schemeClr val="bg1">
-                  <a:lumMod val="50000"/>
-                </a:schemeClr>
-              </a:solidFill>
-              <a:latin typeface="Montserrat" panose="00000500000000000000" pitchFamily="2" charset="-52"/>
-            </a:endParaRPr>
-          </a:p>
-        </p:txBody>
-      </p:sp>
       <p:sp>
         <p:nvSpPr>
           <p:cNvPr id="9" name="TextBox 8">
@@ -30178,7 +33539,7 @@
         </p:nvSpPr>
         <p:spPr>
           <a:xfrm>
-            <a:off x="838200" y="5282593"/>
+            <a:off x="838200" y="4890708"/>
             <a:ext cx="10161233" cy="923330"/>
           </a:xfrm>
           <a:prstGeom prst="rect">
@@ -30230,6 +33591,84 @@
           </a:p>
         </p:txBody>
       </p:sp>
+      <p:sp>
+        <p:nvSpPr>
+          <p:cNvPr id="3" name="TextBox 2">
+            <a:extLst>
+              <a:ext uri="{FF2B5EF4-FFF2-40B4-BE49-F238E27FC236}">
+                <a16:creationId xmlns:a16="http://schemas.microsoft.com/office/drawing/2014/main" id="{6D20F3EA-52BD-D21C-EFBC-F6DE0AFFAE75}"/>
+              </a:ext>
+            </a:extLst>
+          </p:cNvPr>
+          <p:cNvSpPr txBox="1"/>
+          <p:nvPr/>
+        </p:nvSpPr>
+        <p:spPr>
+          <a:xfrm>
+            <a:off x="2632247" y="4155279"/>
+            <a:ext cx="5775015" cy="369332"/>
+          </a:xfrm>
+          <a:prstGeom prst="rect">
+            <a:avLst/>
+          </a:prstGeom>
+          <a:noFill/>
+        </p:spPr>
+        <p:txBody>
+          <a:bodyPr wrap="square">
+            <a:spAutoFit/>
+          </a:bodyPr>
+          <a:lstStyle/>
+          <a:p>
+            <a:pPr algn="ctr"/>
+            <a:r>
+              <a:rPr lang="ru-RU" dirty="0">
+                <a:solidFill>
+                  <a:schemeClr val="bg1">
+                    <a:lumMod val="50000"/>
+                  </a:schemeClr>
+                </a:solidFill>
+                <a:latin typeface="Montserrat" panose="00000500000000000000" pitchFamily="2" charset="-52"/>
+              </a:rPr>
+              <a:t>СЛАУ записанная в матричном виде</a:t>
+            </a:r>
+            <a:endParaRPr lang="en-US" dirty="0">
+              <a:solidFill>
+                <a:schemeClr val="bg1">
+                  <a:lumMod val="50000"/>
+                </a:schemeClr>
+              </a:solidFill>
+              <a:latin typeface="Montserrat" panose="00000500000000000000" pitchFamily="2" charset="-52"/>
+            </a:endParaRPr>
+          </a:p>
+        </p:txBody>
+      </p:sp>
+      <p:pic>
+        <p:nvPicPr>
+          <p:cNvPr id="8" name="Рисунок 7">
+            <a:extLst>
+              <a:ext uri="{FF2B5EF4-FFF2-40B4-BE49-F238E27FC236}">
+                <a16:creationId xmlns:a16="http://schemas.microsoft.com/office/drawing/2014/main" id="{92F0602E-12B7-29A4-48C3-F1B537C790DE}"/>
+              </a:ext>
+            </a:extLst>
+          </p:cNvPr>
+          <p:cNvPicPr/>
+          <p:nvPr/>
+        </p:nvPicPr>
+        <p:blipFill>
+          <a:blip r:embed="rId3"/>
+          <a:srcRect t="16412" b="10282"/>
+          <a:stretch/>
+        </p:blipFill>
+        <p:spPr>
+          <a:xfrm>
+            <a:off x="2045561" y="2964385"/>
+            <a:ext cx="6948386" cy="1237309"/>
+          </a:xfrm>
+          <a:prstGeom prst="rect">
+            <a:avLst/>
+          </a:prstGeom>
+        </p:spPr>
+      </p:pic>
     </p:spTree>
     <p:extLst>
       <p:ext uri="{BB962C8B-B14F-4D97-AF65-F5344CB8AC3E}">
@@ -31134,7 +34573,7 @@
                   <a:srgbClr val="FF0000"/>
                 </a:solidFill>
               </a:rPr>
-              <a:t>5</a:t>
+              <a:t>6</a:t>
             </a:r>
             <a:r>
               <a:rPr lang="en-US" sz="1800" b="1" i="0" u="none" strike="noStrike" dirty="0">
@@ -31494,14 +34933,13 @@
         </p:nvPicPr>
         <p:blipFill>
           <a:blip r:embed="rId3"/>
-          <a:stretch>
-            <a:fillRect/>
-          </a:stretch>
+          <a:srcRect t="16412" b="10282"/>
+          <a:stretch/>
         </p:blipFill>
         <p:spPr>
           <a:xfrm>
-            <a:off x="2045562" y="2964385"/>
-            <a:ext cx="6948386" cy="1687867"/>
+            <a:off x="2045561" y="2964385"/>
+            <a:ext cx="6948386" cy="1237309"/>
           </a:xfrm>
           <a:prstGeom prst="rect">
             <a:avLst/>
@@ -31522,7 +34960,7 @@
         </p:nvSpPr>
         <p:spPr>
           <a:xfrm>
-            <a:off x="838200" y="5001609"/>
+            <a:off x="838200" y="4553739"/>
             <a:ext cx="10161233" cy="1477328"/>
           </a:xfrm>
           <a:prstGeom prst="rect">
@@ -31599,10 +35037,10 @@
       </p:sp>
       <p:sp>
         <p:nvSpPr>
-          <p:cNvPr id="3" name="TextBox 2">
+          <p:cNvPr id="7" name="TextBox 6">
             <a:extLst>
               <a:ext uri="{FF2B5EF4-FFF2-40B4-BE49-F238E27FC236}">
-                <a16:creationId xmlns:a16="http://schemas.microsoft.com/office/drawing/2014/main" id="{1D03D4F1-5FF3-88D8-7EC6-EC4355BF7498}"/>
+                <a16:creationId xmlns:a16="http://schemas.microsoft.com/office/drawing/2014/main" id="{12175810-1795-E457-6613-84481E454C36}"/>
               </a:ext>
             </a:extLst>
           </p:cNvPr>
@@ -31611,7 +35049,7 @@
         </p:nvSpPr>
         <p:spPr>
           <a:xfrm>
-            <a:off x="2632247" y="4407210"/>
+            <a:off x="2632247" y="4155279"/>
             <a:ext cx="5775015" cy="369332"/>
           </a:xfrm>
           <a:prstGeom prst="rect">
@@ -32050,34 +35488,6 @@
           </a:prstGeom>
         </p:spPr>
       </p:pic>
-      <p:pic>
-        <p:nvPicPr>
-          <p:cNvPr id="6" name="Рисунок 5">
-            <a:extLst>
-              <a:ext uri="{FF2B5EF4-FFF2-40B4-BE49-F238E27FC236}">
-                <a16:creationId xmlns:a16="http://schemas.microsoft.com/office/drawing/2014/main" id="{DF4ABBF2-BF74-4E6C-90AF-6CEA69CEC2E9}"/>
-              </a:ext>
-            </a:extLst>
-          </p:cNvPr>
-          <p:cNvPicPr/>
-          <p:nvPr/>
-        </p:nvPicPr>
-        <p:blipFill>
-          <a:blip r:embed="rId3"/>
-          <a:stretch>
-            <a:fillRect/>
-          </a:stretch>
-        </p:blipFill>
-        <p:spPr>
-          <a:xfrm>
-            <a:off x="2045562" y="2964385"/>
-            <a:ext cx="6948386" cy="1687867"/>
-          </a:xfrm>
-          <a:prstGeom prst="rect">
-            <a:avLst/>
-          </a:prstGeom>
-        </p:spPr>
-      </p:pic>
       <p:sp>
         <p:nvSpPr>
           <p:cNvPr id="7" name="TextBox 6">
@@ -32092,7 +35502,7 @@
         </p:nvSpPr>
         <p:spPr>
           <a:xfrm>
-            <a:off x="2632247" y="4407210"/>
+            <a:off x="2632247" y="4155279"/>
             <a:ext cx="5775015" cy="369332"/>
           </a:xfrm>
           <a:prstGeom prst="rect">
@@ -32143,7 +35553,7 @@
         </p:nvSpPr>
         <p:spPr>
           <a:xfrm>
-            <a:off x="838200" y="4776542"/>
+            <a:off x="838200" y="4524611"/>
             <a:ext cx="10161233" cy="1579920"/>
           </a:xfrm>
           <a:prstGeom prst="rect">
@@ -32467,6 +35877,33 @@
           </a:p>
         </p:txBody>
       </p:sp>
+      <p:pic>
+        <p:nvPicPr>
+          <p:cNvPr id="3" name="Рисунок 2">
+            <a:extLst>
+              <a:ext uri="{FF2B5EF4-FFF2-40B4-BE49-F238E27FC236}">
+                <a16:creationId xmlns:a16="http://schemas.microsoft.com/office/drawing/2014/main" id="{7BF24467-B87B-3B00-2A2A-585EC909D253}"/>
+              </a:ext>
+            </a:extLst>
+          </p:cNvPr>
+          <p:cNvPicPr/>
+          <p:nvPr/>
+        </p:nvPicPr>
+        <p:blipFill>
+          <a:blip r:embed="rId3"/>
+          <a:srcRect t="16412" b="10282"/>
+          <a:stretch/>
+        </p:blipFill>
+        <p:spPr>
+          <a:xfrm>
+            <a:off x="2045561" y="2964385"/>
+            <a:ext cx="6948386" cy="1237309"/>
+          </a:xfrm>
+          <a:prstGeom prst="rect">
+            <a:avLst/>
+          </a:prstGeom>
+        </p:spPr>
+      </p:pic>
     </p:spTree>
     <p:extLst>
       <p:ext uri="{BB962C8B-B14F-4D97-AF65-F5344CB8AC3E}">
